--- a/Documents/MessageQueueService.pptx
+++ b/Documents/MessageQueueService.pptx
@@ -8,9 +8,29 @@
     <p:sldId id="256" r:id="rId2"/>
     <p:sldId id="257" r:id="rId3"/>
     <p:sldId id="258" r:id="rId4"/>
-    <p:sldId id="259" r:id="rId5"/>
-    <p:sldId id="260" r:id="rId6"/>
-    <p:sldId id="261" r:id="rId7"/>
+    <p:sldId id="262" r:id="rId5"/>
+    <p:sldId id="259" r:id="rId6"/>
+    <p:sldId id="263" r:id="rId7"/>
+    <p:sldId id="264" r:id="rId8"/>
+    <p:sldId id="265" r:id="rId9"/>
+    <p:sldId id="266" r:id="rId10"/>
+    <p:sldId id="267" r:id="rId11"/>
+    <p:sldId id="268" r:id="rId12"/>
+    <p:sldId id="269" r:id="rId13"/>
+    <p:sldId id="270" r:id="rId14"/>
+    <p:sldId id="260" r:id="rId15"/>
+    <p:sldId id="271" r:id="rId16"/>
+    <p:sldId id="272" r:id="rId17"/>
+    <p:sldId id="273" r:id="rId18"/>
+    <p:sldId id="274" r:id="rId19"/>
+    <p:sldId id="275" r:id="rId20"/>
+    <p:sldId id="276" r:id="rId21"/>
+    <p:sldId id="277" r:id="rId22"/>
+    <p:sldId id="278" r:id="rId23"/>
+    <p:sldId id="279" r:id="rId24"/>
+    <p:sldId id="261" r:id="rId25"/>
+    <p:sldId id="280" r:id="rId26"/>
+    <p:sldId id="281" r:id="rId27"/>
   </p:sldIdLst>
   <p:sldSz cx="12192000" cy="6858000"/>
   <p:notesSz cx="6858000" cy="9144000"/>
@@ -264,7 +284,7 @@
           <a:p>
             <a:fld id="{C14B2043-1F73-4EA0-9143-6BF1E0EE3E3C}" type="datetimeFigureOut">
               <a:rPr lang="en-US" smtClean="0"/>
-              <a:t>1/17/2024</a:t>
+              <a:t>1/19/2024</a:t>
             </a:fld>
             <a:endParaRPr lang="en-US"/>
           </a:p>
@@ -462,7 +482,7 @@
           <a:p>
             <a:fld id="{C14B2043-1F73-4EA0-9143-6BF1E0EE3E3C}" type="datetimeFigureOut">
               <a:rPr lang="en-US" smtClean="0"/>
-              <a:t>1/17/2024</a:t>
+              <a:t>1/19/2024</a:t>
             </a:fld>
             <a:endParaRPr lang="en-US"/>
           </a:p>
@@ -670,7 +690,7 @@
           <a:p>
             <a:fld id="{C14B2043-1F73-4EA0-9143-6BF1E0EE3E3C}" type="datetimeFigureOut">
               <a:rPr lang="en-US" smtClean="0"/>
-              <a:t>1/17/2024</a:t>
+              <a:t>1/19/2024</a:t>
             </a:fld>
             <a:endParaRPr lang="en-US"/>
           </a:p>
@@ -868,7 +888,7 @@
           <a:p>
             <a:fld id="{C14B2043-1F73-4EA0-9143-6BF1E0EE3E3C}" type="datetimeFigureOut">
               <a:rPr lang="en-US" smtClean="0"/>
-              <a:t>1/17/2024</a:t>
+              <a:t>1/19/2024</a:t>
             </a:fld>
             <a:endParaRPr lang="en-US"/>
           </a:p>
@@ -1143,7 +1163,7 @@
           <a:p>
             <a:fld id="{C14B2043-1F73-4EA0-9143-6BF1E0EE3E3C}" type="datetimeFigureOut">
               <a:rPr lang="en-US" smtClean="0"/>
-              <a:t>1/17/2024</a:t>
+              <a:t>1/19/2024</a:t>
             </a:fld>
             <a:endParaRPr lang="en-US"/>
           </a:p>
@@ -1408,7 +1428,7 @@
           <a:p>
             <a:fld id="{C14B2043-1F73-4EA0-9143-6BF1E0EE3E3C}" type="datetimeFigureOut">
               <a:rPr lang="en-US" smtClean="0"/>
-              <a:t>1/17/2024</a:t>
+              <a:t>1/19/2024</a:t>
             </a:fld>
             <a:endParaRPr lang="en-US"/>
           </a:p>
@@ -1820,7 +1840,7 @@
           <a:p>
             <a:fld id="{C14B2043-1F73-4EA0-9143-6BF1E0EE3E3C}" type="datetimeFigureOut">
               <a:rPr lang="en-US" smtClean="0"/>
-              <a:t>1/17/2024</a:t>
+              <a:t>1/19/2024</a:t>
             </a:fld>
             <a:endParaRPr lang="en-US"/>
           </a:p>
@@ -1961,7 +1981,7 @@
           <a:p>
             <a:fld id="{C14B2043-1F73-4EA0-9143-6BF1E0EE3E3C}" type="datetimeFigureOut">
               <a:rPr lang="en-US" smtClean="0"/>
-              <a:t>1/17/2024</a:t>
+              <a:t>1/19/2024</a:t>
             </a:fld>
             <a:endParaRPr lang="en-US"/>
           </a:p>
@@ -2074,7 +2094,7 @@
           <a:p>
             <a:fld id="{C14B2043-1F73-4EA0-9143-6BF1E0EE3E3C}" type="datetimeFigureOut">
               <a:rPr lang="en-US" smtClean="0"/>
-              <a:t>1/17/2024</a:t>
+              <a:t>1/19/2024</a:t>
             </a:fld>
             <a:endParaRPr lang="en-US"/>
           </a:p>
@@ -2385,7 +2405,7 @@
           <a:p>
             <a:fld id="{C14B2043-1F73-4EA0-9143-6BF1E0EE3E3C}" type="datetimeFigureOut">
               <a:rPr lang="en-US" smtClean="0"/>
-              <a:t>1/17/2024</a:t>
+              <a:t>1/19/2024</a:t>
             </a:fld>
             <a:endParaRPr lang="en-US"/>
           </a:p>
@@ -2673,7 +2693,7 @@
           <a:p>
             <a:fld id="{C14B2043-1F73-4EA0-9143-6BF1E0EE3E3C}" type="datetimeFigureOut">
               <a:rPr lang="en-US" smtClean="0"/>
-              <a:t>1/17/2024</a:t>
+              <a:t>1/19/2024</a:t>
             </a:fld>
             <a:endParaRPr lang="en-US"/>
           </a:p>
@@ -2914,7 +2934,7 @@
           <a:p>
             <a:fld id="{C14B2043-1F73-4EA0-9143-6BF1E0EE3E3C}" type="datetimeFigureOut">
               <a:rPr lang="en-US" smtClean="0"/>
-              <a:t>1/17/2024</a:t>
+              <a:t>1/19/2024</a:t>
             </a:fld>
             <a:endParaRPr lang="en-US"/>
           </a:p>
@@ -3414,6 +3434,2781 @@
 </p:sld>
 </file>
 
+<file path=ppt/slides/slide10.xml><?xml version="1.0" encoding="utf-8"?>
+<p:sld xmlns:a="http://schemas.openxmlformats.org/drawingml/2006/main" xmlns:r="http://schemas.openxmlformats.org/officeDocument/2006/relationships" xmlns:p="http://schemas.openxmlformats.org/presentationml/2006/main">
+  <p:cSld>
+    <p:spTree>
+      <p:nvGrpSpPr>
+        <p:cNvPr id="1" name=""/>
+        <p:cNvGrpSpPr/>
+        <p:nvPr/>
+      </p:nvGrpSpPr>
+      <p:grpSpPr>
+        <a:xfrm>
+          <a:off x="0" y="0"/>
+          <a:ext cx="0" cy="0"/>
+          <a:chOff x="0" y="0"/>
+          <a:chExt cx="0" cy="0"/>
+        </a:xfrm>
+      </p:grpSpPr>
+      <p:sp>
+        <p:nvSpPr>
+          <p:cNvPr id="2" name="Title 1">
+            <a:extLst>
+              <a:ext uri="{FF2B5EF4-FFF2-40B4-BE49-F238E27FC236}">
+                <a16:creationId xmlns:a16="http://schemas.microsoft.com/office/drawing/2014/main" id="{F00CA20F-A43B-1C0D-95C5-DD0432B778E2}"/>
+              </a:ext>
+            </a:extLst>
+          </p:cNvPr>
+          <p:cNvSpPr>
+            <a:spLocks noGrp="1"/>
+          </p:cNvSpPr>
+          <p:nvPr>
+            <p:ph type="title"/>
+          </p:nvPr>
+        </p:nvSpPr>
+        <p:spPr>
+          <a:xfrm>
+            <a:off x="838200" y="365125"/>
+            <a:ext cx="10515600" cy="896747"/>
+          </a:xfrm>
+        </p:spPr>
+        <p:txBody>
+          <a:bodyPr>
+            <a:normAutofit fontScale="90000"/>
+          </a:bodyPr>
+          <a:lstStyle/>
+          <a:p>
+            <a:pPr algn="ctr"/>
+            <a:r>
+              <a:rPr lang="en-US" b="1" i="0" dirty="0" err="1">
+                <a:effectLst/>
+                <a:latin typeface="-apple-system"/>
+              </a:rPr>
+              <a:t>ZeroMQ</a:t>
+            </a:r>
+            <a:br>
+              <a:rPr lang="en-US" b="1" i="0" dirty="0">
+                <a:effectLst/>
+                <a:latin typeface="-apple-system"/>
+              </a:rPr>
+            </a:br>
+            <a:endParaRPr lang="en-US" dirty="0"/>
+          </a:p>
+        </p:txBody>
+      </p:sp>
+      <p:sp>
+        <p:nvSpPr>
+          <p:cNvPr id="3" name="Content Placeholder 2">
+            <a:extLst>
+              <a:ext uri="{FF2B5EF4-FFF2-40B4-BE49-F238E27FC236}">
+                <a16:creationId xmlns:a16="http://schemas.microsoft.com/office/drawing/2014/main" id="{1F0FE871-49C9-98C4-B312-44FDA8548534}"/>
+              </a:ext>
+            </a:extLst>
+          </p:cNvPr>
+          <p:cNvSpPr>
+            <a:spLocks noGrp="1"/>
+          </p:cNvSpPr>
+          <p:nvPr>
+            <p:ph idx="1"/>
+          </p:nvPr>
+        </p:nvSpPr>
+        <p:spPr>
+          <a:xfrm>
+            <a:off x="838200" y="1261872"/>
+            <a:ext cx="10515600" cy="4915091"/>
+          </a:xfrm>
+        </p:spPr>
+        <p:txBody>
+          <a:bodyPr/>
+          <a:lstStyle/>
+          <a:p>
+            <a:pPr marL="0" indent="0" algn="l">
+              <a:buNone/>
+            </a:pPr>
+            <a:r>
+              <a:rPr lang="en-US" b="1" i="0" u="sng" dirty="0">
+                <a:solidFill>
+                  <a:srgbClr val="374151"/>
+                </a:solidFill>
+                <a:effectLst/>
+                <a:latin typeface="Söhne"/>
+              </a:rPr>
+              <a:t>Reasons to Choose:</a:t>
+            </a:r>
+            <a:endParaRPr lang="en-US" b="0" i="0" u="sng" dirty="0">
+              <a:solidFill>
+                <a:srgbClr val="374151"/>
+              </a:solidFill>
+              <a:effectLst/>
+              <a:latin typeface="Söhne"/>
+            </a:endParaRPr>
+          </a:p>
+          <a:p>
+            <a:pPr marL="742950" lvl="1" indent="-285750" algn="l">
+              <a:buFont typeface="Arial" panose="020B0604020202020204" pitchFamily="34" charset="0"/>
+              <a:buChar char="•"/>
+            </a:pPr>
+            <a:r>
+              <a:rPr lang="en-US" b="0" i="0" dirty="0">
+                <a:solidFill>
+                  <a:srgbClr val="374151"/>
+                </a:solidFill>
+                <a:effectLst/>
+                <a:latin typeface="Söhne"/>
+              </a:rPr>
+              <a:t>Extremely fast and efficient for point-to-point communication.</a:t>
+            </a:r>
+          </a:p>
+          <a:p>
+            <a:pPr marL="742950" lvl="1" indent="-285750" algn="l">
+              <a:buFont typeface="Arial" panose="020B0604020202020204" pitchFamily="34" charset="0"/>
+              <a:buChar char="•"/>
+            </a:pPr>
+            <a:r>
+              <a:rPr lang="en-US" b="0" i="0" dirty="0">
+                <a:solidFill>
+                  <a:srgbClr val="374151"/>
+                </a:solidFill>
+                <a:effectLst/>
+                <a:latin typeface="Söhne"/>
+              </a:rPr>
+              <a:t>Flexibility in choosing messaging patterns.</a:t>
+            </a:r>
+          </a:p>
+          <a:p>
+            <a:pPr marL="742950" lvl="1" indent="-285750" algn="l">
+              <a:buFont typeface="Arial" panose="020B0604020202020204" pitchFamily="34" charset="0"/>
+              <a:buChar char="•"/>
+            </a:pPr>
+            <a:r>
+              <a:rPr lang="en-US" b="0" i="0" dirty="0">
+                <a:solidFill>
+                  <a:srgbClr val="374151"/>
+                </a:solidFill>
+                <a:effectLst/>
+                <a:latin typeface="Söhne"/>
+              </a:rPr>
+              <a:t>Minimalistic and easy to integrate.</a:t>
+            </a:r>
+          </a:p>
+          <a:p>
+            <a:pPr marL="742950" lvl="1" indent="-285750" algn="l">
+              <a:buFont typeface="Arial" panose="020B0604020202020204" pitchFamily="34" charset="0"/>
+              <a:buChar char="•"/>
+            </a:pPr>
+            <a:r>
+              <a:rPr lang="en-US" b="0" i="0" dirty="0">
+                <a:solidFill>
+                  <a:srgbClr val="374151"/>
+                </a:solidFill>
+                <a:effectLst/>
+                <a:latin typeface="Söhne"/>
+              </a:rPr>
+              <a:t>Suitable for scenarios requiring high-performance.</a:t>
+            </a:r>
+          </a:p>
+          <a:p>
+            <a:pPr marL="0" indent="0" algn="l">
+              <a:buNone/>
+            </a:pPr>
+            <a:r>
+              <a:rPr lang="en-US" b="1" i="0" u="sng" dirty="0">
+                <a:solidFill>
+                  <a:srgbClr val="374151"/>
+                </a:solidFill>
+                <a:effectLst/>
+                <a:latin typeface="Söhne"/>
+              </a:rPr>
+              <a:t>Reasons Not to Choose:</a:t>
+            </a:r>
+            <a:endParaRPr lang="en-US" b="0" i="0" u="sng" dirty="0">
+              <a:solidFill>
+                <a:srgbClr val="374151"/>
+              </a:solidFill>
+              <a:effectLst/>
+              <a:latin typeface="Söhne"/>
+            </a:endParaRPr>
+          </a:p>
+          <a:p>
+            <a:pPr marL="742950" lvl="1" indent="-285750" algn="l">
+              <a:buFont typeface="Arial" panose="020B0604020202020204" pitchFamily="34" charset="0"/>
+              <a:buChar char="•"/>
+            </a:pPr>
+            <a:r>
+              <a:rPr lang="en-US" b="0" i="0" dirty="0">
+                <a:solidFill>
+                  <a:srgbClr val="374151"/>
+                </a:solidFill>
+                <a:effectLst/>
+                <a:latin typeface="Söhne"/>
+              </a:rPr>
+              <a:t>Lack of built-in persistence and message durability.</a:t>
+            </a:r>
+          </a:p>
+          <a:p>
+            <a:pPr marL="742950" lvl="1" indent="-285750" algn="l">
+              <a:buFont typeface="Arial" panose="020B0604020202020204" pitchFamily="34" charset="0"/>
+              <a:buChar char="•"/>
+            </a:pPr>
+            <a:r>
+              <a:rPr lang="en-US" b="0" i="0" dirty="0">
+                <a:solidFill>
+                  <a:srgbClr val="374151"/>
+                </a:solidFill>
+                <a:effectLst/>
+                <a:latin typeface="Söhne"/>
+              </a:rPr>
+              <a:t>Limited centralized management and monitoring.</a:t>
+            </a:r>
+          </a:p>
+          <a:p>
+            <a:endParaRPr lang="en-US" dirty="0"/>
+          </a:p>
+          <a:p>
+            <a:endParaRPr lang="en-US" dirty="0"/>
+          </a:p>
+        </p:txBody>
+      </p:sp>
+    </p:spTree>
+    <p:extLst>
+      <p:ext uri="{BB962C8B-B14F-4D97-AF65-F5344CB8AC3E}">
+        <p14:creationId xmlns:p14="http://schemas.microsoft.com/office/powerpoint/2010/main" val="2816554491"/>
+      </p:ext>
+    </p:extLst>
+  </p:cSld>
+  <p:clrMapOvr>
+    <a:masterClrMapping/>
+  </p:clrMapOvr>
+</p:sld>
+</file>
+
+<file path=ppt/slides/slide11.xml><?xml version="1.0" encoding="utf-8"?>
+<p:sld xmlns:a="http://schemas.openxmlformats.org/drawingml/2006/main" xmlns:r="http://schemas.openxmlformats.org/officeDocument/2006/relationships" xmlns:p="http://schemas.openxmlformats.org/presentationml/2006/main">
+  <p:cSld>
+    <p:spTree>
+      <p:nvGrpSpPr>
+        <p:cNvPr id="1" name=""/>
+        <p:cNvGrpSpPr/>
+        <p:nvPr/>
+      </p:nvGrpSpPr>
+      <p:grpSpPr>
+        <a:xfrm>
+          <a:off x="0" y="0"/>
+          <a:ext cx="0" cy="0"/>
+          <a:chOff x="0" y="0"/>
+          <a:chExt cx="0" cy="0"/>
+        </a:xfrm>
+      </p:grpSpPr>
+      <p:sp>
+        <p:nvSpPr>
+          <p:cNvPr id="2" name="Title 1">
+            <a:extLst>
+              <a:ext uri="{FF2B5EF4-FFF2-40B4-BE49-F238E27FC236}">
+                <a16:creationId xmlns:a16="http://schemas.microsoft.com/office/drawing/2014/main" id="{F00CA20F-A43B-1C0D-95C5-DD0432B778E2}"/>
+              </a:ext>
+            </a:extLst>
+          </p:cNvPr>
+          <p:cNvSpPr>
+            <a:spLocks noGrp="1"/>
+          </p:cNvSpPr>
+          <p:nvPr>
+            <p:ph type="title"/>
+          </p:nvPr>
+        </p:nvSpPr>
+        <p:spPr>
+          <a:xfrm>
+            <a:off x="838200" y="365125"/>
+            <a:ext cx="10515600" cy="896747"/>
+          </a:xfrm>
+        </p:spPr>
+        <p:txBody>
+          <a:bodyPr>
+            <a:normAutofit fontScale="90000"/>
+          </a:bodyPr>
+          <a:lstStyle/>
+          <a:p>
+            <a:pPr algn="ctr"/>
+            <a:r>
+              <a:rPr lang="en-US" b="1" i="0" dirty="0">
+                <a:effectLst/>
+                <a:latin typeface="-apple-system"/>
+              </a:rPr>
+              <a:t>NATS</a:t>
+            </a:r>
+            <a:br>
+              <a:rPr lang="en-US" b="1" i="0" dirty="0">
+                <a:effectLst/>
+                <a:latin typeface="-apple-system"/>
+              </a:rPr>
+            </a:br>
+            <a:endParaRPr lang="en-US" dirty="0"/>
+          </a:p>
+        </p:txBody>
+      </p:sp>
+      <p:sp>
+        <p:nvSpPr>
+          <p:cNvPr id="3" name="Content Placeholder 2">
+            <a:extLst>
+              <a:ext uri="{FF2B5EF4-FFF2-40B4-BE49-F238E27FC236}">
+                <a16:creationId xmlns:a16="http://schemas.microsoft.com/office/drawing/2014/main" id="{1F0FE871-49C9-98C4-B312-44FDA8548534}"/>
+              </a:ext>
+            </a:extLst>
+          </p:cNvPr>
+          <p:cNvSpPr>
+            <a:spLocks noGrp="1"/>
+          </p:cNvSpPr>
+          <p:nvPr>
+            <p:ph idx="1"/>
+          </p:nvPr>
+        </p:nvSpPr>
+        <p:spPr>
+          <a:xfrm>
+            <a:off x="838200" y="1261872"/>
+            <a:ext cx="10515600" cy="4915091"/>
+          </a:xfrm>
+        </p:spPr>
+        <p:txBody>
+          <a:bodyPr>
+            <a:normAutofit fontScale="92500" lnSpcReduction="10000"/>
+          </a:bodyPr>
+          <a:lstStyle/>
+          <a:p>
+            <a:pPr marL="0" indent="0" algn="l">
+              <a:buNone/>
+            </a:pPr>
+            <a:r>
+              <a:rPr lang="en-US" b="1" i="0" u="sng" dirty="0">
+                <a:solidFill>
+                  <a:srgbClr val="374151"/>
+                </a:solidFill>
+                <a:effectLst/>
+                <a:latin typeface="Söhne"/>
+              </a:rPr>
+              <a:t>Features:</a:t>
+            </a:r>
+            <a:endParaRPr lang="en-US" b="0" i="0" u="sng" dirty="0">
+              <a:solidFill>
+                <a:srgbClr val="374151"/>
+              </a:solidFill>
+              <a:effectLst/>
+              <a:latin typeface="Söhne"/>
+            </a:endParaRPr>
+          </a:p>
+          <a:p>
+            <a:pPr lvl="1"/>
+            <a:r>
+              <a:rPr lang="en-US" b="1" i="0" dirty="0">
+                <a:solidFill>
+                  <a:srgbClr val="374151"/>
+                </a:solidFill>
+                <a:effectLst/>
+                <a:latin typeface="Söhne"/>
+              </a:rPr>
+              <a:t>Scalability:</a:t>
+            </a:r>
+            <a:endParaRPr lang="en-US" b="0" i="0" dirty="0">
+              <a:solidFill>
+                <a:srgbClr val="374151"/>
+              </a:solidFill>
+              <a:effectLst/>
+              <a:latin typeface="Söhne"/>
+            </a:endParaRPr>
+          </a:p>
+          <a:p>
+            <a:pPr marL="1200150" lvl="2" indent="-285750"/>
+            <a:r>
+              <a:rPr lang="en-US" b="0" i="0" dirty="0">
+                <a:solidFill>
+                  <a:srgbClr val="374151"/>
+                </a:solidFill>
+                <a:effectLst/>
+                <a:latin typeface="Söhne"/>
+              </a:rPr>
+              <a:t>Highly scalable in a lightweight architecture.</a:t>
+            </a:r>
+          </a:p>
+          <a:p>
+            <a:pPr marL="1200150" lvl="2" indent="-285750"/>
+            <a:r>
+              <a:rPr lang="en-US" b="0" i="0" dirty="0">
+                <a:solidFill>
+                  <a:srgbClr val="374151"/>
+                </a:solidFill>
+                <a:effectLst/>
+                <a:latin typeface="Söhne"/>
+              </a:rPr>
+              <a:t>Optimized for high-throughput and low-latency scenarios.</a:t>
+            </a:r>
+          </a:p>
+          <a:p>
+            <a:pPr lvl="1"/>
+            <a:r>
+              <a:rPr lang="en-US" b="1" i="0" dirty="0">
+                <a:solidFill>
+                  <a:srgbClr val="374151"/>
+                </a:solidFill>
+                <a:effectLst/>
+                <a:latin typeface="Söhne"/>
+              </a:rPr>
+              <a:t>Lightweight Focus:</a:t>
+            </a:r>
+            <a:endParaRPr lang="en-US" b="0" i="0" dirty="0">
+              <a:solidFill>
+                <a:srgbClr val="374151"/>
+              </a:solidFill>
+              <a:effectLst/>
+              <a:latin typeface="Söhne"/>
+            </a:endParaRPr>
+          </a:p>
+          <a:p>
+            <a:pPr marL="1200150" lvl="2" indent="-285750"/>
+            <a:r>
+              <a:rPr lang="en-US" b="0" i="0" dirty="0">
+                <a:solidFill>
+                  <a:srgbClr val="374151"/>
+                </a:solidFill>
+                <a:effectLst/>
+                <a:latin typeface="Söhne"/>
+              </a:rPr>
+              <a:t>Designed for lightweight, high-performance messaging.</a:t>
+            </a:r>
+          </a:p>
+          <a:p>
+            <a:pPr marL="1200150" lvl="2" indent="-285750"/>
+            <a:r>
+              <a:rPr lang="en-US" b="0" i="0" dirty="0">
+                <a:solidFill>
+                  <a:srgbClr val="374151"/>
+                </a:solidFill>
+                <a:effectLst/>
+                <a:latin typeface="Söhne"/>
+              </a:rPr>
+              <a:t>Suitable for scenarios where simplicity is a priority.</a:t>
+            </a:r>
+          </a:p>
+          <a:p>
+            <a:pPr lvl="1"/>
+            <a:r>
+              <a:rPr lang="en-US" b="1" i="0" dirty="0">
+                <a:solidFill>
+                  <a:srgbClr val="374151"/>
+                </a:solidFill>
+                <a:effectLst/>
+                <a:latin typeface="Söhne"/>
+              </a:rPr>
+              <a:t>Real-time Messaging:</a:t>
+            </a:r>
+            <a:endParaRPr lang="en-US" b="0" i="0" dirty="0">
+              <a:solidFill>
+                <a:srgbClr val="374151"/>
+              </a:solidFill>
+              <a:effectLst/>
+              <a:latin typeface="Söhne"/>
+            </a:endParaRPr>
+          </a:p>
+          <a:p>
+            <a:pPr marL="1200150" lvl="2" indent="-285750"/>
+            <a:r>
+              <a:rPr lang="en-US" b="0" i="0" dirty="0">
+                <a:solidFill>
+                  <a:srgbClr val="374151"/>
+                </a:solidFill>
+                <a:effectLst/>
+                <a:latin typeface="Söhne"/>
+              </a:rPr>
+              <a:t>Low-latency communication for immediate message delivery.</a:t>
+            </a:r>
+          </a:p>
+          <a:p>
+            <a:pPr marL="1200150" lvl="2" indent="-285750"/>
+            <a:r>
+              <a:rPr lang="en-US" b="0" i="0" dirty="0">
+                <a:solidFill>
+                  <a:srgbClr val="374151"/>
+                </a:solidFill>
+                <a:effectLst/>
+                <a:latin typeface="Söhne"/>
+              </a:rPr>
+              <a:t>Ideal for real-time applications and microservices architectures.</a:t>
+            </a:r>
+          </a:p>
+          <a:p>
+            <a:pPr lvl="1"/>
+            <a:r>
+              <a:rPr lang="en-US" b="1" i="0" dirty="0">
+                <a:solidFill>
+                  <a:srgbClr val="374151"/>
+                </a:solidFill>
+                <a:effectLst/>
+                <a:latin typeface="Söhne"/>
+              </a:rPr>
+              <a:t>Simplicity:</a:t>
+            </a:r>
+            <a:endParaRPr lang="en-US" b="0" i="0" dirty="0">
+              <a:solidFill>
+                <a:srgbClr val="374151"/>
+              </a:solidFill>
+              <a:effectLst/>
+              <a:latin typeface="Söhne"/>
+            </a:endParaRPr>
+          </a:p>
+          <a:p>
+            <a:pPr marL="1200150" lvl="2" indent="-285750"/>
+            <a:r>
+              <a:rPr lang="en-US" b="0" i="0" dirty="0">
+                <a:solidFill>
+                  <a:srgbClr val="374151"/>
+                </a:solidFill>
+                <a:effectLst/>
+                <a:latin typeface="Söhne"/>
+              </a:rPr>
+              <a:t>Lightweight and simple API for ease of use.</a:t>
+            </a:r>
+          </a:p>
+          <a:p>
+            <a:pPr marL="1200150" lvl="2" indent="-285750"/>
+            <a:r>
+              <a:rPr lang="en-US" b="0" i="0" dirty="0">
+                <a:solidFill>
+                  <a:srgbClr val="374151"/>
+                </a:solidFill>
+                <a:effectLst/>
+                <a:latin typeface="Söhne"/>
+              </a:rPr>
+              <a:t>Focuses on simplicity without compromising performance.</a:t>
+            </a:r>
+          </a:p>
+          <a:p>
+            <a:pPr lvl="1"/>
+            <a:r>
+              <a:rPr lang="en-US" b="1" i="0" dirty="0">
+                <a:solidFill>
+                  <a:srgbClr val="374151"/>
+                </a:solidFill>
+                <a:effectLst/>
+                <a:latin typeface="Söhne"/>
+              </a:rPr>
+              <a:t>Community Support:</a:t>
+            </a:r>
+            <a:endParaRPr lang="en-US" b="0" i="0" dirty="0">
+              <a:solidFill>
+                <a:srgbClr val="374151"/>
+              </a:solidFill>
+              <a:effectLst/>
+              <a:latin typeface="Söhne"/>
+            </a:endParaRPr>
+          </a:p>
+          <a:p>
+            <a:pPr marL="1200150" lvl="2" indent="-285750"/>
+            <a:r>
+              <a:rPr lang="en-US" b="0" i="0" dirty="0">
+                <a:solidFill>
+                  <a:srgbClr val="374151"/>
+                </a:solidFill>
+                <a:effectLst/>
+                <a:latin typeface="Söhne"/>
+              </a:rPr>
+              <a:t>Responsive community providing support and continuous improvement.</a:t>
+            </a:r>
+          </a:p>
+          <a:p>
+            <a:pPr marL="0" indent="0">
+              <a:buNone/>
+            </a:pPr>
+            <a:endParaRPr lang="en-US" dirty="0"/>
+          </a:p>
+          <a:p>
+            <a:endParaRPr lang="en-US" dirty="0"/>
+          </a:p>
+        </p:txBody>
+      </p:sp>
+    </p:spTree>
+    <p:extLst>
+      <p:ext uri="{BB962C8B-B14F-4D97-AF65-F5344CB8AC3E}">
+        <p14:creationId xmlns:p14="http://schemas.microsoft.com/office/powerpoint/2010/main" val="2792537749"/>
+      </p:ext>
+    </p:extLst>
+  </p:cSld>
+  <p:clrMapOvr>
+    <a:masterClrMapping/>
+  </p:clrMapOvr>
+</p:sld>
+</file>
+
+<file path=ppt/slides/slide12.xml><?xml version="1.0" encoding="utf-8"?>
+<p:sld xmlns:a="http://schemas.openxmlformats.org/drawingml/2006/main" xmlns:r="http://schemas.openxmlformats.org/officeDocument/2006/relationships" xmlns:p="http://schemas.openxmlformats.org/presentationml/2006/main">
+  <p:cSld>
+    <p:spTree>
+      <p:nvGrpSpPr>
+        <p:cNvPr id="1" name=""/>
+        <p:cNvGrpSpPr/>
+        <p:nvPr/>
+      </p:nvGrpSpPr>
+      <p:grpSpPr>
+        <a:xfrm>
+          <a:off x="0" y="0"/>
+          <a:ext cx="0" cy="0"/>
+          <a:chOff x="0" y="0"/>
+          <a:chExt cx="0" cy="0"/>
+        </a:xfrm>
+      </p:grpSpPr>
+      <p:sp>
+        <p:nvSpPr>
+          <p:cNvPr id="2" name="Title 1">
+            <a:extLst>
+              <a:ext uri="{FF2B5EF4-FFF2-40B4-BE49-F238E27FC236}">
+                <a16:creationId xmlns:a16="http://schemas.microsoft.com/office/drawing/2014/main" id="{F00CA20F-A43B-1C0D-95C5-DD0432B778E2}"/>
+              </a:ext>
+            </a:extLst>
+          </p:cNvPr>
+          <p:cNvSpPr>
+            <a:spLocks noGrp="1"/>
+          </p:cNvSpPr>
+          <p:nvPr>
+            <p:ph type="title"/>
+          </p:nvPr>
+        </p:nvSpPr>
+        <p:spPr>
+          <a:xfrm>
+            <a:off x="838200" y="365125"/>
+            <a:ext cx="10515600" cy="896747"/>
+          </a:xfrm>
+        </p:spPr>
+        <p:txBody>
+          <a:bodyPr>
+            <a:normAutofit fontScale="90000"/>
+          </a:bodyPr>
+          <a:lstStyle/>
+          <a:p>
+            <a:pPr algn="ctr"/>
+            <a:r>
+              <a:rPr lang="en-US" b="1" i="0" dirty="0">
+                <a:effectLst/>
+                <a:latin typeface="-apple-system"/>
+              </a:rPr>
+              <a:t>NATS</a:t>
+            </a:r>
+            <a:br>
+              <a:rPr lang="en-US" b="1" i="0" dirty="0">
+                <a:effectLst/>
+                <a:latin typeface="-apple-system"/>
+              </a:rPr>
+            </a:br>
+            <a:endParaRPr lang="en-US" dirty="0"/>
+          </a:p>
+        </p:txBody>
+      </p:sp>
+      <p:sp>
+        <p:nvSpPr>
+          <p:cNvPr id="3" name="Content Placeholder 2">
+            <a:extLst>
+              <a:ext uri="{FF2B5EF4-FFF2-40B4-BE49-F238E27FC236}">
+                <a16:creationId xmlns:a16="http://schemas.microsoft.com/office/drawing/2014/main" id="{1F0FE871-49C9-98C4-B312-44FDA8548534}"/>
+              </a:ext>
+            </a:extLst>
+          </p:cNvPr>
+          <p:cNvSpPr>
+            <a:spLocks noGrp="1"/>
+          </p:cNvSpPr>
+          <p:nvPr>
+            <p:ph idx="1"/>
+          </p:nvPr>
+        </p:nvSpPr>
+        <p:spPr>
+          <a:xfrm>
+            <a:off x="838200" y="1261872"/>
+            <a:ext cx="10515600" cy="4915091"/>
+          </a:xfrm>
+        </p:spPr>
+        <p:txBody>
+          <a:bodyPr/>
+          <a:lstStyle/>
+          <a:p>
+            <a:pPr marL="0" indent="0" algn="l">
+              <a:buNone/>
+            </a:pPr>
+            <a:r>
+              <a:rPr lang="en-US" b="1" i="0" u="sng" dirty="0">
+                <a:solidFill>
+                  <a:srgbClr val="374151"/>
+                </a:solidFill>
+                <a:effectLst/>
+                <a:latin typeface="Söhne"/>
+              </a:rPr>
+              <a:t>Reasons to Choose:</a:t>
+            </a:r>
+            <a:endParaRPr lang="en-US" b="0" i="0" u="sng" dirty="0">
+              <a:solidFill>
+                <a:srgbClr val="374151"/>
+              </a:solidFill>
+              <a:effectLst/>
+              <a:latin typeface="Söhne"/>
+            </a:endParaRPr>
+          </a:p>
+          <a:p>
+            <a:pPr marL="742950" lvl="1" indent="-285750" algn="l">
+              <a:buFont typeface="Arial" panose="020B0604020202020204" pitchFamily="34" charset="0"/>
+              <a:buChar char="•"/>
+            </a:pPr>
+            <a:r>
+              <a:rPr lang="en-US" b="0" i="0" dirty="0">
+                <a:solidFill>
+                  <a:srgbClr val="374151"/>
+                </a:solidFill>
+                <a:effectLst/>
+                <a:latin typeface="Söhne"/>
+              </a:rPr>
+              <a:t>Extremely lightweight and fast.</a:t>
+            </a:r>
+          </a:p>
+          <a:p>
+            <a:pPr marL="742950" lvl="1" indent="-285750" algn="l">
+              <a:buFont typeface="Arial" panose="020B0604020202020204" pitchFamily="34" charset="0"/>
+              <a:buChar char="•"/>
+            </a:pPr>
+            <a:r>
+              <a:rPr lang="en-US" b="0" i="0" dirty="0">
+                <a:solidFill>
+                  <a:srgbClr val="374151"/>
+                </a:solidFill>
+                <a:effectLst/>
+                <a:latin typeface="Söhne"/>
+              </a:rPr>
+              <a:t>Easy to set up and suitable for microservices architectures.</a:t>
+            </a:r>
+          </a:p>
+          <a:p>
+            <a:pPr marL="742950" lvl="1" indent="-285750" algn="l">
+              <a:buFont typeface="Arial" panose="020B0604020202020204" pitchFamily="34" charset="0"/>
+              <a:buChar char="•"/>
+            </a:pPr>
+            <a:r>
+              <a:rPr lang="en-US" b="0" i="0" dirty="0">
+                <a:solidFill>
+                  <a:srgbClr val="374151"/>
+                </a:solidFill>
+                <a:effectLst/>
+                <a:latin typeface="Söhne"/>
+              </a:rPr>
+              <a:t>Good choice for cloud-native applications.</a:t>
+            </a:r>
+          </a:p>
+          <a:p>
+            <a:pPr marL="742950" lvl="1" indent="-285750" algn="l">
+              <a:buFont typeface="Arial" panose="020B0604020202020204" pitchFamily="34" charset="0"/>
+              <a:buChar char="•"/>
+            </a:pPr>
+            <a:r>
+              <a:rPr lang="en-US" b="0" i="0" dirty="0">
+                <a:solidFill>
+                  <a:srgbClr val="374151"/>
+                </a:solidFill>
+                <a:effectLst/>
+                <a:latin typeface="Söhne"/>
+              </a:rPr>
+              <a:t>Well-suited for scenarios requiring simplicity.</a:t>
+            </a:r>
+          </a:p>
+          <a:p>
+            <a:pPr marL="0" indent="0" algn="l">
+              <a:buNone/>
+            </a:pPr>
+            <a:r>
+              <a:rPr lang="en-US" b="1" i="0" u="sng" dirty="0">
+                <a:solidFill>
+                  <a:srgbClr val="374151"/>
+                </a:solidFill>
+                <a:effectLst/>
+                <a:latin typeface="Söhne"/>
+              </a:rPr>
+              <a:t>Reasons Not to Choose:</a:t>
+            </a:r>
+            <a:endParaRPr lang="en-US" b="0" i="0" u="sng" dirty="0">
+              <a:solidFill>
+                <a:srgbClr val="374151"/>
+              </a:solidFill>
+              <a:effectLst/>
+              <a:latin typeface="Söhne"/>
+            </a:endParaRPr>
+          </a:p>
+          <a:p>
+            <a:pPr marL="742950" lvl="1" indent="-285750" algn="l">
+              <a:buFont typeface="Arial" panose="020B0604020202020204" pitchFamily="34" charset="0"/>
+              <a:buChar char="•"/>
+            </a:pPr>
+            <a:r>
+              <a:rPr lang="en-US" b="0" i="0" dirty="0">
+                <a:solidFill>
+                  <a:srgbClr val="374151"/>
+                </a:solidFill>
+                <a:effectLst/>
+                <a:latin typeface="Söhne"/>
+              </a:rPr>
+              <a:t>Limited features compared to larger, more complex solutions.</a:t>
+            </a:r>
+          </a:p>
+          <a:p>
+            <a:pPr marL="742950" lvl="1" indent="-285750" algn="l">
+              <a:buFont typeface="Arial" panose="020B0604020202020204" pitchFamily="34" charset="0"/>
+              <a:buChar char="•"/>
+            </a:pPr>
+            <a:r>
+              <a:rPr lang="en-US" b="0" i="0" dirty="0">
+                <a:solidFill>
+                  <a:srgbClr val="374151"/>
+                </a:solidFill>
+                <a:effectLst/>
+                <a:latin typeface="Söhne"/>
+              </a:rPr>
+              <a:t>May not be the best fit for scenarios requiring extensive queuing features.</a:t>
+            </a:r>
+          </a:p>
+          <a:p>
+            <a:pPr marL="0" indent="0">
+              <a:buNone/>
+            </a:pPr>
+            <a:endParaRPr lang="en-US" dirty="0"/>
+          </a:p>
+          <a:p>
+            <a:endParaRPr lang="en-US" dirty="0"/>
+          </a:p>
+        </p:txBody>
+      </p:sp>
+    </p:spTree>
+    <p:extLst>
+      <p:ext uri="{BB962C8B-B14F-4D97-AF65-F5344CB8AC3E}">
+        <p14:creationId xmlns:p14="http://schemas.microsoft.com/office/powerpoint/2010/main" val="4099183104"/>
+      </p:ext>
+    </p:extLst>
+  </p:cSld>
+  <p:clrMapOvr>
+    <a:masterClrMapping/>
+  </p:clrMapOvr>
+</p:sld>
+</file>
+
+<file path=ppt/slides/slide13.xml><?xml version="1.0" encoding="utf-8"?>
+<p:sld xmlns:a="http://schemas.openxmlformats.org/drawingml/2006/main" xmlns:r="http://schemas.openxmlformats.org/officeDocument/2006/relationships" xmlns:p="http://schemas.openxmlformats.org/presentationml/2006/main">
+  <p:cSld>
+    <p:spTree>
+      <p:nvGrpSpPr>
+        <p:cNvPr id="1" name=""/>
+        <p:cNvGrpSpPr/>
+        <p:nvPr/>
+      </p:nvGrpSpPr>
+      <p:grpSpPr>
+        <a:xfrm>
+          <a:off x="0" y="0"/>
+          <a:ext cx="0" cy="0"/>
+          <a:chOff x="0" y="0"/>
+          <a:chExt cx="0" cy="0"/>
+        </a:xfrm>
+      </p:grpSpPr>
+      <p:sp>
+        <p:nvSpPr>
+          <p:cNvPr id="2" name="Title 1">
+            <a:extLst>
+              <a:ext uri="{FF2B5EF4-FFF2-40B4-BE49-F238E27FC236}">
+                <a16:creationId xmlns:a16="http://schemas.microsoft.com/office/drawing/2014/main" id="{340AFDCB-A48C-7FCD-8074-67BC0ECF46B9}"/>
+              </a:ext>
+            </a:extLst>
+          </p:cNvPr>
+          <p:cNvSpPr>
+            <a:spLocks noGrp="1"/>
+          </p:cNvSpPr>
+          <p:nvPr>
+            <p:ph type="title"/>
+          </p:nvPr>
+        </p:nvSpPr>
+        <p:spPr>
+          <a:xfrm>
+            <a:off x="838200" y="365125"/>
+            <a:ext cx="10515600" cy="1052195"/>
+          </a:xfrm>
+        </p:spPr>
+        <p:txBody>
+          <a:bodyPr>
+            <a:normAutofit fontScale="90000"/>
+          </a:bodyPr>
+          <a:lstStyle/>
+          <a:p>
+            <a:pPr algn="ctr"/>
+            <a:r>
+              <a:rPr lang="en-US" b="1" dirty="0"/>
+              <a:t>Popular  Paid </a:t>
+            </a:r>
+            <a:br>
+              <a:rPr lang="en-US" dirty="0"/>
+            </a:br>
+            <a:r>
+              <a:rPr lang="en-US" dirty="0"/>
+              <a:t>Message Queuing Services</a:t>
+            </a:r>
+          </a:p>
+        </p:txBody>
+      </p:sp>
+      <p:sp>
+        <p:nvSpPr>
+          <p:cNvPr id="3" name="Content Placeholder 2">
+            <a:extLst>
+              <a:ext uri="{FF2B5EF4-FFF2-40B4-BE49-F238E27FC236}">
+                <a16:creationId xmlns:a16="http://schemas.microsoft.com/office/drawing/2014/main" id="{1EBEDF67-C3F8-57F8-752C-831936D69D8D}"/>
+              </a:ext>
+            </a:extLst>
+          </p:cNvPr>
+          <p:cNvSpPr>
+            <a:spLocks noGrp="1"/>
+          </p:cNvSpPr>
+          <p:nvPr>
+            <p:ph idx="1"/>
+          </p:nvPr>
+        </p:nvSpPr>
+        <p:spPr/>
+        <p:txBody>
+          <a:bodyPr>
+            <a:normAutofit/>
+          </a:bodyPr>
+          <a:lstStyle/>
+          <a:p>
+            <a:pPr algn="l">
+              <a:buFont typeface="Arial" panose="020B0604020202020204" pitchFamily="34" charset="0"/>
+              <a:buChar char="•"/>
+            </a:pPr>
+            <a:endParaRPr lang="en-US" b="0" i="0" dirty="0">
+              <a:solidFill>
+                <a:srgbClr val="1F1F1F"/>
+              </a:solidFill>
+              <a:effectLst/>
+              <a:latin typeface="-apple-system"/>
+            </a:endParaRPr>
+          </a:p>
+          <a:p>
+            <a:r>
+              <a:rPr lang="en-US" dirty="0"/>
+              <a:t>Amazon Simple Queue Service(SQS)</a:t>
+            </a:r>
+          </a:p>
+          <a:p>
+            <a:r>
+              <a:rPr lang="en-US" dirty="0"/>
+              <a:t>Microsoft Azure Service Bus</a:t>
+            </a:r>
+          </a:p>
+          <a:p>
+            <a:r>
+              <a:rPr lang="en-US" dirty="0"/>
+              <a:t>Google Cloud Pub/Sub</a:t>
+            </a:r>
+          </a:p>
+          <a:p>
+            <a:r>
+              <a:rPr lang="en-US" dirty="0"/>
+              <a:t>IBM MQ</a:t>
+            </a:r>
+          </a:p>
+          <a:p>
+            <a:r>
+              <a:rPr lang="en-US" dirty="0"/>
+              <a:t>ActiveMQ (Red Hat AMQ)</a:t>
+            </a:r>
+          </a:p>
+        </p:txBody>
+      </p:sp>
+    </p:spTree>
+    <p:extLst>
+      <p:ext uri="{BB962C8B-B14F-4D97-AF65-F5344CB8AC3E}">
+        <p14:creationId xmlns:p14="http://schemas.microsoft.com/office/powerpoint/2010/main" val="1526013279"/>
+      </p:ext>
+    </p:extLst>
+  </p:cSld>
+  <p:clrMapOvr>
+    <a:masterClrMapping/>
+  </p:clrMapOvr>
+</p:sld>
+</file>
+
+<file path=ppt/slides/slide14.xml><?xml version="1.0" encoding="utf-8"?>
+<p:sld xmlns:a="http://schemas.openxmlformats.org/drawingml/2006/main" xmlns:r="http://schemas.openxmlformats.org/officeDocument/2006/relationships" xmlns:p="http://schemas.openxmlformats.org/presentationml/2006/main">
+  <p:cSld>
+    <p:spTree>
+      <p:nvGrpSpPr>
+        <p:cNvPr id="1" name=""/>
+        <p:cNvGrpSpPr/>
+        <p:nvPr/>
+      </p:nvGrpSpPr>
+      <p:grpSpPr>
+        <a:xfrm>
+          <a:off x="0" y="0"/>
+          <a:ext cx="0" cy="0"/>
+          <a:chOff x="0" y="0"/>
+          <a:chExt cx="0" cy="0"/>
+        </a:xfrm>
+      </p:grpSpPr>
+      <p:sp>
+        <p:nvSpPr>
+          <p:cNvPr id="2" name="Title 1">
+            <a:extLst>
+              <a:ext uri="{FF2B5EF4-FFF2-40B4-BE49-F238E27FC236}">
+                <a16:creationId xmlns:a16="http://schemas.microsoft.com/office/drawing/2014/main" id="{F00CA20F-A43B-1C0D-95C5-DD0432B778E2}"/>
+              </a:ext>
+            </a:extLst>
+          </p:cNvPr>
+          <p:cNvSpPr>
+            <a:spLocks noGrp="1"/>
+          </p:cNvSpPr>
+          <p:nvPr>
+            <p:ph type="title"/>
+          </p:nvPr>
+        </p:nvSpPr>
+        <p:spPr/>
+        <p:txBody>
+          <a:bodyPr/>
+          <a:lstStyle/>
+          <a:p>
+            <a:pPr algn="ctr"/>
+            <a:r>
+              <a:rPr lang="en-US" b="1" i="0" dirty="0">
+                <a:effectLst/>
+                <a:latin typeface="-apple-system"/>
+              </a:rPr>
+              <a:t>Amazon SQS</a:t>
+            </a:r>
+            <a:br>
+              <a:rPr lang="en-US" b="1" i="0" dirty="0">
+                <a:effectLst/>
+                <a:latin typeface="-apple-system"/>
+              </a:rPr>
+            </a:br>
+            <a:endParaRPr lang="en-US" dirty="0"/>
+          </a:p>
+        </p:txBody>
+      </p:sp>
+      <p:sp>
+        <p:nvSpPr>
+          <p:cNvPr id="3" name="Content Placeholder 2">
+            <a:extLst>
+              <a:ext uri="{FF2B5EF4-FFF2-40B4-BE49-F238E27FC236}">
+                <a16:creationId xmlns:a16="http://schemas.microsoft.com/office/drawing/2014/main" id="{1F0FE871-49C9-98C4-B312-44FDA8548534}"/>
+              </a:ext>
+            </a:extLst>
+          </p:cNvPr>
+          <p:cNvSpPr>
+            <a:spLocks noGrp="1"/>
+          </p:cNvSpPr>
+          <p:nvPr>
+            <p:ph idx="1"/>
+          </p:nvPr>
+        </p:nvSpPr>
+        <p:spPr>
+          <a:xfrm>
+            <a:off x="838200" y="1353312"/>
+            <a:ext cx="10515600" cy="4823651"/>
+          </a:xfrm>
+        </p:spPr>
+        <p:txBody>
+          <a:bodyPr>
+            <a:normAutofit fontScale="92500" lnSpcReduction="20000"/>
+          </a:bodyPr>
+          <a:lstStyle/>
+          <a:p>
+            <a:pPr algn="l"/>
+            <a:r>
+              <a:rPr lang="en-US" b="1" i="0" u="sng" dirty="0">
+                <a:solidFill>
+                  <a:srgbClr val="374151"/>
+                </a:solidFill>
+                <a:effectLst/>
+                <a:latin typeface="Söhne"/>
+              </a:rPr>
+              <a:t>Features:</a:t>
+            </a:r>
+            <a:endParaRPr lang="en-US" b="0" i="0" u="sng" dirty="0">
+              <a:solidFill>
+                <a:srgbClr val="374151"/>
+              </a:solidFill>
+              <a:effectLst/>
+              <a:latin typeface="Söhne"/>
+            </a:endParaRPr>
+          </a:p>
+          <a:p>
+            <a:pPr lvl="1"/>
+            <a:r>
+              <a:rPr lang="en-US" b="1" i="0" dirty="0">
+                <a:solidFill>
+                  <a:srgbClr val="374151"/>
+                </a:solidFill>
+                <a:effectLst/>
+                <a:latin typeface="Söhne"/>
+              </a:rPr>
+              <a:t>Managed Service:</a:t>
+            </a:r>
+            <a:endParaRPr lang="en-US" b="0" i="0" dirty="0">
+              <a:solidFill>
+                <a:srgbClr val="374151"/>
+              </a:solidFill>
+              <a:effectLst/>
+              <a:latin typeface="Söhne"/>
+            </a:endParaRPr>
+          </a:p>
+          <a:p>
+            <a:pPr marL="1200150" lvl="2" indent="-285750"/>
+            <a:r>
+              <a:rPr lang="en-US" b="0" i="0" dirty="0">
+                <a:solidFill>
+                  <a:srgbClr val="374151"/>
+                </a:solidFill>
+                <a:effectLst/>
+                <a:latin typeface="Söhne"/>
+              </a:rPr>
+              <a:t>Fully managed by AWS, reducing operational overhead.</a:t>
+            </a:r>
+          </a:p>
+          <a:p>
+            <a:pPr marL="1200150" lvl="2" indent="-285750"/>
+            <a:r>
+              <a:rPr lang="en-US" b="0" i="0" dirty="0">
+                <a:solidFill>
+                  <a:srgbClr val="374151"/>
+                </a:solidFill>
+                <a:effectLst/>
+                <a:latin typeface="Söhne"/>
+              </a:rPr>
+              <a:t>High availability and reliability with automatic scaling.</a:t>
+            </a:r>
+          </a:p>
+          <a:p>
+            <a:pPr lvl="1"/>
+            <a:r>
+              <a:rPr lang="en-US" b="1" i="0" dirty="0">
+                <a:solidFill>
+                  <a:srgbClr val="374151"/>
+                </a:solidFill>
+                <a:effectLst/>
+                <a:latin typeface="Söhne"/>
+              </a:rPr>
+              <a:t>Integration:</a:t>
+            </a:r>
+            <a:endParaRPr lang="en-US" b="0" i="0" dirty="0">
+              <a:solidFill>
+                <a:srgbClr val="374151"/>
+              </a:solidFill>
+              <a:effectLst/>
+              <a:latin typeface="Söhne"/>
+            </a:endParaRPr>
+          </a:p>
+          <a:p>
+            <a:pPr marL="1200150" lvl="2" indent="-285750"/>
+            <a:r>
+              <a:rPr lang="en-US" b="0" i="0" dirty="0">
+                <a:solidFill>
+                  <a:srgbClr val="374151"/>
+                </a:solidFill>
+                <a:effectLst/>
+                <a:latin typeface="Söhne"/>
+              </a:rPr>
+              <a:t>Seamless integration with other AWS services.</a:t>
+            </a:r>
+          </a:p>
+          <a:p>
+            <a:pPr marL="1200150" lvl="2" indent="-285750"/>
+            <a:r>
+              <a:rPr lang="en-US" b="0" i="0" dirty="0">
+                <a:solidFill>
+                  <a:srgbClr val="374151"/>
+                </a:solidFill>
+                <a:effectLst/>
+                <a:latin typeface="Söhne"/>
+              </a:rPr>
+              <a:t>Supports different messaging patterns, including point-to-point and publish/subscribe.</a:t>
+            </a:r>
+          </a:p>
+          <a:p>
+            <a:pPr lvl="1"/>
+            <a:r>
+              <a:rPr lang="en-US" b="1" i="0" dirty="0">
+                <a:solidFill>
+                  <a:srgbClr val="374151"/>
+                </a:solidFill>
+                <a:effectLst/>
+                <a:latin typeface="Söhne"/>
+              </a:rPr>
+              <a:t>Scalability:</a:t>
+            </a:r>
+            <a:endParaRPr lang="en-US" b="0" i="0" dirty="0">
+              <a:solidFill>
+                <a:srgbClr val="374151"/>
+              </a:solidFill>
+              <a:effectLst/>
+              <a:latin typeface="Söhne"/>
+            </a:endParaRPr>
+          </a:p>
+          <a:p>
+            <a:pPr marL="1200150" lvl="2" indent="-285750"/>
+            <a:r>
+              <a:rPr lang="en-US" b="0" i="0" dirty="0">
+                <a:solidFill>
+                  <a:srgbClr val="374151"/>
+                </a:solidFill>
+                <a:effectLst/>
+                <a:latin typeface="Söhne"/>
+              </a:rPr>
+              <a:t>Designed to handle high workloads with automatic scaling.</a:t>
+            </a:r>
+          </a:p>
+          <a:p>
+            <a:pPr marL="1200150" lvl="2" indent="-285750"/>
+            <a:r>
+              <a:rPr lang="en-US" b="0" i="0" dirty="0">
+                <a:solidFill>
+                  <a:srgbClr val="374151"/>
+                </a:solidFill>
+                <a:effectLst/>
+                <a:latin typeface="Söhne"/>
+              </a:rPr>
+              <a:t>Decouples components for improved flexibility.</a:t>
+            </a:r>
+          </a:p>
+          <a:p>
+            <a:pPr lvl="1"/>
+            <a:r>
+              <a:rPr lang="en-US" b="1" i="0" dirty="0">
+                <a:solidFill>
+                  <a:srgbClr val="374151"/>
+                </a:solidFill>
+                <a:effectLst/>
+                <a:latin typeface="Söhne"/>
+              </a:rPr>
+              <a:t>Security:</a:t>
+            </a:r>
+            <a:endParaRPr lang="en-US" b="0" i="0" dirty="0">
+              <a:solidFill>
+                <a:srgbClr val="374151"/>
+              </a:solidFill>
+              <a:effectLst/>
+              <a:latin typeface="Söhne"/>
+            </a:endParaRPr>
+          </a:p>
+          <a:p>
+            <a:pPr marL="1200150" lvl="2" indent="-285750"/>
+            <a:r>
+              <a:rPr lang="en-US" b="0" i="0" dirty="0">
+                <a:solidFill>
+                  <a:srgbClr val="374151"/>
+                </a:solidFill>
+                <a:effectLst/>
+                <a:latin typeface="Söhne"/>
+              </a:rPr>
+              <a:t>Integrated with AWS Identity and Access Management (IAM).</a:t>
+            </a:r>
+          </a:p>
+          <a:p>
+            <a:pPr marL="1200150" lvl="2" indent="-285750"/>
+            <a:r>
+              <a:rPr lang="en-US" b="0" i="0" dirty="0">
+                <a:solidFill>
+                  <a:srgbClr val="374151"/>
+                </a:solidFill>
+                <a:effectLst/>
+                <a:latin typeface="Söhne"/>
+              </a:rPr>
+              <a:t>Provides robust access control and authentication mechanisms.</a:t>
+            </a:r>
+          </a:p>
+          <a:p>
+            <a:pPr lvl="1"/>
+            <a:r>
+              <a:rPr lang="en-US" b="1" i="0" dirty="0">
+                <a:solidFill>
+                  <a:srgbClr val="374151"/>
+                </a:solidFill>
+                <a:effectLst/>
+                <a:latin typeface="Söhne"/>
+              </a:rPr>
+              <a:t>Pay-as-You-Go Model:</a:t>
+            </a:r>
+            <a:endParaRPr lang="en-US" b="0" i="0" dirty="0">
+              <a:solidFill>
+                <a:srgbClr val="374151"/>
+              </a:solidFill>
+              <a:effectLst/>
+              <a:latin typeface="Söhne"/>
+            </a:endParaRPr>
+          </a:p>
+          <a:p>
+            <a:pPr marL="1200150" lvl="2" indent="-285750"/>
+            <a:r>
+              <a:rPr lang="en-US" b="0" i="0" dirty="0">
+                <a:solidFill>
+                  <a:srgbClr val="374151"/>
+                </a:solidFill>
+                <a:effectLst/>
+                <a:latin typeface="Söhne"/>
+              </a:rPr>
+              <a:t>Cost-effective with a pay-as-you-go pricing model.</a:t>
+            </a:r>
+          </a:p>
+          <a:p>
+            <a:pPr marL="1200150" lvl="2" indent="-285750"/>
+            <a:r>
+              <a:rPr lang="en-US" b="0" i="0" dirty="0">
+                <a:solidFill>
+                  <a:srgbClr val="374151"/>
+                </a:solidFill>
+                <a:effectLst/>
+                <a:latin typeface="Söhne"/>
+              </a:rPr>
+              <a:t>Charges based on actual usage, reducing upfront costs.</a:t>
+            </a:r>
+          </a:p>
+          <a:p>
+            <a:endParaRPr lang="en-US" dirty="0"/>
+          </a:p>
+        </p:txBody>
+      </p:sp>
+    </p:spTree>
+    <p:extLst>
+      <p:ext uri="{BB962C8B-B14F-4D97-AF65-F5344CB8AC3E}">
+        <p14:creationId xmlns:p14="http://schemas.microsoft.com/office/powerpoint/2010/main" val="2595002285"/>
+      </p:ext>
+    </p:extLst>
+  </p:cSld>
+  <p:clrMapOvr>
+    <a:masterClrMapping/>
+  </p:clrMapOvr>
+</p:sld>
+</file>
+
+<file path=ppt/slides/slide15.xml><?xml version="1.0" encoding="utf-8"?>
+<p:sld xmlns:a="http://schemas.openxmlformats.org/drawingml/2006/main" xmlns:r="http://schemas.openxmlformats.org/officeDocument/2006/relationships" xmlns:p="http://schemas.openxmlformats.org/presentationml/2006/main">
+  <p:cSld>
+    <p:spTree>
+      <p:nvGrpSpPr>
+        <p:cNvPr id="1" name=""/>
+        <p:cNvGrpSpPr/>
+        <p:nvPr/>
+      </p:nvGrpSpPr>
+      <p:grpSpPr>
+        <a:xfrm>
+          <a:off x="0" y="0"/>
+          <a:ext cx="0" cy="0"/>
+          <a:chOff x="0" y="0"/>
+          <a:chExt cx="0" cy="0"/>
+        </a:xfrm>
+      </p:grpSpPr>
+      <p:sp>
+        <p:nvSpPr>
+          <p:cNvPr id="2" name="Title 1">
+            <a:extLst>
+              <a:ext uri="{FF2B5EF4-FFF2-40B4-BE49-F238E27FC236}">
+                <a16:creationId xmlns:a16="http://schemas.microsoft.com/office/drawing/2014/main" id="{F00CA20F-A43B-1C0D-95C5-DD0432B778E2}"/>
+              </a:ext>
+            </a:extLst>
+          </p:cNvPr>
+          <p:cNvSpPr>
+            <a:spLocks noGrp="1"/>
+          </p:cNvSpPr>
+          <p:nvPr>
+            <p:ph type="title"/>
+          </p:nvPr>
+        </p:nvSpPr>
+        <p:spPr/>
+        <p:txBody>
+          <a:bodyPr/>
+          <a:lstStyle/>
+          <a:p>
+            <a:pPr algn="ctr"/>
+            <a:r>
+              <a:rPr lang="en-US" b="1" i="0" dirty="0">
+                <a:effectLst/>
+                <a:latin typeface="-apple-system"/>
+              </a:rPr>
+              <a:t>Amazon SQS</a:t>
+            </a:r>
+            <a:br>
+              <a:rPr lang="en-US" b="1" i="0" dirty="0">
+                <a:effectLst/>
+                <a:latin typeface="-apple-system"/>
+              </a:rPr>
+            </a:br>
+            <a:endParaRPr lang="en-US" dirty="0"/>
+          </a:p>
+        </p:txBody>
+      </p:sp>
+      <p:sp>
+        <p:nvSpPr>
+          <p:cNvPr id="3" name="Content Placeholder 2">
+            <a:extLst>
+              <a:ext uri="{FF2B5EF4-FFF2-40B4-BE49-F238E27FC236}">
+                <a16:creationId xmlns:a16="http://schemas.microsoft.com/office/drawing/2014/main" id="{1F0FE871-49C9-98C4-B312-44FDA8548534}"/>
+              </a:ext>
+            </a:extLst>
+          </p:cNvPr>
+          <p:cNvSpPr>
+            <a:spLocks noGrp="1"/>
+          </p:cNvSpPr>
+          <p:nvPr>
+            <p:ph idx="1"/>
+          </p:nvPr>
+        </p:nvSpPr>
+        <p:spPr/>
+        <p:txBody>
+          <a:bodyPr/>
+          <a:lstStyle/>
+          <a:p>
+            <a:pPr marL="0" indent="0" algn="l">
+              <a:buNone/>
+            </a:pPr>
+            <a:r>
+              <a:rPr lang="en-US" b="1" i="0" u="sng" dirty="0">
+                <a:solidFill>
+                  <a:srgbClr val="374151"/>
+                </a:solidFill>
+                <a:effectLst/>
+                <a:latin typeface="Söhne"/>
+              </a:rPr>
+              <a:t>Reasons to Choose:</a:t>
+            </a:r>
+            <a:endParaRPr lang="en-US" b="0" i="0" u="sng" dirty="0">
+              <a:solidFill>
+                <a:srgbClr val="374151"/>
+              </a:solidFill>
+              <a:effectLst/>
+              <a:latin typeface="Söhne"/>
+            </a:endParaRPr>
+          </a:p>
+          <a:p>
+            <a:pPr marL="742950" lvl="1" indent="-285750" algn="l">
+              <a:buFont typeface="Arial" panose="020B0604020202020204" pitchFamily="34" charset="0"/>
+              <a:buChar char="•"/>
+            </a:pPr>
+            <a:r>
+              <a:rPr lang="en-US" b="0" i="0" dirty="0">
+                <a:solidFill>
+                  <a:srgbClr val="374151"/>
+                </a:solidFill>
+                <a:effectLst/>
+                <a:latin typeface="Söhne"/>
+              </a:rPr>
+              <a:t>Fully managed service, reducing operational overhead.</a:t>
+            </a:r>
+          </a:p>
+          <a:p>
+            <a:pPr marL="742950" lvl="1" indent="-285750" algn="l">
+              <a:buFont typeface="Arial" panose="020B0604020202020204" pitchFamily="34" charset="0"/>
+              <a:buChar char="•"/>
+            </a:pPr>
+            <a:r>
+              <a:rPr lang="en-US" b="0" i="0" dirty="0">
+                <a:solidFill>
+                  <a:srgbClr val="374151"/>
+                </a:solidFill>
+                <a:effectLst/>
+                <a:latin typeface="Söhne"/>
+              </a:rPr>
+              <a:t>Seamless integration with other AWS services.</a:t>
+            </a:r>
+          </a:p>
+          <a:p>
+            <a:pPr marL="742950" lvl="1" indent="-285750" algn="l">
+              <a:buFont typeface="Arial" panose="020B0604020202020204" pitchFamily="34" charset="0"/>
+              <a:buChar char="•"/>
+            </a:pPr>
+            <a:r>
+              <a:rPr lang="en-US" b="0" i="0" dirty="0">
+                <a:solidFill>
+                  <a:srgbClr val="374151"/>
+                </a:solidFill>
+                <a:effectLst/>
+                <a:latin typeface="Söhne"/>
+              </a:rPr>
+              <a:t>Highly scalable to handle varying workloads.</a:t>
+            </a:r>
+          </a:p>
+          <a:p>
+            <a:pPr marL="742950" lvl="1" indent="-285750" algn="l">
+              <a:buFont typeface="Arial" panose="020B0604020202020204" pitchFamily="34" charset="0"/>
+              <a:buChar char="•"/>
+            </a:pPr>
+            <a:r>
+              <a:rPr lang="en-US" b="0" i="0" dirty="0">
+                <a:solidFill>
+                  <a:srgbClr val="374151"/>
+                </a:solidFill>
+                <a:effectLst/>
+                <a:latin typeface="Söhne"/>
+              </a:rPr>
+              <a:t>Built-in security features with IAM integration.</a:t>
+            </a:r>
+          </a:p>
+          <a:p>
+            <a:pPr marL="742950" lvl="1" indent="-285750" algn="l">
+              <a:buFont typeface="Arial" panose="020B0604020202020204" pitchFamily="34" charset="0"/>
+              <a:buChar char="•"/>
+            </a:pPr>
+            <a:r>
+              <a:rPr lang="en-US" b="0" i="0" dirty="0">
+                <a:solidFill>
+                  <a:srgbClr val="374151"/>
+                </a:solidFill>
+                <a:effectLst/>
+                <a:latin typeface="Söhne"/>
+              </a:rPr>
+              <a:t>Pay-as-you-go pricing model.</a:t>
+            </a:r>
+          </a:p>
+          <a:p>
+            <a:pPr marL="0" indent="0" algn="l">
+              <a:buNone/>
+            </a:pPr>
+            <a:r>
+              <a:rPr lang="en-US" b="1" i="0" u="sng" dirty="0">
+                <a:solidFill>
+                  <a:srgbClr val="374151"/>
+                </a:solidFill>
+                <a:effectLst/>
+                <a:latin typeface="Söhne"/>
+              </a:rPr>
+              <a:t>Reasons Not to Choose:</a:t>
+            </a:r>
+            <a:endParaRPr lang="en-US" b="0" i="0" u="sng" dirty="0">
+              <a:solidFill>
+                <a:srgbClr val="374151"/>
+              </a:solidFill>
+              <a:effectLst/>
+              <a:latin typeface="Söhne"/>
+            </a:endParaRPr>
+          </a:p>
+          <a:p>
+            <a:pPr marL="742950" lvl="1" indent="-285750" algn="l">
+              <a:buFont typeface="Arial" panose="020B0604020202020204" pitchFamily="34" charset="0"/>
+              <a:buChar char="•"/>
+            </a:pPr>
+            <a:r>
+              <a:rPr lang="en-US" b="0" i="0" dirty="0">
+                <a:solidFill>
+                  <a:srgbClr val="374151"/>
+                </a:solidFill>
+                <a:effectLst/>
+                <a:latin typeface="Söhne"/>
+              </a:rPr>
+              <a:t>Tightly integrated with AWS ecosystem, which may be a constraint for multi-cloud or non-AWS environments.</a:t>
+            </a:r>
+          </a:p>
+          <a:p>
+            <a:pPr marL="742950" lvl="1" indent="-285750" algn="l">
+              <a:buFont typeface="Arial" panose="020B0604020202020204" pitchFamily="34" charset="0"/>
+              <a:buChar char="•"/>
+            </a:pPr>
+            <a:r>
+              <a:rPr lang="en-US" b="0" i="0" dirty="0">
+                <a:solidFill>
+                  <a:srgbClr val="374151"/>
+                </a:solidFill>
+                <a:effectLst/>
+                <a:latin typeface="Söhne"/>
+              </a:rPr>
+              <a:t>Limited flexibility compared to more customizable solutions.</a:t>
+            </a:r>
+          </a:p>
+          <a:p>
+            <a:endParaRPr lang="en-US" dirty="0"/>
+          </a:p>
+        </p:txBody>
+      </p:sp>
+    </p:spTree>
+    <p:extLst>
+      <p:ext uri="{BB962C8B-B14F-4D97-AF65-F5344CB8AC3E}">
+        <p14:creationId xmlns:p14="http://schemas.microsoft.com/office/powerpoint/2010/main" val="3942814875"/>
+      </p:ext>
+    </p:extLst>
+  </p:cSld>
+  <p:clrMapOvr>
+    <a:masterClrMapping/>
+  </p:clrMapOvr>
+</p:sld>
+</file>
+
+<file path=ppt/slides/slide16.xml><?xml version="1.0" encoding="utf-8"?>
+<p:sld xmlns:a="http://schemas.openxmlformats.org/drawingml/2006/main" xmlns:r="http://schemas.openxmlformats.org/officeDocument/2006/relationships" xmlns:p="http://schemas.openxmlformats.org/presentationml/2006/main">
+  <p:cSld>
+    <p:spTree>
+      <p:nvGrpSpPr>
+        <p:cNvPr id="1" name=""/>
+        <p:cNvGrpSpPr/>
+        <p:nvPr/>
+      </p:nvGrpSpPr>
+      <p:grpSpPr>
+        <a:xfrm>
+          <a:off x="0" y="0"/>
+          <a:ext cx="0" cy="0"/>
+          <a:chOff x="0" y="0"/>
+          <a:chExt cx="0" cy="0"/>
+        </a:xfrm>
+      </p:grpSpPr>
+      <p:sp>
+        <p:nvSpPr>
+          <p:cNvPr id="2" name="Title 1">
+            <a:extLst>
+              <a:ext uri="{FF2B5EF4-FFF2-40B4-BE49-F238E27FC236}">
+                <a16:creationId xmlns:a16="http://schemas.microsoft.com/office/drawing/2014/main" id="{F00CA20F-A43B-1C0D-95C5-DD0432B778E2}"/>
+              </a:ext>
+            </a:extLst>
+          </p:cNvPr>
+          <p:cNvSpPr>
+            <a:spLocks noGrp="1"/>
+          </p:cNvSpPr>
+          <p:nvPr>
+            <p:ph type="title"/>
+          </p:nvPr>
+        </p:nvSpPr>
+        <p:spPr/>
+        <p:txBody>
+          <a:bodyPr/>
+          <a:lstStyle/>
+          <a:p>
+            <a:pPr algn="ctr"/>
+            <a:r>
+              <a:rPr lang="en-US" b="1" i="0" dirty="0">
+                <a:effectLst/>
+                <a:latin typeface="Söhne"/>
+              </a:rPr>
+              <a:t>Microsoft Azure Service Bus</a:t>
+            </a:r>
+            <a:br>
+              <a:rPr lang="en-US" b="1" i="0" dirty="0">
+                <a:effectLst/>
+                <a:latin typeface="-apple-system"/>
+              </a:rPr>
+            </a:br>
+            <a:endParaRPr lang="en-US" dirty="0"/>
+          </a:p>
+        </p:txBody>
+      </p:sp>
+      <p:sp>
+        <p:nvSpPr>
+          <p:cNvPr id="3" name="Content Placeholder 2">
+            <a:extLst>
+              <a:ext uri="{FF2B5EF4-FFF2-40B4-BE49-F238E27FC236}">
+                <a16:creationId xmlns:a16="http://schemas.microsoft.com/office/drawing/2014/main" id="{1F0FE871-49C9-98C4-B312-44FDA8548534}"/>
+              </a:ext>
+            </a:extLst>
+          </p:cNvPr>
+          <p:cNvSpPr>
+            <a:spLocks noGrp="1"/>
+          </p:cNvSpPr>
+          <p:nvPr>
+            <p:ph idx="1"/>
+          </p:nvPr>
+        </p:nvSpPr>
+        <p:spPr/>
+        <p:txBody>
+          <a:bodyPr>
+            <a:normAutofit fontScale="85000" lnSpcReduction="20000"/>
+          </a:bodyPr>
+          <a:lstStyle/>
+          <a:p>
+            <a:pPr marL="0" indent="0" algn="l">
+              <a:buNone/>
+            </a:pPr>
+            <a:r>
+              <a:rPr lang="en-US" b="1" i="0" u="sng" dirty="0">
+                <a:solidFill>
+                  <a:srgbClr val="374151"/>
+                </a:solidFill>
+                <a:effectLst/>
+                <a:latin typeface="Söhne"/>
+              </a:rPr>
+              <a:t>Features:</a:t>
+            </a:r>
+            <a:endParaRPr lang="en-US" b="0" i="0" u="sng" dirty="0">
+              <a:solidFill>
+                <a:srgbClr val="374151"/>
+              </a:solidFill>
+              <a:effectLst/>
+              <a:latin typeface="Söhne"/>
+            </a:endParaRPr>
+          </a:p>
+          <a:p>
+            <a:pPr lvl="1"/>
+            <a:r>
+              <a:rPr lang="en-US" b="1" i="0" dirty="0">
+                <a:solidFill>
+                  <a:srgbClr val="374151"/>
+                </a:solidFill>
+                <a:effectLst/>
+                <a:latin typeface="Söhne"/>
+              </a:rPr>
+              <a:t>Managed Service:</a:t>
+            </a:r>
+            <a:endParaRPr lang="en-US" b="0" i="0" dirty="0">
+              <a:solidFill>
+                <a:srgbClr val="374151"/>
+              </a:solidFill>
+              <a:effectLst/>
+              <a:latin typeface="Söhne"/>
+            </a:endParaRPr>
+          </a:p>
+          <a:p>
+            <a:pPr marL="1200150" lvl="2" indent="-285750"/>
+            <a:r>
+              <a:rPr lang="en-US" b="0" i="0" dirty="0">
+                <a:solidFill>
+                  <a:srgbClr val="374151"/>
+                </a:solidFill>
+                <a:effectLst/>
+                <a:latin typeface="Söhne"/>
+              </a:rPr>
+              <a:t>Fully managed service with minimal operational overhead.</a:t>
+            </a:r>
+          </a:p>
+          <a:p>
+            <a:pPr marL="1200150" lvl="2" indent="-285750"/>
+            <a:r>
+              <a:rPr lang="en-US" b="0" i="0" dirty="0">
+                <a:solidFill>
+                  <a:srgbClr val="374151"/>
+                </a:solidFill>
+                <a:effectLst/>
+                <a:latin typeface="Söhne"/>
+              </a:rPr>
+              <a:t>High availability and reliability.</a:t>
+            </a:r>
+          </a:p>
+          <a:p>
+            <a:pPr lvl="1"/>
+            <a:r>
+              <a:rPr lang="en-US" b="1" i="0" dirty="0">
+                <a:solidFill>
+                  <a:srgbClr val="374151"/>
+                </a:solidFill>
+                <a:effectLst/>
+                <a:latin typeface="Söhne"/>
+              </a:rPr>
+              <a:t>Integration:</a:t>
+            </a:r>
+            <a:endParaRPr lang="en-US" b="0" i="0" dirty="0">
+              <a:solidFill>
+                <a:srgbClr val="374151"/>
+              </a:solidFill>
+              <a:effectLst/>
+              <a:latin typeface="Söhne"/>
+            </a:endParaRPr>
+          </a:p>
+          <a:p>
+            <a:pPr marL="1200150" lvl="2" indent="-285750"/>
+            <a:r>
+              <a:rPr lang="en-US" b="0" i="0" dirty="0">
+                <a:solidFill>
+                  <a:srgbClr val="374151"/>
+                </a:solidFill>
+                <a:effectLst/>
+                <a:latin typeface="Söhne"/>
+              </a:rPr>
+              <a:t>Seamless integration with other Azure services.</a:t>
+            </a:r>
+          </a:p>
+          <a:p>
+            <a:pPr marL="1200150" lvl="2" indent="-285750"/>
+            <a:r>
+              <a:rPr lang="en-US" b="0" i="0" dirty="0">
+                <a:solidFill>
+                  <a:srgbClr val="374151"/>
+                </a:solidFill>
+                <a:effectLst/>
+                <a:latin typeface="Söhne"/>
+              </a:rPr>
+              <a:t>Supports both message queues and topics for different messaging patterns.</a:t>
+            </a:r>
+          </a:p>
+          <a:p>
+            <a:pPr lvl="1"/>
+            <a:r>
+              <a:rPr lang="en-US" b="1" i="0" dirty="0">
+                <a:solidFill>
+                  <a:srgbClr val="374151"/>
+                </a:solidFill>
+                <a:effectLst/>
+                <a:latin typeface="Söhne"/>
+              </a:rPr>
+              <a:t>Scalability:</a:t>
+            </a:r>
+            <a:endParaRPr lang="en-US" b="0" i="0" dirty="0">
+              <a:solidFill>
+                <a:srgbClr val="374151"/>
+              </a:solidFill>
+              <a:effectLst/>
+              <a:latin typeface="Söhne"/>
+            </a:endParaRPr>
+          </a:p>
+          <a:p>
+            <a:pPr marL="1200150" lvl="2" indent="-285750"/>
+            <a:r>
+              <a:rPr lang="en-US" b="0" i="0" dirty="0">
+                <a:solidFill>
+                  <a:srgbClr val="374151"/>
+                </a:solidFill>
+                <a:effectLst/>
+                <a:latin typeface="Söhne"/>
+              </a:rPr>
+              <a:t>Scales automatically to accommodate varying workloads.</a:t>
+            </a:r>
+          </a:p>
+          <a:p>
+            <a:pPr marL="1200150" lvl="2" indent="-285750"/>
+            <a:r>
+              <a:rPr lang="en-US" b="0" i="0" dirty="0">
+                <a:solidFill>
+                  <a:srgbClr val="374151"/>
+                </a:solidFill>
+                <a:effectLst/>
+                <a:latin typeface="Söhne"/>
+              </a:rPr>
+              <a:t>Suitable for both small and large-scale applications.</a:t>
+            </a:r>
+          </a:p>
+          <a:p>
+            <a:pPr lvl="1"/>
+            <a:r>
+              <a:rPr lang="en-US" b="1" i="0" dirty="0">
+                <a:solidFill>
+                  <a:srgbClr val="374151"/>
+                </a:solidFill>
+                <a:effectLst/>
+                <a:latin typeface="Söhne"/>
+              </a:rPr>
+              <a:t>Security:</a:t>
+            </a:r>
+            <a:endParaRPr lang="en-US" b="0" i="0" dirty="0">
+              <a:solidFill>
+                <a:srgbClr val="374151"/>
+              </a:solidFill>
+              <a:effectLst/>
+              <a:latin typeface="Söhne"/>
+            </a:endParaRPr>
+          </a:p>
+          <a:p>
+            <a:pPr marL="1200150" lvl="2" indent="-285750"/>
+            <a:r>
+              <a:rPr lang="en-US" b="0" i="0" dirty="0">
+                <a:solidFill>
+                  <a:srgbClr val="374151"/>
+                </a:solidFill>
+                <a:effectLst/>
+                <a:latin typeface="Söhne"/>
+              </a:rPr>
+              <a:t>Integrated with Azure Active Directory for authentication.</a:t>
+            </a:r>
+          </a:p>
+          <a:p>
+            <a:pPr marL="1200150" lvl="2" indent="-285750"/>
+            <a:r>
+              <a:rPr lang="en-US" b="0" i="0" dirty="0">
+                <a:solidFill>
+                  <a:srgbClr val="374151"/>
+                </a:solidFill>
+                <a:effectLst/>
+                <a:latin typeface="Söhne"/>
+              </a:rPr>
+              <a:t>Provides access control mechanisms for secure messaging.</a:t>
+            </a:r>
+          </a:p>
+          <a:p>
+            <a:pPr lvl="1"/>
+            <a:r>
+              <a:rPr lang="en-US" b="1" i="0" dirty="0">
+                <a:solidFill>
+                  <a:srgbClr val="374151"/>
+                </a:solidFill>
+                <a:effectLst/>
+                <a:latin typeface="Söhne"/>
+              </a:rPr>
+              <a:t>Advanced Features:</a:t>
+            </a:r>
+            <a:endParaRPr lang="en-US" b="0" i="0" dirty="0">
+              <a:solidFill>
+                <a:srgbClr val="374151"/>
+              </a:solidFill>
+              <a:effectLst/>
+              <a:latin typeface="Söhne"/>
+            </a:endParaRPr>
+          </a:p>
+          <a:p>
+            <a:pPr marL="1200150" lvl="2" indent="-285750"/>
+            <a:r>
+              <a:rPr lang="en-US" b="0" i="0" dirty="0">
+                <a:solidFill>
+                  <a:srgbClr val="374151"/>
+                </a:solidFill>
+                <a:effectLst/>
+                <a:latin typeface="Söhne"/>
+              </a:rPr>
+              <a:t>Offers features such as dead-lettering, sessions, and transactions.</a:t>
+            </a:r>
+          </a:p>
+          <a:p>
+            <a:pPr marL="1200150" lvl="2" indent="-285750"/>
+            <a:r>
+              <a:rPr lang="en-US" b="0" i="0" dirty="0">
+                <a:solidFill>
+                  <a:srgbClr val="374151"/>
+                </a:solidFill>
+                <a:effectLst/>
+                <a:latin typeface="Söhne"/>
+              </a:rPr>
+              <a:t>Supports advanced messaging scenarios.</a:t>
+            </a:r>
+          </a:p>
+          <a:p>
+            <a:endParaRPr lang="en-US" dirty="0"/>
+          </a:p>
+        </p:txBody>
+      </p:sp>
+    </p:spTree>
+    <p:extLst>
+      <p:ext uri="{BB962C8B-B14F-4D97-AF65-F5344CB8AC3E}">
+        <p14:creationId xmlns:p14="http://schemas.microsoft.com/office/powerpoint/2010/main" val="3660571353"/>
+      </p:ext>
+    </p:extLst>
+  </p:cSld>
+  <p:clrMapOvr>
+    <a:masterClrMapping/>
+  </p:clrMapOvr>
+</p:sld>
+</file>
+
+<file path=ppt/slides/slide17.xml><?xml version="1.0" encoding="utf-8"?>
+<p:sld xmlns:a="http://schemas.openxmlformats.org/drawingml/2006/main" xmlns:r="http://schemas.openxmlformats.org/officeDocument/2006/relationships" xmlns:p="http://schemas.openxmlformats.org/presentationml/2006/main">
+  <p:cSld>
+    <p:spTree>
+      <p:nvGrpSpPr>
+        <p:cNvPr id="1" name=""/>
+        <p:cNvGrpSpPr/>
+        <p:nvPr/>
+      </p:nvGrpSpPr>
+      <p:grpSpPr>
+        <a:xfrm>
+          <a:off x="0" y="0"/>
+          <a:ext cx="0" cy="0"/>
+          <a:chOff x="0" y="0"/>
+          <a:chExt cx="0" cy="0"/>
+        </a:xfrm>
+      </p:grpSpPr>
+      <p:sp>
+        <p:nvSpPr>
+          <p:cNvPr id="2" name="Title 1">
+            <a:extLst>
+              <a:ext uri="{FF2B5EF4-FFF2-40B4-BE49-F238E27FC236}">
+                <a16:creationId xmlns:a16="http://schemas.microsoft.com/office/drawing/2014/main" id="{F00CA20F-A43B-1C0D-95C5-DD0432B778E2}"/>
+              </a:ext>
+            </a:extLst>
+          </p:cNvPr>
+          <p:cNvSpPr>
+            <a:spLocks noGrp="1"/>
+          </p:cNvSpPr>
+          <p:nvPr>
+            <p:ph type="title"/>
+          </p:nvPr>
+        </p:nvSpPr>
+        <p:spPr/>
+        <p:txBody>
+          <a:bodyPr/>
+          <a:lstStyle/>
+          <a:p>
+            <a:pPr algn="ctr"/>
+            <a:r>
+              <a:rPr lang="en-US" b="1" i="0" dirty="0">
+                <a:effectLst/>
+                <a:latin typeface="Söhne"/>
+              </a:rPr>
+              <a:t>Microsoft Azure Service Bus</a:t>
+            </a:r>
+            <a:br>
+              <a:rPr lang="en-US" b="1" i="0" dirty="0">
+                <a:effectLst/>
+                <a:latin typeface="-apple-system"/>
+              </a:rPr>
+            </a:br>
+            <a:endParaRPr lang="en-US" dirty="0"/>
+          </a:p>
+        </p:txBody>
+      </p:sp>
+      <p:sp>
+        <p:nvSpPr>
+          <p:cNvPr id="3" name="Content Placeholder 2">
+            <a:extLst>
+              <a:ext uri="{FF2B5EF4-FFF2-40B4-BE49-F238E27FC236}">
+                <a16:creationId xmlns:a16="http://schemas.microsoft.com/office/drawing/2014/main" id="{1F0FE871-49C9-98C4-B312-44FDA8548534}"/>
+              </a:ext>
+            </a:extLst>
+          </p:cNvPr>
+          <p:cNvSpPr>
+            <a:spLocks noGrp="1"/>
+          </p:cNvSpPr>
+          <p:nvPr>
+            <p:ph idx="1"/>
+          </p:nvPr>
+        </p:nvSpPr>
+        <p:spPr/>
+        <p:txBody>
+          <a:bodyPr/>
+          <a:lstStyle/>
+          <a:p>
+            <a:pPr marL="0" indent="0" algn="l">
+              <a:buNone/>
+            </a:pPr>
+            <a:r>
+              <a:rPr lang="en-US" b="1" i="0" u="sng" dirty="0">
+                <a:solidFill>
+                  <a:srgbClr val="374151"/>
+                </a:solidFill>
+                <a:effectLst/>
+                <a:latin typeface="Söhne"/>
+              </a:rPr>
+              <a:t>Reasons to Choose:</a:t>
+            </a:r>
+            <a:endParaRPr lang="en-US" b="0" i="0" u="sng" dirty="0">
+              <a:solidFill>
+                <a:srgbClr val="374151"/>
+              </a:solidFill>
+              <a:effectLst/>
+              <a:latin typeface="Söhne"/>
+            </a:endParaRPr>
+          </a:p>
+          <a:p>
+            <a:pPr marL="742950" lvl="1" indent="-285750" algn="l">
+              <a:buFont typeface="Arial" panose="020B0604020202020204" pitchFamily="34" charset="0"/>
+              <a:buChar char="•"/>
+            </a:pPr>
+            <a:r>
+              <a:rPr lang="en-US" b="0" i="0" dirty="0">
+                <a:solidFill>
+                  <a:srgbClr val="374151"/>
+                </a:solidFill>
+                <a:effectLst/>
+                <a:latin typeface="Söhne"/>
+              </a:rPr>
+              <a:t>Integrated with Azure services, providing a comprehensive cloud solution.</a:t>
+            </a:r>
+          </a:p>
+          <a:p>
+            <a:pPr marL="742950" lvl="1" indent="-285750" algn="l">
+              <a:buFont typeface="Arial" panose="020B0604020202020204" pitchFamily="34" charset="0"/>
+              <a:buChar char="•"/>
+            </a:pPr>
+            <a:r>
+              <a:rPr lang="en-US" b="0" i="0" dirty="0">
+                <a:solidFill>
+                  <a:srgbClr val="374151"/>
+                </a:solidFill>
+                <a:effectLst/>
+                <a:latin typeface="Söhne"/>
+              </a:rPr>
+              <a:t>Robust and feature-rich for various messaging patterns.</a:t>
+            </a:r>
+          </a:p>
+          <a:p>
+            <a:pPr marL="742950" lvl="1" indent="-285750" algn="l">
+              <a:buFont typeface="Arial" panose="020B0604020202020204" pitchFamily="34" charset="0"/>
+              <a:buChar char="•"/>
+            </a:pPr>
+            <a:r>
+              <a:rPr lang="en-US" b="0" i="0" dirty="0">
+                <a:solidFill>
+                  <a:srgbClr val="374151"/>
+                </a:solidFill>
+                <a:effectLst/>
+                <a:latin typeface="Söhne"/>
+              </a:rPr>
+              <a:t>Seamless integration with Azure Active Directory for secure access.</a:t>
+            </a:r>
+          </a:p>
+          <a:p>
+            <a:pPr marL="742950" lvl="1" indent="-285750" algn="l">
+              <a:buFont typeface="Arial" panose="020B0604020202020204" pitchFamily="34" charset="0"/>
+              <a:buChar char="•"/>
+            </a:pPr>
+            <a:r>
+              <a:rPr lang="en-US" b="0" i="0" dirty="0">
+                <a:solidFill>
+                  <a:srgbClr val="374151"/>
+                </a:solidFill>
+                <a:effectLst/>
+                <a:latin typeface="Söhne"/>
+              </a:rPr>
+              <a:t>Scalable and globally distributed.</a:t>
+            </a:r>
+          </a:p>
+          <a:p>
+            <a:pPr marL="0" indent="0" algn="l">
+              <a:buNone/>
+            </a:pPr>
+            <a:r>
+              <a:rPr lang="en-US" b="1" i="0" u="sng" dirty="0">
+                <a:solidFill>
+                  <a:srgbClr val="374151"/>
+                </a:solidFill>
+                <a:effectLst/>
+                <a:latin typeface="Söhne"/>
+              </a:rPr>
+              <a:t>Reasons Not to Choose:</a:t>
+            </a:r>
+            <a:endParaRPr lang="en-US" b="0" i="0" u="sng" dirty="0">
+              <a:solidFill>
+                <a:srgbClr val="374151"/>
+              </a:solidFill>
+              <a:effectLst/>
+              <a:latin typeface="Söhne"/>
+            </a:endParaRPr>
+          </a:p>
+          <a:p>
+            <a:pPr marL="742950" lvl="1" indent="-285750" algn="l">
+              <a:buFont typeface="Arial" panose="020B0604020202020204" pitchFamily="34" charset="0"/>
+              <a:buChar char="•"/>
+            </a:pPr>
+            <a:r>
+              <a:rPr lang="en-US" b="0" i="0" dirty="0">
+                <a:solidFill>
+                  <a:srgbClr val="374151"/>
+                </a:solidFill>
+                <a:effectLst/>
+                <a:latin typeface="Söhne"/>
+              </a:rPr>
+              <a:t>Tightly coupled with the Azure ecosystem.</a:t>
+            </a:r>
+          </a:p>
+          <a:p>
+            <a:pPr marL="742950" lvl="1" indent="-285750" algn="l">
+              <a:buFont typeface="Arial" panose="020B0604020202020204" pitchFamily="34" charset="0"/>
+              <a:buChar char="•"/>
+            </a:pPr>
+            <a:r>
+              <a:rPr lang="en-US" b="0" i="0" dirty="0">
+                <a:solidFill>
+                  <a:srgbClr val="374151"/>
+                </a:solidFill>
+                <a:effectLst/>
+                <a:latin typeface="Söhne"/>
+              </a:rPr>
+              <a:t>Costs may increase with additional features and usage.</a:t>
+            </a:r>
+          </a:p>
+          <a:p>
+            <a:endParaRPr lang="en-US" dirty="0"/>
+          </a:p>
+        </p:txBody>
+      </p:sp>
+    </p:spTree>
+    <p:extLst>
+      <p:ext uri="{BB962C8B-B14F-4D97-AF65-F5344CB8AC3E}">
+        <p14:creationId xmlns:p14="http://schemas.microsoft.com/office/powerpoint/2010/main" val="3643565289"/>
+      </p:ext>
+    </p:extLst>
+  </p:cSld>
+  <p:clrMapOvr>
+    <a:masterClrMapping/>
+  </p:clrMapOvr>
+</p:sld>
+</file>
+
+<file path=ppt/slides/slide18.xml><?xml version="1.0" encoding="utf-8"?>
+<p:sld xmlns:a="http://schemas.openxmlformats.org/drawingml/2006/main" xmlns:r="http://schemas.openxmlformats.org/officeDocument/2006/relationships" xmlns:p="http://schemas.openxmlformats.org/presentationml/2006/main">
+  <p:cSld>
+    <p:spTree>
+      <p:nvGrpSpPr>
+        <p:cNvPr id="1" name=""/>
+        <p:cNvGrpSpPr/>
+        <p:nvPr/>
+      </p:nvGrpSpPr>
+      <p:grpSpPr>
+        <a:xfrm>
+          <a:off x="0" y="0"/>
+          <a:ext cx="0" cy="0"/>
+          <a:chOff x="0" y="0"/>
+          <a:chExt cx="0" cy="0"/>
+        </a:xfrm>
+      </p:grpSpPr>
+      <p:sp>
+        <p:nvSpPr>
+          <p:cNvPr id="2" name="Title 1">
+            <a:extLst>
+              <a:ext uri="{FF2B5EF4-FFF2-40B4-BE49-F238E27FC236}">
+                <a16:creationId xmlns:a16="http://schemas.microsoft.com/office/drawing/2014/main" id="{F00CA20F-A43B-1C0D-95C5-DD0432B778E2}"/>
+              </a:ext>
+            </a:extLst>
+          </p:cNvPr>
+          <p:cNvSpPr>
+            <a:spLocks noGrp="1"/>
+          </p:cNvSpPr>
+          <p:nvPr>
+            <p:ph type="title"/>
+          </p:nvPr>
+        </p:nvSpPr>
+        <p:spPr/>
+        <p:txBody>
+          <a:bodyPr/>
+          <a:lstStyle/>
+          <a:p>
+            <a:pPr algn="ctr"/>
+            <a:r>
+              <a:rPr lang="en-US" b="1" i="0" dirty="0">
+                <a:effectLst/>
+                <a:latin typeface="Söhne"/>
+              </a:rPr>
+              <a:t>Google Cloud Pub/Sub</a:t>
+            </a:r>
+            <a:br>
+              <a:rPr lang="en-US" b="1" i="0" dirty="0">
+                <a:effectLst/>
+                <a:latin typeface="-apple-system"/>
+              </a:rPr>
+            </a:br>
+            <a:endParaRPr lang="en-US" dirty="0"/>
+          </a:p>
+        </p:txBody>
+      </p:sp>
+      <p:sp>
+        <p:nvSpPr>
+          <p:cNvPr id="3" name="Content Placeholder 2">
+            <a:extLst>
+              <a:ext uri="{FF2B5EF4-FFF2-40B4-BE49-F238E27FC236}">
+                <a16:creationId xmlns:a16="http://schemas.microsoft.com/office/drawing/2014/main" id="{1F0FE871-49C9-98C4-B312-44FDA8548534}"/>
+              </a:ext>
+            </a:extLst>
+          </p:cNvPr>
+          <p:cNvSpPr>
+            <a:spLocks noGrp="1"/>
+          </p:cNvSpPr>
+          <p:nvPr>
+            <p:ph idx="1"/>
+          </p:nvPr>
+        </p:nvSpPr>
+        <p:spPr/>
+        <p:txBody>
+          <a:bodyPr>
+            <a:normAutofit fontScale="85000" lnSpcReduction="20000"/>
+          </a:bodyPr>
+          <a:lstStyle/>
+          <a:p>
+            <a:pPr marL="0" indent="0" algn="l">
+              <a:buNone/>
+            </a:pPr>
+            <a:r>
+              <a:rPr lang="en-US" b="1" i="0" u="sng" dirty="0">
+                <a:solidFill>
+                  <a:srgbClr val="374151"/>
+                </a:solidFill>
+                <a:effectLst/>
+                <a:latin typeface="Söhne"/>
+              </a:rPr>
+              <a:t>Features:</a:t>
+            </a:r>
+            <a:endParaRPr lang="en-US" b="0" i="0" u="sng" dirty="0">
+              <a:solidFill>
+                <a:srgbClr val="374151"/>
+              </a:solidFill>
+              <a:effectLst/>
+              <a:latin typeface="Söhne"/>
+            </a:endParaRPr>
+          </a:p>
+          <a:p>
+            <a:pPr lvl="1"/>
+            <a:r>
+              <a:rPr lang="en-US" b="1" i="0" dirty="0">
+                <a:solidFill>
+                  <a:srgbClr val="374151"/>
+                </a:solidFill>
+                <a:effectLst/>
+                <a:latin typeface="Söhne"/>
+              </a:rPr>
+              <a:t>Managed Service:</a:t>
+            </a:r>
+            <a:endParaRPr lang="en-US" b="0" i="0" dirty="0">
+              <a:solidFill>
+                <a:srgbClr val="374151"/>
+              </a:solidFill>
+              <a:effectLst/>
+              <a:latin typeface="Söhne"/>
+            </a:endParaRPr>
+          </a:p>
+          <a:p>
+            <a:pPr marL="1200150" lvl="2" indent="-285750"/>
+            <a:r>
+              <a:rPr lang="en-US" b="0" i="0" dirty="0">
+                <a:solidFill>
+                  <a:srgbClr val="374151"/>
+                </a:solidFill>
+                <a:effectLst/>
+                <a:latin typeface="Söhne"/>
+              </a:rPr>
+              <a:t>Fully managed by Google Cloud Platform (GCP).</a:t>
+            </a:r>
+          </a:p>
+          <a:p>
+            <a:pPr marL="1200150" lvl="2" indent="-285750"/>
+            <a:r>
+              <a:rPr lang="en-US" b="0" i="0" dirty="0">
+                <a:solidFill>
+                  <a:srgbClr val="374151"/>
+                </a:solidFill>
+                <a:effectLst/>
+                <a:latin typeface="Söhne"/>
+              </a:rPr>
+              <a:t>Automatic scaling and high availability.</a:t>
+            </a:r>
+          </a:p>
+          <a:p>
+            <a:pPr lvl="1"/>
+            <a:r>
+              <a:rPr lang="en-US" b="1" i="0" dirty="0">
+                <a:solidFill>
+                  <a:srgbClr val="374151"/>
+                </a:solidFill>
+                <a:effectLst/>
+                <a:latin typeface="Söhne"/>
+              </a:rPr>
+              <a:t>Integration:</a:t>
+            </a:r>
+            <a:endParaRPr lang="en-US" b="0" i="0" dirty="0">
+              <a:solidFill>
+                <a:srgbClr val="374151"/>
+              </a:solidFill>
+              <a:effectLst/>
+              <a:latin typeface="Söhne"/>
+            </a:endParaRPr>
+          </a:p>
+          <a:p>
+            <a:pPr marL="1200150" lvl="2" indent="-285750"/>
+            <a:r>
+              <a:rPr lang="en-US" b="0" i="0" dirty="0">
+                <a:solidFill>
+                  <a:srgbClr val="374151"/>
+                </a:solidFill>
+                <a:effectLst/>
+                <a:latin typeface="Söhne"/>
+              </a:rPr>
+              <a:t>Seamless integration with other GCP services.</a:t>
+            </a:r>
+          </a:p>
+          <a:p>
+            <a:pPr marL="1200150" lvl="2" indent="-285750"/>
+            <a:r>
+              <a:rPr lang="en-US" b="0" i="0" dirty="0">
+                <a:solidFill>
+                  <a:srgbClr val="374151"/>
+                </a:solidFill>
+                <a:effectLst/>
+                <a:latin typeface="Söhne"/>
+              </a:rPr>
+              <a:t>Supports both push and pull mechanisms for message consumption.</a:t>
+            </a:r>
+          </a:p>
+          <a:p>
+            <a:pPr lvl="1"/>
+            <a:r>
+              <a:rPr lang="en-US" b="1" i="0" dirty="0">
+                <a:solidFill>
+                  <a:srgbClr val="374151"/>
+                </a:solidFill>
+                <a:effectLst/>
+                <a:latin typeface="Söhne"/>
+              </a:rPr>
+              <a:t>Scalability:</a:t>
+            </a:r>
+            <a:endParaRPr lang="en-US" b="0" i="0" dirty="0">
+              <a:solidFill>
+                <a:srgbClr val="374151"/>
+              </a:solidFill>
+              <a:effectLst/>
+              <a:latin typeface="Söhne"/>
+            </a:endParaRPr>
+          </a:p>
+          <a:p>
+            <a:pPr marL="1200150" lvl="2" indent="-285750"/>
+            <a:r>
+              <a:rPr lang="en-US" b="0" i="0" dirty="0">
+                <a:solidFill>
+                  <a:srgbClr val="374151"/>
+                </a:solidFill>
+                <a:effectLst/>
+                <a:latin typeface="Söhne"/>
+              </a:rPr>
+              <a:t>Scales horizontally to handle large-scale workloads.</a:t>
+            </a:r>
+          </a:p>
+          <a:p>
+            <a:pPr marL="1200150" lvl="2" indent="-285750"/>
+            <a:r>
+              <a:rPr lang="en-US" b="0" i="0" dirty="0">
+                <a:solidFill>
+                  <a:srgbClr val="374151"/>
+                </a:solidFill>
+                <a:effectLst/>
+                <a:latin typeface="Söhne"/>
+              </a:rPr>
+              <a:t>Decouples producers and consumers for improved scalability.</a:t>
+            </a:r>
+          </a:p>
+          <a:p>
+            <a:pPr lvl="1"/>
+            <a:r>
+              <a:rPr lang="en-US" b="1" i="0" dirty="0">
+                <a:solidFill>
+                  <a:srgbClr val="374151"/>
+                </a:solidFill>
+                <a:effectLst/>
+                <a:latin typeface="Söhne"/>
+              </a:rPr>
+              <a:t>Security:</a:t>
+            </a:r>
+            <a:endParaRPr lang="en-US" b="0" i="0" dirty="0">
+              <a:solidFill>
+                <a:srgbClr val="374151"/>
+              </a:solidFill>
+              <a:effectLst/>
+              <a:latin typeface="Söhne"/>
+            </a:endParaRPr>
+          </a:p>
+          <a:p>
+            <a:pPr marL="1200150" lvl="2" indent="-285750"/>
+            <a:r>
+              <a:rPr lang="en-US" b="0" i="0" dirty="0">
+                <a:solidFill>
+                  <a:srgbClr val="374151"/>
+                </a:solidFill>
+                <a:effectLst/>
+                <a:latin typeface="Söhne"/>
+              </a:rPr>
+              <a:t>Integrated with Google Cloud Identity and Access Management (IAM).</a:t>
+            </a:r>
+          </a:p>
+          <a:p>
+            <a:pPr marL="1200150" lvl="2" indent="-285750"/>
+            <a:r>
+              <a:rPr lang="en-US" b="0" i="0" dirty="0">
+                <a:solidFill>
+                  <a:srgbClr val="374151"/>
+                </a:solidFill>
+                <a:effectLst/>
+                <a:latin typeface="Söhne"/>
+              </a:rPr>
+              <a:t>Provides robust access control and encryption.</a:t>
+            </a:r>
+          </a:p>
+          <a:p>
+            <a:pPr lvl="1"/>
+            <a:r>
+              <a:rPr lang="en-US" b="1" i="0" dirty="0">
+                <a:solidFill>
+                  <a:srgbClr val="374151"/>
+                </a:solidFill>
+                <a:effectLst/>
+                <a:latin typeface="Söhne"/>
+              </a:rPr>
+              <a:t>Global Availability:</a:t>
+            </a:r>
+            <a:endParaRPr lang="en-US" b="0" i="0" dirty="0">
+              <a:solidFill>
+                <a:srgbClr val="374151"/>
+              </a:solidFill>
+              <a:effectLst/>
+              <a:latin typeface="Söhne"/>
+            </a:endParaRPr>
+          </a:p>
+          <a:p>
+            <a:pPr marL="1200150" lvl="2" indent="-285750"/>
+            <a:r>
+              <a:rPr lang="en-US" b="0" i="0" dirty="0">
+                <a:solidFill>
+                  <a:srgbClr val="374151"/>
+                </a:solidFill>
+                <a:effectLst/>
+                <a:latin typeface="Söhne"/>
+              </a:rPr>
+              <a:t>Offers global availability with multi-region support.</a:t>
+            </a:r>
+          </a:p>
+          <a:p>
+            <a:pPr marL="1200150" lvl="2" indent="-285750"/>
+            <a:r>
+              <a:rPr lang="en-US" b="0" i="0" dirty="0">
+                <a:solidFill>
+                  <a:srgbClr val="374151"/>
+                </a:solidFill>
+                <a:effectLst/>
+                <a:latin typeface="Söhne"/>
+              </a:rPr>
+              <a:t>Ensures low-latency messaging across the globe.</a:t>
+            </a:r>
+          </a:p>
+          <a:p>
+            <a:endParaRPr lang="en-US" dirty="0"/>
+          </a:p>
+        </p:txBody>
+      </p:sp>
+    </p:spTree>
+    <p:extLst>
+      <p:ext uri="{BB962C8B-B14F-4D97-AF65-F5344CB8AC3E}">
+        <p14:creationId xmlns:p14="http://schemas.microsoft.com/office/powerpoint/2010/main" val="3410566117"/>
+      </p:ext>
+    </p:extLst>
+  </p:cSld>
+  <p:clrMapOvr>
+    <a:masterClrMapping/>
+  </p:clrMapOvr>
+</p:sld>
+</file>
+
+<file path=ppt/slides/slide19.xml><?xml version="1.0" encoding="utf-8"?>
+<p:sld xmlns:a="http://schemas.openxmlformats.org/drawingml/2006/main" xmlns:r="http://schemas.openxmlformats.org/officeDocument/2006/relationships" xmlns:p="http://schemas.openxmlformats.org/presentationml/2006/main">
+  <p:cSld>
+    <p:spTree>
+      <p:nvGrpSpPr>
+        <p:cNvPr id="1" name=""/>
+        <p:cNvGrpSpPr/>
+        <p:nvPr/>
+      </p:nvGrpSpPr>
+      <p:grpSpPr>
+        <a:xfrm>
+          <a:off x="0" y="0"/>
+          <a:ext cx="0" cy="0"/>
+          <a:chOff x="0" y="0"/>
+          <a:chExt cx="0" cy="0"/>
+        </a:xfrm>
+      </p:grpSpPr>
+      <p:sp>
+        <p:nvSpPr>
+          <p:cNvPr id="2" name="Title 1">
+            <a:extLst>
+              <a:ext uri="{FF2B5EF4-FFF2-40B4-BE49-F238E27FC236}">
+                <a16:creationId xmlns:a16="http://schemas.microsoft.com/office/drawing/2014/main" id="{F00CA20F-A43B-1C0D-95C5-DD0432B778E2}"/>
+              </a:ext>
+            </a:extLst>
+          </p:cNvPr>
+          <p:cNvSpPr>
+            <a:spLocks noGrp="1"/>
+          </p:cNvSpPr>
+          <p:nvPr>
+            <p:ph type="title"/>
+          </p:nvPr>
+        </p:nvSpPr>
+        <p:spPr/>
+        <p:txBody>
+          <a:bodyPr/>
+          <a:lstStyle/>
+          <a:p>
+            <a:pPr algn="ctr"/>
+            <a:r>
+              <a:rPr lang="en-US" b="1" i="0" dirty="0">
+                <a:effectLst/>
+                <a:latin typeface="Söhne"/>
+              </a:rPr>
+              <a:t>Google Cloud Pub/Sub</a:t>
+            </a:r>
+            <a:br>
+              <a:rPr lang="en-US" b="1" i="0" dirty="0">
+                <a:effectLst/>
+                <a:latin typeface="-apple-system"/>
+              </a:rPr>
+            </a:br>
+            <a:endParaRPr lang="en-US" dirty="0"/>
+          </a:p>
+        </p:txBody>
+      </p:sp>
+      <p:sp>
+        <p:nvSpPr>
+          <p:cNvPr id="3" name="Content Placeholder 2">
+            <a:extLst>
+              <a:ext uri="{FF2B5EF4-FFF2-40B4-BE49-F238E27FC236}">
+                <a16:creationId xmlns:a16="http://schemas.microsoft.com/office/drawing/2014/main" id="{1F0FE871-49C9-98C4-B312-44FDA8548534}"/>
+              </a:ext>
+            </a:extLst>
+          </p:cNvPr>
+          <p:cNvSpPr>
+            <a:spLocks noGrp="1"/>
+          </p:cNvSpPr>
+          <p:nvPr>
+            <p:ph idx="1"/>
+          </p:nvPr>
+        </p:nvSpPr>
+        <p:spPr/>
+        <p:txBody>
+          <a:bodyPr/>
+          <a:lstStyle/>
+          <a:p>
+            <a:pPr marL="0" indent="0" algn="l">
+              <a:buNone/>
+            </a:pPr>
+            <a:r>
+              <a:rPr lang="en-US" b="1" i="0" u="sng" dirty="0">
+                <a:solidFill>
+                  <a:srgbClr val="374151"/>
+                </a:solidFill>
+                <a:effectLst/>
+                <a:latin typeface="Söhne"/>
+              </a:rPr>
+              <a:t>Reasons to Choose:</a:t>
+            </a:r>
+            <a:endParaRPr lang="en-US" b="0" i="0" u="sng" dirty="0">
+              <a:solidFill>
+                <a:srgbClr val="374151"/>
+              </a:solidFill>
+              <a:effectLst/>
+              <a:latin typeface="Söhne"/>
+            </a:endParaRPr>
+          </a:p>
+          <a:p>
+            <a:pPr marL="742950" lvl="1" indent="-285750" algn="l">
+              <a:buFont typeface="Arial" panose="020B0604020202020204" pitchFamily="34" charset="0"/>
+              <a:buChar char="•"/>
+            </a:pPr>
+            <a:r>
+              <a:rPr lang="en-US" b="0" i="0" dirty="0">
+                <a:solidFill>
+                  <a:srgbClr val="374151"/>
+                </a:solidFill>
+                <a:effectLst/>
+                <a:latin typeface="Söhne"/>
+              </a:rPr>
+              <a:t>Integrated with the Google Cloud ecosystem.</a:t>
+            </a:r>
+          </a:p>
+          <a:p>
+            <a:pPr marL="742950" lvl="1" indent="-285750" algn="l">
+              <a:buFont typeface="Arial" panose="020B0604020202020204" pitchFamily="34" charset="0"/>
+              <a:buChar char="•"/>
+            </a:pPr>
+            <a:r>
+              <a:rPr lang="en-US" b="0" i="0" dirty="0">
+                <a:solidFill>
+                  <a:srgbClr val="374151"/>
+                </a:solidFill>
+                <a:effectLst/>
+                <a:latin typeface="Söhne"/>
+              </a:rPr>
+              <a:t>Globally distributed with high scalability.</a:t>
+            </a:r>
+          </a:p>
+          <a:p>
+            <a:pPr marL="742950" lvl="1" indent="-285750" algn="l">
+              <a:buFont typeface="Arial" panose="020B0604020202020204" pitchFamily="34" charset="0"/>
+              <a:buChar char="•"/>
+            </a:pPr>
+            <a:r>
+              <a:rPr lang="en-US" b="0" i="0" dirty="0">
+                <a:solidFill>
+                  <a:srgbClr val="374151"/>
+                </a:solidFill>
+                <a:effectLst/>
+                <a:latin typeface="Söhne"/>
+              </a:rPr>
+              <a:t>Pay-as-you-go pricing model.</a:t>
+            </a:r>
+          </a:p>
+          <a:p>
+            <a:pPr marL="742950" lvl="1" indent="-285750" algn="l">
+              <a:buFont typeface="Arial" panose="020B0604020202020204" pitchFamily="34" charset="0"/>
+              <a:buChar char="•"/>
+            </a:pPr>
+            <a:r>
+              <a:rPr lang="en-US" b="0" i="0" dirty="0">
+                <a:solidFill>
+                  <a:srgbClr val="374151"/>
+                </a:solidFill>
+                <a:effectLst/>
+                <a:latin typeface="Söhne"/>
+              </a:rPr>
+              <a:t>Seamless integration with other Google Cloud services.</a:t>
+            </a:r>
+          </a:p>
+          <a:p>
+            <a:pPr marL="742950" lvl="1" indent="-285750" algn="l">
+              <a:buFont typeface="Arial" panose="020B0604020202020204" pitchFamily="34" charset="0"/>
+              <a:buChar char="•"/>
+            </a:pPr>
+            <a:r>
+              <a:rPr lang="en-US" b="0" i="0" dirty="0">
+                <a:solidFill>
+                  <a:srgbClr val="374151"/>
+                </a:solidFill>
+                <a:effectLst/>
+                <a:latin typeface="Söhne"/>
+              </a:rPr>
+              <a:t>High throughput and low-latency.</a:t>
+            </a:r>
+          </a:p>
+          <a:p>
+            <a:pPr marL="0" indent="0" algn="l">
+              <a:buNone/>
+            </a:pPr>
+            <a:r>
+              <a:rPr lang="en-US" b="1" i="0" u="sng" dirty="0">
+                <a:solidFill>
+                  <a:srgbClr val="374151"/>
+                </a:solidFill>
+                <a:effectLst/>
+                <a:latin typeface="Söhne"/>
+              </a:rPr>
+              <a:t>Reasons Not to Choose:</a:t>
+            </a:r>
+            <a:endParaRPr lang="en-US" b="0" i="0" u="sng" dirty="0">
+              <a:solidFill>
+                <a:srgbClr val="374151"/>
+              </a:solidFill>
+              <a:effectLst/>
+              <a:latin typeface="Söhne"/>
+            </a:endParaRPr>
+          </a:p>
+          <a:p>
+            <a:pPr marL="742950" lvl="1" indent="-285750" algn="l">
+              <a:buFont typeface="Arial" panose="020B0604020202020204" pitchFamily="34" charset="0"/>
+              <a:buChar char="•"/>
+            </a:pPr>
+            <a:r>
+              <a:rPr lang="en-US" b="0" i="0" dirty="0">
+                <a:solidFill>
+                  <a:srgbClr val="374151"/>
+                </a:solidFill>
+                <a:effectLst/>
+                <a:latin typeface="Söhne"/>
+              </a:rPr>
+              <a:t>Tightly integrated with Google Cloud, which may limit multi-cloud options.</a:t>
+            </a:r>
+          </a:p>
+          <a:p>
+            <a:pPr marL="742950" lvl="1" indent="-285750" algn="l">
+              <a:buFont typeface="Arial" panose="020B0604020202020204" pitchFamily="34" charset="0"/>
+              <a:buChar char="•"/>
+            </a:pPr>
+            <a:r>
+              <a:rPr lang="en-US" b="0" i="0" dirty="0">
+                <a:solidFill>
+                  <a:srgbClr val="374151"/>
+                </a:solidFill>
+                <a:effectLst/>
+                <a:latin typeface="Söhne"/>
+              </a:rPr>
+              <a:t>Limited customization compared to more specialized solutions.</a:t>
+            </a:r>
+          </a:p>
+          <a:p>
+            <a:endParaRPr lang="en-US" dirty="0"/>
+          </a:p>
+        </p:txBody>
+      </p:sp>
+    </p:spTree>
+    <p:extLst>
+      <p:ext uri="{BB962C8B-B14F-4D97-AF65-F5344CB8AC3E}">
+        <p14:creationId xmlns:p14="http://schemas.microsoft.com/office/powerpoint/2010/main" val="3553066697"/>
+      </p:ext>
+    </p:extLst>
+  </p:cSld>
+  <p:clrMapOvr>
+    <a:masterClrMapping/>
+  </p:clrMapOvr>
+</p:sld>
+</file>
+
 <file path=ppt/slides/slide2.xml><?xml version="1.0" encoding="utf-8"?>
 <p:sld xmlns:a="http://schemas.openxmlformats.org/drawingml/2006/main" xmlns:r="http://schemas.openxmlformats.org/officeDocument/2006/relationships" xmlns:p="http://schemas.openxmlformats.org/presentationml/2006/main">
   <p:cSld>
@@ -3493,7 +6288,7 @@
         <p:spPr/>
         <p:txBody>
           <a:bodyPr>
-            <a:normAutofit fontScale="70000" lnSpcReduction="20000"/>
+            <a:normAutofit fontScale="77500" lnSpcReduction="20000"/>
           </a:bodyPr>
           <a:lstStyle/>
           <a:p>
@@ -3526,22 +6321,6 @@
                 <a:latin typeface="-apple-system"/>
               </a:rPr>
               <a:t>RabbitMQ</a:t>
-            </a:r>
-          </a:p>
-          <a:p>
-            <a:pPr algn="l">
-              <a:buFont typeface="Arial" panose="020B0604020202020204" pitchFamily="34" charset="0"/>
-              <a:buChar char="•"/>
-            </a:pPr>
-            <a:r>
-              <a:rPr lang="en-US" b="0" i="0" dirty="0">
-                <a:solidFill>
-                  <a:srgbClr val="1F1F1F"/>
-                </a:solidFill>
-                <a:effectLst/>
-                <a:latin typeface="-apple-system"/>
-              </a:rPr>
-              <a:t>IBM MQ</a:t>
             </a:r>
           </a:p>
           <a:p>
@@ -3693,6 +6472,1845 @@
     <p:extLst>
       <p:ext uri="{BB962C8B-B14F-4D97-AF65-F5344CB8AC3E}">
         <p14:creationId xmlns:p14="http://schemas.microsoft.com/office/powerpoint/2010/main" val="76145210"/>
+      </p:ext>
+    </p:extLst>
+  </p:cSld>
+  <p:clrMapOvr>
+    <a:masterClrMapping/>
+  </p:clrMapOvr>
+</p:sld>
+</file>
+
+<file path=ppt/slides/slide20.xml><?xml version="1.0" encoding="utf-8"?>
+<p:sld xmlns:a="http://schemas.openxmlformats.org/drawingml/2006/main" xmlns:r="http://schemas.openxmlformats.org/officeDocument/2006/relationships" xmlns:p="http://schemas.openxmlformats.org/presentationml/2006/main">
+  <p:cSld>
+    <p:spTree>
+      <p:nvGrpSpPr>
+        <p:cNvPr id="1" name=""/>
+        <p:cNvGrpSpPr/>
+        <p:nvPr/>
+      </p:nvGrpSpPr>
+      <p:grpSpPr>
+        <a:xfrm>
+          <a:off x="0" y="0"/>
+          <a:ext cx="0" cy="0"/>
+          <a:chOff x="0" y="0"/>
+          <a:chExt cx="0" cy="0"/>
+        </a:xfrm>
+      </p:grpSpPr>
+      <p:sp>
+        <p:nvSpPr>
+          <p:cNvPr id="2" name="Title 1">
+            <a:extLst>
+              <a:ext uri="{FF2B5EF4-FFF2-40B4-BE49-F238E27FC236}">
+                <a16:creationId xmlns:a16="http://schemas.microsoft.com/office/drawing/2014/main" id="{F00CA20F-A43B-1C0D-95C5-DD0432B778E2}"/>
+              </a:ext>
+            </a:extLst>
+          </p:cNvPr>
+          <p:cNvSpPr>
+            <a:spLocks noGrp="1"/>
+          </p:cNvSpPr>
+          <p:nvPr>
+            <p:ph type="title"/>
+          </p:nvPr>
+        </p:nvSpPr>
+        <p:spPr/>
+        <p:txBody>
+          <a:bodyPr/>
+          <a:lstStyle/>
+          <a:p>
+            <a:pPr algn="ctr"/>
+            <a:r>
+              <a:rPr lang="en-US" b="1" i="0" dirty="0">
+                <a:effectLst/>
+                <a:latin typeface="Söhne"/>
+              </a:rPr>
+              <a:t>IBM MQ</a:t>
+            </a:r>
+            <a:br>
+              <a:rPr lang="en-US" b="1" i="0" dirty="0">
+                <a:effectLst/>
+                <a:latin typeface="-apple-system"/>
+              </a:rPr>
+            </a:br>
+            <a:endParaRPr lang="en-US" dirty="0"/>
+          </a:p>
+        </p:txBody>
+      </p:sp>
+      <p:sp>
+        <p:nvSpPr>
+          <p:cNvPr id="3" name="Content Placeholder 2">
+            <a:extLst>
+              <a:ext uri="{FF2B5EF4-FFF2-40B4-BE49-F238E27FC236}">
+                <a16:creationId xmlns:a16="http://schemas.microsoft.com/office/drawing/2014/main" id="{1F0FE871-49C9-98C4-B312-44FDA8548534}"/>
+              </a:ext>
+            </a:extLst>
+          </p:cNvPr>
+          <p:cNvSpPr>
+            <a:spLocks noGrp="1"/>
+          </p:cNvSpPr>
+          <p:nvPr>
+            <p:ph idx="1"/>
+          </p:nvPr>
+        </p:nvSpPr>
+        <p:spPr/>
+        <p:txBody>
+          <a:bodyPr>
+            <a:normAutofit fontScale="85000" lnSpcReduction="20000"/>
+          </a:bodyPr>
+          <a:lstStyle/>
+          <a:p>
+            <a:pPr marL="0" indent="0" algn="l">
+              <a:buNone/>
+            </a:pPr>
+            <a:r>
+              <a:rPr lang="en-US" b="1" i="0" u="sng" dirty="0">
+                <a:solidFill>
+                  <a:srgbClr val="374151"/>
+                </a:solidFill>
+                <a:effectLst/>
+                <a:latin typeface="Söhne"/>
+              </a:rPr>
+              <a:t>Features:</a:t>
+            </a:r>
+            <a:endParaRPr lang="en-US" b="0" i="0" u="sng" dirty="0">
+              <a:solidFill>
+                <a:srgbClr val="374151"/>
+              </a:solidFill>
+              <a:effectLst/>
+              <a:latin typeface="Söhne"/>
+            </a:endParaRPr>
+          </a:p>
+          <a:p>
+            <a:pPr lvl="1"/>
+            <a:r>
+              <a:rPr lang="en-US" b="1" i="0" dirty="0">
+                <a:solidFill>
+                  <a:srgbClr val="374151"/>
+                </a:solidFill>
+                <a:effectLst/>
+                <a:latin typeface="Söhne"/>
+              </a:rPr>
+              <a:t>Reliability:</a:t>
+            </a:r>
+            <a:endParaRPr lang="en-US" b="0" i="0" dirty="0">
+              <a:solidFill>
+                <a:srgbClr val="374151"/>
+              </a:solidFill>
+              <a:effectLst/>
+              <a:latin typeface="Söhne"/>
+            </a:endParaRPr>
+          </a:p>
+          <a:p>
+            <a:pPr marL="1200150" lvl="2" indent="-285750"/>
+            <a:r>
+              <a:rPr lang="en-US" b="0" i="0" dirty="0">
+                <a:solidFill>
+                  <a:srgbClr val="374151"/>
+                </a:solidFill>
+                <a:effectLst/>
+                <a:latin typeface="Söhne"/>
+              </a:rPr>
+              <a:t>Provides assured message delivery with persistence and acknowledgment.</a:t>
+            </a:r>
+          </a:p>
+          <a:p>
+            <a:pPr marL="1200150" lvl="2" indent="-285750"/>
+            <a:r>
+              <a:rPr lang="en-US" b="0" i="0" dirty="0">
+                <a:solidFill>
+                  <a:srgbClr val="374151"/>
+                </a:solidFill>
+                <a:effectLst/>
+                <a:latin typeface="Söhne"/>
+              </a:rPr>
+              <a:t>Supports message recovery in case of failures.</a:t>
+            </a:r>
+          </a:p>
+          <a:p>
+            <a:pPr lvl="1"/>
+            <a:r>
+              <a:rPr lang="en-US" b="1" i="0" dirty="0">
+                <a:solidFill>
+                  <a:srgbClr val="374151"/>
+                </a:solidFill>
+                <a:effectLst/>
+                <a:latin typeface="Söhne"/>
+              </a:rPr>
+              <a:t>Integration:</a:t>
+            </a:r>
+            <a:endParaRPr lang="en-US" b="0" i="0" dirty="0">
+              <a:solidFill>
+                <a:srgbClr val="374151"/>
+              </a:solidFill>
+              <a:effectLst/>
+              <a:latin typeface="Söhne"/>
+            </a:endParaRPr>
+          </a:p>
+          <a:p>
+            <a:pPr marL="1200150" lvl="2" indent="-285750"/>
+            <a:r>
+              <a:rPr lang="en-US" b="0" i="0" dirty="0">
+                <a:solidFill>
+                  <a:srgbClr val="374151"/>
+                </a:solidFill>
+                <a:effectLst/>
+                <a:latin typeface="Söhne"/>
+              </a:rPr>
+              <a:t>Integrates with various IBM and third-party systems.</a:t>
+            </a:r>
+          </a:p>
+          <a:p>
+            <a:pPr marL="1200150" lvl="2" indent="-285750"/>
+            <a:r>
+              <a:rPr lang="en-US" b="0" i="0" dirty="0">
+                <a:solidFill>
+                  <a:srgbClr val="374151"/>
+                </a:solidFill>
+                <a:effectLst/>
+                <a:latin typeface="Söhne"/>
+              </a:rPr>
+              <a:t>Supports multiple messaging patterns, including point-to-point and publish/subscribe.</a:t>
+            </a:r>
+          </a:p>
+          <a:p>
+            <a:pPr lvl="1"/>
+            <a:r>
+              <a:rPr lang="en-US" b="1" i="0" dirty="0">
+                <a:solidFill>
+                  <a:srgbClr val="374151"/>
+                </a:solidFill>
+                <a:effectLst/>
+                <a:latin typeface="Söhne"/>
+              </a:rPr>
+              <a:t>Scalability:</a:t>
+            </a:r>
+            <a:endParaRPr lang="en-US" b="0" i="0" dirty="0">
+              <a:solidFill>
+                <a:srgbClr val="374151"/>
+              </a:solidFill>
+              <a:effectLst/>
+              <a:latin typeface="Söhne"/>
+            </a:endParaRPr>
+          </a:p>
+          <a:p>
+            <a:pPr marL="1200150" lvl="2" indent="-285750"/>
+            <a:r>
+              <a:rPr lang="en-US" b="0" i="0" dirty="0">
+                <a:solidFill>
+                  <a:srgbClr val="374151"/>
+                </a:solidFill>
+                <a:effectLst/>
+                <a:latin typeface="Söhne"/>
+              </a:rPr>
+              <a:t>Scales vertically and horizontally to handle different workloads.</a:t>
+            </a:r>
+          </a:p>
+          <a:p>
+            <a:pPr marL="1200150" lvl="2" indent="-285750"/>
+            <a:r>
+              <a:rPr lang="en-US" b="0" i="0" dirty="0">
+                <a:solidFill>
+                  <a:srgbClr val="374151"/>
+                </a:solidFill>
+                <a:effectLst/>
+                <a:latin typeface="Söhne"/>
+              </a:rPr>
+              <a:t>Suitable for both small and large-scale enterprise applications.</a:t>
+            </a:r>
+          </a:p>
+          <a:p>
+            <a:pPr lvl="1"/>
+            <a:r>
+              <a:rPr lang="en-US" b="1" i="0" dirty="0">
+                <a:solidFill>
+                  <a:srgbClr val="374151"/>
+                </a:solidFill>
+                <a:effectLst/>
+                <a:latin typeface="Söhne"/>
+              </a:rPr>
+              <a:t>Security:</a:t>
+            </a:r>
+            <a:endParaRPr lang="en-US" b="0" i="0" dirty="0">
+              <a:solidFill>
+                <a:srgbClr val="374151"/>
+              </a:solidFill>
+              <a:effectLst/>
+              <a:latin typeface="Söhne"/>
+            </a:endParaRPr>
+          </a:p>
+          <a:p>
+            <a:pPr marL="1200150" lvl="2" indent="-285750"/>
+            <a:r>
+              <a:rPr lang="en-US" b="0" i="0" dirty="0">
+                <a:solidFill>
+                  <a:srgbClr val="374151"/>
+                </a:solidFill>
+                <a:effectLst/>
+                <a:latin typeface="Söhne"/>
+              </a:rPr>
+              <a:t>Offers secure communication with SSL/TLS support.</a:t>
+            </a:r>
+          </a:p>
+          <a:p>
+            <a:pPr marL="1200150" lvl="2" indent="-285750"/>
+            <a:r>
+              <a:rPr lang="en-US" b="0" i="0" dirty="0">
+                <a:solidFill>
+                  <a:srgbClr val="374151"/>
+                </a:solidFill>
+                <a:effectLst/>
+                <a:latin typeface="Söhne"/>
+              </a:rPr>
+              <a:t>Provides access control and authentication mechanisms.</a:t>
+            </a:r>
+          </a:p>
+          <a:p>
+            <a:pPr lvl="1"/>
+            <a:r>
+              <a:rPr lang="en-US" b="1" i="0" dirty="0">
+                <a:solidFill>
+                  <a:srgbClr val="374151"/>
+                </a:solidFill>
+                <a:effectLst/>
+                <a:latin typeface="Söhne"/>
+              </a:rPr>
+              <a:t>Advanced Features:</a:t>
+            </a:r>
+            <a:endParaRPr lang="en-US" b="0" i="0" dirty="0">
+              <a:solidFill>
+                <a:srgbClr val="374151"/>
+              </a:solidFill>
+              <a:effectLst/>
+              <a:latin typeface="Söhne"/>
+            </a:endParaRPr>
+          </a:p>
+          <a:p>
+            <a:pPr marL="1200150" lvl="2" indent="-285750"/>
+            <a:r>
+              <a:rPr lang="en-US" b="0" i="0" dirty="0">
+                <a:solidFill>
+                  <a:srgbClr val="374151"/>
+                </a:solidFill>
+                <a:effectLst/>
+                <a:latin typeface="Söhne"/>
+              </a:rPr>
+              <a:t>Supports features like message grouping, priority, and transactional messaging.</a:t>
+            </a:r>
+          </a:p>
+          <a:p>
+            <a:pPr marL="1200150" lvl="2" indent="-285750"/>
+            <a:r>
+              <a:rPr lang="en-US" b="0" i="0" dirty="0">
+                <a:solidFill>
+                  <a:srgbClr val="374151"/>
+                </a:solidFill>
+                <a:effectLst/>
+                <a:latin typeface="Söhne"/>
+              </a:rPr>
+              <a:t>Robust error handling and dead-letter queues.</a:t>
+            </a:r>
+          </a:p>
+          <a:p>
+            <a:endParaRPr lang="en-US" dirty="0"/>
+          </a:p>
+        </p:txBody>
+      </p:sp>
+    </p:spTree>
+    <p:extLst>
+      <p:ext uri="{BB962C8B-B14F-4D97-AF65-F5344CB8AC3E}">
+        <p14:creationId xmlns:p14="http://schemas.microsoft.com/office/powerpoint/2010/main" val="858766475"/>
+      </p:ext>
+    </p:extLst>
+  </p:cSld>
+  <p:clrMapOvr>
+    <a:masterClrMapping/>
+  </p:clrMapOvr>
+</p:sld>
+</file>
+
+<file path=ppt/slides/slide21.xml><?xml version="1.0" encoding="utf-8"?>
+<p:sld xmlns:a="http://schemas.openxmlformats.org/drawingml/2006/main" xmlns:r="http://schemas.openxmlformats.org/officeDocument/2006/relationships" xmlns:p="http://schemas.openxmlformats.org/presentationml/2006/main">
+  <p:cSld>
+    <p:spTree>
+      <p:nvGrpSpPr>
+        <p:cNvPr id="1" name=""/>
+        <p:cNvGrpSpPr/>
+        <p:nvPr/>
+      </p:nvGrpSpPr>
+      <p:grpSpPr>
+        <a:xfrm>
+          <a:off x="0" y="0"/>
+          <a:ext cx="0" cy="0"/>
+          <a:chOff x="0" y="0"/>
+          <a:chExt cx="0" cy="0"/>
+        </a:xfrm>
+      </p:grpSpPr>
+      <p:sp>
+        <p:nvSpPr>
+          <p:cNvPr id="2" name="Title 1">
+            <a:extLst>
+              <a:ext uri="{FF2B5EF4-FFF2-40B4-BE49-F238E27FC236}">
+                <a16:creationId xmlns:a16="http://schemas.microsoft.com/office/drawing/2014/main" id="{F00CA20F-A43B-1C0D-95C5-DD0432B778E2}"/>
+              </a:ext>
+            </a:extLst>
+          </p:cNvPr>
+          <p:cNvSpPr>
+            <a:spLocks noGrp="1"/>
+          </p:cNvSpPr>
+          <p:nvPr>
+            <p:ph type="title"/>
+          </p:nvPr>
+        </p:nvSpPr>
+        <p:spPr/>
+        <p:txBody>
+          <a:bodyPr/>
+          <a:lstStyle/>
+          <a:p>
+            <a:pPr algn="ctr"/>
+            <a:r>
+              <a:rPr lang="en-US" b="1" i="0" dirty="0">
+                <a:effectLst/>
+                <a:latin typeface="Söhne"/>
+              </a:rPr>
+              <a:t>IBM MQ</a:t>
+            </a:r>
+            <a:br>
+              <a:rPr lang="en-US" b="1" i="0" dirty="0">
+                <a:effectLst/>
+                <a:latin typeface="-apple-system"/>
+              </a:rPr>
+            </a:br>
+            <a:endParaRPr lang="en-US" dirty="0"/>
+          </a:p>
+        </p:txBody>
+      </p:sp>
+      <p:sp>
+        <p:nvSpPr>
+          <p:cNvPr id="3" name="Content Placeholder 2">
+            <a:extLst>
+              <a:ext uri="{FF2B5EF4-FFF2-40B4-BE49-F238E27FC236}">
+                <a16:creationId xmlns:a16="http://schemas.microsoft.com/office/drawing/2014/main" id="{1F0FE871-49C9-98C4-B312-44FDA8548534}"/>
+              </a:ext>
+            </a:extLst>
+          </p:cNvPr>
+          <p:cNvSpPr>
+            <a:spLocks noGrp="1"/>
+          </p:cNvSpPr>
+          <p:nvPr>
+            <p:ph idx="1"/>
+          </p:nvPr>
+        </p:nvSpPr>
+        <p:spPr/>
+        <p:txBody>
+          <a:bodyPr/>
+          <a:lstStyle/>
+          <a:p>
+            <a:pPr marL="0" indent="0" algn="l">
+              <a:buNone/>
+            </a:pPr>
+            <a:r>
+              <a:rPr lang="en-US" b="1" i="0" u="sng" dirty="0">
+                <a:solidFill>
+                  <a:srgbClr val="374151"/>
+                </a:solidFill>
+                <a:effectLst/>
+                <a:latin typeface="Söhne"/>
+              </a:rPr>
+              <a:t>Reasons to Choose:</a:t>
+            </a:r>
+            <a:endParaRPr lang="en-US" b="0" i="0" u="sng" dirty="0">
+              <a:solidFill>
+                <a:srgbClr val="374151"/>
+              </a:solidFill>
+              <a:effectLst/>
+              <a:latin typeface="Söhne"/>
+            </a:endParaRPr>
+          </a:p>
+          <a:p>
+            <a:pPr marL="742950" lvl="1" indent="-285750" algn="l">
+              <a:buFont typeface="Arial" panose="020B0604020202020204" pitchFamily="34" charset="0"/>
+              <a:buChar char="•"/>
+            </a:pPr>
+            <a:r>
+              <a:rPr lang="en-US" b="0" i="0" dirty="0">
+                <a:solidFill>
+                  <a:srgbClr val="374151"/>
+                </a:solidFill>
+                <a:effectLst/>
+                <a:latin typeface="Söhne"/>
+              </a:rPr>
+              <a:t>Proven reliability and scalability for enterprise applications.</a:t>
+            </a:r>
+          </a:p>
+          <a:p>
+            <a:pPr marL="742950" lvl="1" indent="-285750" algn="l">
+              <a:buFont typeface="Arial" panose="020B0604020202020204" pitchFamily="34" charset="0"/>
+              <a:buChar char="•"/>
+            </a:pPr>
+            <a:r>
+              <a:rPr lang="en-US" b="0" i="0" dirty="0">
+                <a:solidFill>
+                  <a:srgbClr val="374151"/>
+                </a:solidFill>
+                <a:effectLst/>
+                <a:latin typeface="Söhne"/>
+              </a:rPr>
+              <a:t>Support for multiple messaging protocols.</a:t>
+            </a:r>
+          </a:p>
+          <a:p>
+            <a:pPr marL="742950" lvl="1" indent="-285750" algn="l">
+              <a:buFont typeface="Arial" panose="020B0604020202020204" pitchFamily="34" charset="0"/>
+              <a:buChar char="•"/>
+            </a:pPr>
+            <a:r>
+              <a:rPr lang="en-US" b="0" i="0" dirty="0">
+                <a:solidFill>
+                  <a:srgbClr val="374151"/>
+                </a:solidFill>
+                <a:effectLst/>
+                <a:latin typeface="Söhne"/>
+              </a:rPr>
+              <a:t>High level of security and auditability.</a:t>
+            </a:r>
+          </a:p>
+          <a:p>
+            <a:pPr marL="742950" lvl="1" indent="-285750" algn="l">
+              <a:buFont typeface="Arial" panose="020B0604020202020204" pitchFamily="34" charset="0"/>
+              <a:buChar char="•"/>
+            </a:pPr>
+            <a:r>
+              <a:rPr lang="en-US" b="0" i="0" dirty="0">
+                <a:solidFill>
+                  <a:srgbClr val="374151"/>
+                </a:solidFill>
+                <a:effectLst/>
+                <a:latin typeface="Söhne"/>
+              </a:rPr>
+              <a:t>Robust enterprise features for mission-critical applications.</a:t>
+            </a:r>
+          </a:p>
+          <a:p>
+            <a:pPr marL="0" indent="0" algn="l">
+              <a:buNone/>
+            </a:pPr>
+            <a:r>
+              <a:rPr lang="en-US" b="1" i="0" u="sng" dirty="0">
+                <a:solidFill>
+                  <a:srgbClr val="374151"/>
+                </a:solidFill>
+                <a:effectLst/>
+                <a:latin typeface="Söhne"/>
+              </a:rPr>
+              <a:t>Reasons Not to Choose:</a:t>
+            </a:r>
+            <a:endParaRPr lang="en-US" b="0" i="0" u="sng" dirty="0">
+              <a:solidFill>
+                <a:srgbClr val="374151"/>
+              </a:solidFill>
+              <a:effectLst/>
+              <a:latin typeface="Söhne"/>
+            </a:endParaRPr>
+          </a:p>
+          <a:p>
+            <a:pPr marL="742950" lvl="1" indent="-285750" algn="l">
+              <a:buFont typeface="Arial" panose="020B0604020202020204" pitchFamily="34" charset="0"/>
+              <a:buChar char="•"/>
+            </a:pPr>
+            <a:r>
+              <a:rPr lang="en-US" b="0" i="0" dirty="0">
+                <a:solidFill>
+                  <a:srgbClr val="374151"/>
+                </a:solidFill>
+                <a:effectLst/>
+                <a:latin typeface="Söhne"/>
+              </a:rPr>
+              <a:t>May be considered heavyweight for smaller applications or startups.</a:t>
+            </a:r>
+          </a:p>
+          <a:p>
+            <a:pPr marL="742950" lvl="1" indent="-285750" algn="l">
+              <a:buFont typeface="Arial" panose="020B0604020202020204" pitchFamily="34" charset="0"/>
+              <a:buChar char="•"/>
+            </a:pPr>
+            <a:r>
+              <a:rPr lang="en-US" b="0" i="0" dirty="0">
+                <a:solidFill>
+                  <a:srgbClr val="374151"/>
+                </a:solidFill>
+                <a:effectLst/>
+                <a:latin typeface="Söhne"/>
+              </a:rPr>
+              <a:t>Licensing costs may be higher compared to cloud-native solutions.</a:t>
+            </a:r>
+          </a:p>
+          <a:p>
+            <a:endParaRPr lang="en-US" dirty="0"/>
+          </a:p>
+        </p:txBody>
+      </p:sp>
+    </p:spTree>
+    <p:extLst>
+      <p:ext uri="{BB962C8B-B14F-4D97-AF65-F5344CB8AC3E}">
+        <p14:creationId xmlns:p14="http://schemas.microsoft.com/office/powerpoint/2010/main" val="3328291112"/>
+      </p:ext>
+    </p:extLst>
+  </p:cSld>
+  <p:clrMapOvr>
+    <a:masterClrMapping/>
+  </p:clrMapOvr>
+</p:sld>
+</file>
+
+<file path=ppt/slides/slide22.xml><?xml version="1.0" encoding="utf-8"?>
+<p:sld xmlns:a="http://schemas.openxmlformats.org/drawingml/2006/main" xmlns:r="http://schemas.openxmlformats.org/officeDocument/2006/relationships" xmlns:p="http://schemas.openxmlformats.org/presentationml/2006/main">
+  <p:cSld>
+    <p:spTree>
+      <p:nvGrpSpPr>
+        <p:cNvPr id="1" name=""/>
+        <p:cNvGrpSpPr/>
+        <p:nvPr/>
+      </p:nvGrpSpPr>
+      <p:grpSpPr>
+        <a:xfrm>
+          <a:off x="0" y="0"/>
+          <a:ext cx="0" cy="0"/>
+          <a:chOff x="0" y="0"/>
+          <a:chExt cx="0" cy="0"/>
+        </a:xfrm>
+      </p:grpSpPr>
+      <p:sp>
+        <p:nvSpPr>
+          <p:cNvPr id="2" name="Title 1">
+            <a:extLst>
+              <a:ext uri="{FF2B5EF4-FFF2-40B4-BE49-F238E27FC236}">
+                <a16:creationId xmlns:a16="http://schemas.microsoft.com/office/drawing/2014/main" id="{F00CA20F-A43B-1C0D-95C5-DD0432B778E2}"/>
+              </a:ext>
+            </a:extLst>
+          </p:cNvPr>
+          <p:cNvSpPr>
+            <a:spLocks noGrp="1"/>
+          </p:cNvSpPr>
+          <p:nvPr>
+            <p:ph type="title"/>
+          </p:nvPr>
+        </p:nvSpPr>
+        <p:spPr/>
+        <p:txBody>
+          <a:bodyPr/>
+          <a:lstStyle/>
+          <a:p>
+            <a:pPr algn="ctr"/>
+            <a:r>
+              <a:rPr lang="en-US" b="1" i="0" dirty="0">
+                <a:effectLst/>
+                <a:latin typeface="Söhne"/>
+              </a:rPr>
+              <a:t>ActiveMQ (Red Hat AMQ)</a:t>
+            </a:r>
+            <a:br>
+              <a:rPr lang="en-US" b="1" i="0" dirty="0">
+                <a:effectLst/>
+                <a:latin typeface="-apple-system"/>
+              </a:rPr>
+            </a:br>
+            <a:endParaRPr lang="en-US" dirty="0"/>
+          </a:p>
+        </p:txBody>
+      </p:sp>
+      <p:sp>
+        <p:nvSpPr>
+          <p:cNvPr id="3" name="Content Placeholder 2">
+            <a:extLst>
+              <a:ext uri="{FF2B5EF4-FFF2-40B4-BE49-F238E27FC236}">
+                <a16:creationId xmlns:a16="http://schemas.microsoft.com/office/drawing/2014/main" id="{1F0FE871-49C9-98C4-B312-44FDA8548534}"/>
+              </a:ext>
+            </a:extLst>
+          </p:cNvPr>
+          <p:cNvSpPr>
+            <a:spLocks noGrp="1"/>
+          </p:cNvSpPr>
+          <p:nvPr>
+            <p:ph idx="1"/>
+          </p:nvPr>
+        </p:nvSpPr>
+        <p:spPr/>
+        <p:txBody>
+          <a:bodyPr>
+            <a:normAutofit fontScale="85000" lnSpcReduction="20000"/>
+          </a:bodyPr>
+          <a:lstStyle/>
+          <a:p>
+            <a:pPr marL="0" indent="0" algn="l">
+              <a:buNone/>
+            </a:pPr>
+            <a:r>
+              <a:rPr lang="en-US" b="1" i="0" u="sng" dirty="0">
+                <a:solidFill>
+                  <a:srgbClr val="374151"/>
+                </a:solidFill>
+                <a:effectLst/>
+                <a:latin typeface="Söhne"/>
+              </a:rPr>
+              <a:t>Features:</a:t>
+            </a:r>
+            <a:endParaRPr lang="en-US" b="0" i="0" u="sng" dirty="0">
+              <a:solidFill>
+                <a:srgbClr val="374151"/>
+              </a:solidFill>
+              <a:effectLst/>
+              <a:latin typeface="Söhne"/>
+            </a:endParaRPr>
+          </a:p>
+          <a:p>
+            <a:pPr lvl="1"/>
+            <a:r>
+              <a:rPr lang="en-US" b="1" i="0" dirty="0">
+                <a:solidFill>
+                  <a:srgbClr val="374151"/>
+                </a:solidFill>
+                <a:effectLst/>
+                <a:latin typeface="Söhne"/>
+              </a:rPr>
+              <a:t>Open Source:</a:t>
+            </a:r>
+            <a:endParaRPr lang="en-US" b="0" i="0" dirty="0">
+              <a:solidFill>
+                <a:srgbClr val="374151"/>
+              </a:solidFill>
+              <a:effectLst/>
+              <a:latin typeface="Söhne"/>
+            </a:endParaRPr>
+          </a:p>
+          <a:p>
+            <a:pPr marL="1200150" lvl="2" indent="-285750"/>
+            <a:r>
+              <a:rPr lang="en-US" b="0" i="0" dirty="0">
+                <a:solidFill>
+                  <a:srgbClr val="374151"/>
+                </a:solidFill>
+                <a:effectLst/>
+                <a:latin typeface="Söhne"/>
+              </a:rPr>
+              <a:t>Based on the open-source Apache ActiveMQ.</a:t>
+            </a:r>
+          </a:p>
+          <a:p>
+            <a:pPr marL="1200150" lvl="2" indent="-285750"/>
+            <a:r>
+              <a:rPr lang="en-US" b="0" i="0" dirty="0">
+                <a:solidFill>
+                  <a:srgbClr val="374151"/>
+                </a:solidFill>
+                <a:effectLst/>
+                <a:latin typeface="Söhne"/>
+              </a:rPr>
+              <a:t>Active development and community support.</a:t>
+            </a:r>
+          </a:p>
+          <a:p>
+            <a:pPr lvl="1"/>
+            <a:r>
+              <a:rPr lang="en-US" b="1" i="0" dirty="0">
+                <a:solidFill>
+                  <a:srgbClr val="374151"/>
+                </a:solidFill>
+                <a:effectLst/>
+                <a:latin typeface="Söhne"/>
+              </a:rPr>
+              <a:t>Integration:</a:t>
+            </a:r>
+            <a:endParaRPr lang="en-US" b="0" i="0" dirty="0">
+              <a:solidFill>
+                <a:srgbClr val="374151"/>
+              </a:solidFill>
+              <a:effectLst/>
+              <a:latin typeface="Söhne"/>
+            </a:endParaRPr>
+          </a:p>
+          <a:p>
+            <a:pPr marL="1200150" lvl="2" indent="-285750"/>
+            <a:r>
+              <a:rPr lang="en-US" b="0" i="0" dirty="0">
+                <a:solidFill>
+                  <a:srgbClr val="374151"/>
+                </a:solidFill>
+                <a:effectLst/>
+                <a:latin typeface="Söhne"/>
+              </a:rPr>
+              <a:t>Integrates with Red Hat and other third-party systems.</a:t>
+            </a:r>
+          </a:p>
+          <a:p>
+            <a:pPr marL="1200150" lvl="2" indent="-285750"/>
+            <a:r>
+              <a:rPr lang="en-US" b="0" i="0" dirty="0">
+                <a:solidFill>
+                  <a:srgbClr val="374151"/>
+                </a:solidFill>
+                <a:effectLst/>
+                <a:latin typeface="Söhne"/>
+              </a:rPr>
+              <a:t>Supports various messaging patterns and protocols.</a:t>
+            </a:r>
+          </a:p>
+          <a:p>
+            <a:pPr lvl="1"/>
+            <a:r>
+              <a:rPr lang="en-US" b="1" i="0" dirty="0">
+                <a:solidFill>
+                  <a:srgbClr val="374151"/>
+                </a:solidFill>
+                <a:effectLst/>
+                <a:latin typeface="Söhne"/>
+              </a:rPr>
+              <a:t>Scalability:</a:t>
+            </a:r>
+            <a:endParaRPr lang="en-US" b="0" i="0" dirty="0">
+              <a:solidFill>
+                <a:srgbClr val="374151"/>
+              </a:solidFill>
+              <a:effectLst/>
+              <a:latin typeface="Söhne"/>
+            </a:endParaRPr>
+          </a:p>
+          <a:p>
+            <a:pPr marL="1200150" lvl="2" indent="-285750"/>
+            <a:r>
+              <a:rPr lang="en-US" b="0" i="0" dirty="0">
+                <a:solidFill>
+                  <a:srgbClr val="374151"/>
+                </a:solidFill>
+                <a:effectLst/>
+                <a:latin typeface="Söhne"/>
+              </a:rPr>
+              <a:t>Scales horizontally with network of brokers.</a:t>
+            </a:r>
+          </a:p>
+          <a:p>
+            <a:pPr marL="1200150" lvl="2" indent="-285750"/>
+            <a:r>
+              <a:rPr lang="en-US" b="0" i="0" dirty="0">
+                <a:solidFill>
+                  <a:srgbClr val="374151"/>
+                </a:solidFill>
+                <a:effectLst/>
+                <a:latin typeface="Söhne"/>
+              </a:rPr>
+              <a:t>Suitable for distributed and scalable architectures.</a:t>
+            </a:r>
+          </a:p>
+          <a:p>
+            <a:pPr lvl="1"/>
+            <a:r>
+              <a:rPr lang="en-US" b="1" i="0" dirty="0">
+                <a:solidFill>
+                  <a:srgbClr val="374151"/>
+                </a:solidFill>
+                <a:effectLst/>
+                <a:latin typeface="Söhne"/>
+              </a:rPr>
+              <a:t>Security:</a:t>
+            </a:r>
+            <a:endParaRPr lang="en-US" b="0" i="0" dirty="0">
+              <a:solidFill>
+                <a:srgbClr val="374151"/>
+              </a:solidFill>
+              <a:effectLst/>
+              <a:latin typeface="Söhne"/>
+            </a:endParaRPr>
+          </a:p>
+          <a:p>
+            <a:pPr marL="1200150" lvl="2" indent="-285750"/>
+            <a:r>
+              <a:rPr lang="en-US" b="0" i="0" dirty="0">
+                <a:solidFill>
+                  <a:srgbClr val="374151"/>
+                </a:solidFill>
+                <a:effectLst/>
+                <a:latin typeface="Söhne"/>
+              </a:rPr>
+              <a:t>Provides security features such as SSL/TLS encryption.</a:t>
+            </a:r>
+          </a:p>
+          <a:p>
+            <a:pPr marL="1200150" lvl="2" indent="-285750"/>
+            <a:r>
+              <a:rPr lang="en-US" b="0" i="0" dirty="0">
+                <a:solidFill>
+                  <a:srgbClr val="374151"/>
+                </a:solidFill>
+                <a:effectLst/>
+                <a:latin typeface="Söhne"/>
+              </a:rPr>
+              <a:t>Supports authentication and access control.</a:t>
+            </a:r>
+          </a:p>
+          <a:p>
+            <a:pPr lvl="1"/>
+            <a:r>
+              <a:rPr lang="en-US" b="1" i="0" dirty="0">
+                <a:solidFill>
+                  <a:srgbClr val="374151"/>
+                </a:solidFill>
+                <a:effectLst/>
+                <a:latin typeface="Söhne"/>
+              </a:rPr>
+              <a:t>Advanced Features:</a:t>
+            </a:r>
+            <a:endParaRPr lang="en-US" b="0" i="0" dirty="0">
+              <a:solidFill>
+                <a:srgbClr val="374151"/>
+              </a:solidFill>
+              <a:effectLst/>
+              <a:latin typeface="Söhne"/>
+            </a:endParaRPr>
+          </a:p>
+          <a:p>
+            <a:pPr marL="1200150" lvl="2" indent="-285750"/>
+            <a:r>
+              <a:rPr lang="en-US" b="0" i="0" dirty="0">
+                <a:solidFill>
+                  <a:srgbClr val="374151"/>
+                </a:solidFill>
+                <a:effectLst/>
+                <a:latin typeface="Söhne"/>
+              </a:rPr>
+              <a:t>Supports features like message grouping, virtual destinations, and advisory messages.</a:t>
+            </a:r>
+          </a:p>
+          <a:p>
+            <a:pPr marL="1200150" lvl="2" indent="-285750"/>
+            <a:r>
+              <a:rPr lang="en-US" b="0" i="0" dirty="0">
+                <a:solidFill>
+                  <a:srgbClr val="374151"/>
+                </a:solidFill>
+                <a:effectLst/>
+                <a:latin typeface="Söhne"/>
+              </a:rPr>
+              <a:t>Extensive set of connectors and adaptors for integration.</a:t>
+            </a:r>
+          </a:p>
+          <a:p>
+            <a:endParaRPr lang="en-US" dirty="0"/>
+          </a:p>
+        </p:txBody>
+      </p:sp>
+    </p:spTree>
+    <p:extLst>
+      <p:ext uri="{BB962C8B-B14F-4D97-AF65-F5344CB8AC3E}">
+        <p14:creationId xmlns:p14="http://schemas.microsoft.com/office/powerpoint/2010/main" val="3999385380"/>
+      </p:ext>
+    </p:extLst>
+  </p:cSld>
+  <p:clrMapOvr>
+    <a:masterClrMapping/>
+  </p:clrMapOvr>
+</p:sld>
+</file>
+
+<file path=ppt/slides/slide23.xml><?xml version="1.0" encoding="utf-8"?>
+<p:sld xmlns:a="http://schemas.openxmlformats.org/drawingml/2006/main" xmlns:r="http://schemas.openxmlformats.org/officeDocument/2006/relationships" xmlns:p="http://schemas.openxmlformats.org/presentationml/2006/main">
+  <p:cSld>
+    <p:spTree>
+      <p:nvGrpSpPr>
+        <p:cNvPr id="1" name=""/>
+        <p:cNvGrpSpPr/>
+        <p:nvPr/>
+      </p:nvGrpSpPr>
+      <p:grpSpPr>
+        <a:xfrm>
+          <a:off x="0" y="0"/>
+          <a:ext cx="0" cy="0"/>
+          <a:chOff x="0" y="0"/>
+          <a:chExt cx="0" cy="0"/>
+        </a:xfrm>
+      </p:grpSpPr>
+      <p:sp>
+        <p:nvSpPr>
+          <p:cNvPr id="2" name="Title 1">
+            <a:extLst>
+              <a:ext uri="{FF2B5EF4-FFF2-40B4-BE49-F238E27FC236}">
+                <a16:creationId xmlns:a16="http://schemas.microsoft.com/office/drawing/2014/main" id="{F00CA20F-A43B-1C0D-95C5-DD0432B778E2}"/>
+              </a:ext>
+            </a:extLst>
+          </p:cNvPr>
+          <p:cNvSpPr>
+            <a:spLocks noGrp="1"/>
+          </p:cNvSpPr>
+          <p:nvPr>
+            <p:ph type="title"/>
+          </p:nvPr>
+        </p:nvSpPr>
+        <p:spPr/>
+        <p:txBody>
+          <a:bodyPr/>
+          <a:lstStyle/>
+          <a:p>
+            <a:pPr algn="ctr"/>
+            <a:r>
+              <a:rPr lang="en-US" b="1" i="0" dirty="0">
+                <a:effectLst/>
+                <a:latin typeface="Söhne"/>
+              </a:rPr>
+              <a:t>ActiveMQ (Red Hat AMQ)</a:t>
+            </a:r>
+            <a:br>
+              <a:rPr lang="en-US" b="1" i="0" dirty="0">
+                <a:effectLst/>
+                <a:latin typeface="-apple-system"/>
+              </a:rPr>
+            </a:br>
+            <a:endParaRPr lang="en-US" dirty="0"/>
+          </a:p>
+        </p:txBody>
+      </p:sp>
+      <p:sp>
+        <p:nvSpPr>
+          <p:cNvPr id="3" name="Content Placeholder 2">
+            <a:extLst>
+              <a:ext uri="{FF2B5EF4-FFF2-40B4-BE49-F238E27FC236}">
+                <a16:creationId xmlns:a16="http://schemas.microsoft.com/office/drawing/2014/main" id="{1F0FE871-49C9-98C4-B312-44FDA8548534}"/>
+              </a:ext>
+            </a:extLst>
+          </p:cNvPr>
+          <p:cNvSpPr>
+            <a:spLocks noGrp="1"/>
+          </p:cNvSpPr>
+          <p:nvPr>
+            <p:ph idx="1"/>
+          </p:nvPr>
+        </p:nvSpPr>
+        <p:spPr/>
+        <p:txBody>
+          <a:bodyPr/>
+          <a:lstStyle/>
+          <a:p>
+            <a:pPr marL="0" indent="0" algn="l">
+              <a:buNone/>
+            </a:pPr>
+            <a:r>
+              <a:rPr lang="en-US" b="1" i="0" u="sng" dirty="0">
+                <a:solidFill>
+                  <a:srgbClr val="374151"/>
+                </a:solidFill>
+                <a:effectLst/>
+                <a:latin typeface="Söhne"/>
+              </a:rPr>
+              <a:t>Reasons to Choose:</a:t>
+            </a:r>
+            <a:endParaRPr lang="en-US" b="0" i="0" u="sng" dirty="0">
+              <a:solidFill>
+                <a:srgbClr val="374151"/>
+              </a:solidFill>
+              <a:effectLst/>
+              <a:latin typeface="Söhne"/>
+            </a:endParaRPr>
+          </a:p>
+          <a:p>
+            <a:pPr marL="742950" lvl="1" indent="-285750" algn="l">
+              <a:buFont typeface="Arial" panose="020B0604020202020204" pitchFamily="34" charset="0"/>
+              <a:buChar char="•"/>
+            </a:pPr>
+            <a:r>
+              <a:rPr lang="en-US" b="0" i="0" dirty="0">
+                <a:solidFill>
+                  <a:srgbClr val="374151"/>
+                </a:solidFill>
+                <a:effectLst/>
+                <a:latin typeface="Söhne"/>
+              </a:rPr>
+              <a:t>Proven open-source solution with enterprise support.</a:t>
+            </a:r>
+          </a:p>
+          <a:p>
+            <a:pPr marL="742950" lvl="1" indent="-285750" algn="l">
+              <a:buFont typeface="Arial" panose="020B0604020202020204" pitchFamily="34" charset="0"/>
+              <a:buChar char="•"/>
+            </a:pPr>
+            <a:r>
+              <a:rPr lang="en-US" b="0" i="0" dirty="0">
+                <a:solidFill>
+                  <a:srgbClr val="374151"/>
+                </a:solidFill>
+                <a:effectLst/>
+                <a:latin typeface="Söhne"/>
+              </a:rPr>
+              <a:t>Integration with Red Hat middleware products.</a:t>
+            </a:r>
+          </a:p>
+          <a:p>
+            <a:pPr marL="742950" lvl="1" indent="-285750" algn="l">
+              <a:buFont typeface="Arial" panose="020B0604020202020204" pitchFamily="34" charset="0"/>
+              <a:buChar char="•"/>
+            </a:pPr>
+            <a:r>
+              <a:rPr lang="en-US" b="0" i="0" dirty="0">
+                <a:solidFill>
+                  <a:srgbClr val="374151"/>
+                </a:solidFill>
+                <a:effectLst/>
+                <a:latin typeface="Söhne"/>
+              </a:rPr>
+              <a:t>Robust features for complex messaging scenarios.</a:t>
+            </a:r>
+          </a:p>
+          <a:p>
+            <a:pPr marL="742950" lvl="1" indent="-285750" algn="l">
+              <a:buFont typeface="Arial" panose="020B0604020202020204" pitchFamily="34" charset="0"/>
+              <a:buChar char="•"/>
+            </a:pPr>
+            <a:r>
+              <a:rPr lang="en-US" b="0" i="0" dirty="0">
+                <a:solidFill>
+                  <a:srgbClr val="374151"/>
+                </a:solidFill>
+                <a:effectLst/>
+                <a:latin typeface="Söhne"/>
+              </a:rPr>
+              <a:t>Suitable for large enterprises with existing Red Hat infrastructure.</a:t>
+            </a:r>
+          </a:p>
+          <a:p>
+            <a:pPr marL="0" indent="0" algn="l">
+              <a:buNone/>
+            </a:pPr>
+            <a:r>
+              <a:rPr lang="en-US" b="1" i="0" u="sng" dirty="0">
+                <a:solidFill>
+                  <a:srgbClr val="374151"/>
+                </a:solidFill>
+                <a:effectLst/>
+                <a:latin typeface="Söhne"/>
+              </a:rPr>
+              <a:t>Reasons Not to Choose:</a:t>
+            </a:r>
+            <a:endParaRPr lang="en-US" b="0" i="0" u="sng" dirty="0">
+              <a:solidFill>
+                <a:srgbClr val="374151"/>
+              </a:solidFill>
+              <a:effectLst/>
+              <a:latin typeface="Söhne"/>
+            </a:endParaRPr>
+          </a:p>
+          <a:p>
+            <a:pPr marL="742950" lvl="1" indent="-285750" algn="l">
+              <a:buFont typeface="Arial" panose="020B0604020202020204" pitchFamily="34" charset="0"/>
+              <a:buChar char="•"/>
+            </a:pPr>
+            <a:r>
+              <a:rPr lang="en-US" b="0" i="0" dirty="0">
+                <a:solidFill>
+                  <a:srgbClr val="374151"/>
+                </a:solidFill>
+                <a:effectLst/>
+                <a:latin typeface="Söhne"/>
+              </a:rPr>
+              <a:t>May have a steeper learning curve compared to fully managed cloud services.</a:t>
+            </a:r>
+          </a:p>
+          <a:p>
+            <a:pPr marL="742950" lvl="1" indent="-285750" algn="l">
+              <a:buFont typeface="Arial" panose="020B0604020202020204" pitchFamily="34" charset="0"/>
+              <a:buChar char="•"/>
+            </a:pPr>
+            <a:r>
+              <a:rPr lang="en-US" b="0" i="0" dirty="0">
+                <a:solidFill>
+                  <a:srgbClr val="374151"/>
+                </a:solidFill>
+                <a:effectLst/>
+                <a:latin typeface="Söhne"/>
+              </a:rPr>
+              <a:t>Licensing costs for enterprise support.</a:t>
+            </a:r>
+          </a:p>
+          <a:p>
+            <a:endParaRPr lang="en-US" dirty="0"/>
+          </a:p>
+        </p:txBody>
+      </p:sp>
+    </p:spTree>
+    <p:extLst>
+      <p:ext uri="{BB962C8B-B14F-4D97-AF65-F5344CB8AC3E}">
+        <p14:creationId xmlns:p14="http://schemas.microsoft.com/office/powerpoint/2010/main" val="4294475875"/>
+      </p:ext>
+    </p:extLst>
+  </p:cSld>
+  <p:clrMapOvr>
+    <a:masterClrMapping/>
+  </p:clrMapOvr>
+</p:sld>
+</file>
+
+<file path=ppt/slides/slide24.xml><?xml version="1.0" encoding="utf-8"?>
+<p:sld xmlns:a="http://schemas.openxmlformats.org/drawingml/2006/main" xmlns:r="http://schemas.openxmlformats.org/officeDocument/2006/relationships" xmlns:p="http://schemas.openxmlformats.org/presentationml/2006/main">
+  <p:cSld>
+    <p:spTree>
+      <p:nvGrpSpPr>
+        <p:cNvPr id="1" name=""/>
+        <p:cNvGrpSpPr/>
+        <p:nvPr/>
+      </p:nvGrpSpPr>
+      <p:grpSpPr>
+        <a:xfrm>
+          <a:off x="0" y="0"/>
+          <a:ext cx="0" cy="0"/>
+          <a:chOff x="0" y="0"/>
+          <a:chExt cx="0" cy="0"/>
+        </a:xfrm>
+      </p:grpSpPr>
+      <p:sp>
+        <p:nvSpPr>
+          <p:cNvPr id="2" name="Title 1">
+            <a:extLst>
+              <a:ext uri="{FF2B5EF4-FFF2-40B4-BE49-F238E27FC236}">
+                <a16:creationId xmlns:a16="http://schemas.microsoft.com/office/drawing/2014/main" id="{E32F2DEE-0727-ABED-3A1E-CC3FC7DECDBE}"/>
+              </a:ext>
+            </a:extLst>
+          </p:cNvPr>
+          <p:cNvSpPr>
+            <a:spLocks noGrp="1"/>
+          </p:cNvSpPr>
+          <p:nvPr>
+            <p:ph type="title"/>
+          </p:nvPr>
+        </p:nvSpPr>
+        <p:spPr/>
+        <p:txBody>
+          <a:bodyPr/>
+          <a:lstStyle/>
+          <a:p>
+            <a:pPr algn="ctr"/>
+            <a:r>
+              <a:rPr lang="en-US" b="1" i="0" dirty="0">
+                <a:effectLst/>
+                <a:latin typeface="Söhne"/>
+              </a:rPr>
+              <a:t>Choosing the Best from</a:t>
+            </a:r>
+            <a:br>
+              <a:rPr lang="en-US" b="1" i="0" dirty="0">
+                <a:effectLst/>
+                <a:latin typeface="Söhne"/>
+              </a:rPr>
+            </a:br>
+            <a:r>
+              <a:rPr lang="en-US" b="1" i="0" dirty="0">
+                <a:effectLst/>
+                <a:latin typeface="Söhne"/>
+              </a:rPr>
+              <a:t>Messaging Queuing Services</a:t>
+            </a:r>
+            <a:endParaRPr lang="en-US" dirty="0"/>
+          </a:p>
+        </p:txBody>
+      </p:sp>
+      <p:sp>
+        <p:nvSpPr>
+          <p:cNvPr id="3" name="Content Placeholder 2">
+            <a:extLst>
+              <a:ext uri="{FF2B5EF4-FFF2-40B4-BE49-F238E27FC236}">
+                <a16:creationId xmlns:a16="http://schemas.microsoft.com/office/drawing/2014/main" id="{E7590583-FA22-71B8-BC83-709C8B99C332}"/>
+              </a:ext>
+            </a:extLst>
+          </p:cNvPr>
+          <p:cNvSpPr>
+            <a:spLocks noGrp="1"/>
+          </p:cNvSpPr>
+          <p:nvPr>
+            <p:ph idx="1"/>
+          </p:nvPr>
+        </p:nvSpPr>
+        <p:spPr/>
+        <p:txBody>
+          <a:bodyPr>
+            <a:normAutofit fontScale="92500"/>
+          </a:bodyPr>
+          <a:lstStyle/>
+          <a:p>
+            <a:pPr algn="l">
+              <a:buFont typeface="Wingdings" panose="05000000000000000000" pitchFamily="2" charset="2"/>
+              <a:buChar char="q"/>
+            </a:pPr>
+            <a:r>
+              <a:rPr lang="en-US" sz="3000" b="1" i="0" dirty="0">
+                <a:effectLst/>
+                <a:latin typeface="Söhne"/>
+              </a:rPr>
+              <a:t>Open Source Recommendation: Apache Kafka</a:t>
+            </a:r>
+          </a:p>
+          <a:p>
+            <a:pPr marL="0" indent="0" algn="l">
+              <a:buNone/>
+            </a:pPr>
+            <a:r>
+              <a:rPr lang="en-US" b="1" i="0" u="sng" dirty="0">
+                <a:effectLst/>
+                <a:latin typeface="Söhne"/>
+              </a:rPr>
+              <a:t>Reasons for Choosing Apache Kafka:</a:t>
+            </a:r>
+          </a:p>
+          <a:p>
+            <a:pPr lvl="1"/>
+            <a:r>
+              <a:rPr lang="en-US" b="1" i="0" dirty="0">
+                <a:solidFill>
+                  <a:srgbClr val="374151"/>
+                </a:solidFill>
+                <a:effectLst/>
+                <a:latin typeface="Söhne"/>
+              </a:rPr>
+              <a:t>Scalability:</a:t>
+            </a:r>
+            <a:r>
+              <a:rPr lang="en-US" b="0" i="0" dirty="0">
+                <a:solidFill>
+                  <a:srgbClr val="374151"/>
+                </a:solidFill>
+                <a:effectLst/>
+                <a:latin typeface="Söhne"/>
+              </a:rPr>
+              <a:t> Designed for horizontal scalability, ideal for large-scale data streams and high-throughput scenarios.</a:t>
+            </a:r>
+          </a:p>
+          <a:p>
+            <a:pPr lvl="1"/>
+            <a:r>
+              <a:rPr lang="en-US" b="1" i="0" dirty="0">
+                <a:solidFill>
+                  <a:srgbClr val="374151"/>
+                </a:solidFill>
+                <a:effectLst/>
+                <a:latin typeface="Söhne"/>
+              </a:rPr>
+              <a:t>Durability:</a:t>
+            </a:r>
+            <a:r>
+              <a:rPr lang="en-US" b="0" i="0" dirty="0">
+                <a:solidFill>
+                  <a:srgbClr val="374151"/>
+                </a:solidFill>
+                <a:effectLst/>
+                <a:latin typeface="Söhne"/>
+              </a:rPr>
+              <a:t> Provides persistent storage of messages and ensures fault tolerance through data replication.</a:t>
+            </a:r>
+          </a:p>
+          <a:p>
+            <a:pPr lvl="1"/>
+            <a:r>
+              <a:rPr lang="en-US" b="1" i="0" dirty="0">
+                <a:solidFill>
+                  <a:srgbClr val="374151"/>
+                </a:solidFill>
+                <a:effectLst/>
+                <a:latin typeface="Söhne"/>
+              </a:rPr>
+              <a:t>Real-time Processing:</a:t>
+            </a:r>
+            <a:r>
+              <a:rPr lang="en-US" b="0" i="0" dirty="0">
+                <a:solidFill>
+                  <a:srgbClr val="374151"/>
+                </a:solidFill>
+                <a:effectLst/>
+                <a:latin typeface="Söhne"/>
+              </a:rPr>
+              <a:t> Supports real-time data streaming and processing, perfect for low-latency, high-performance applications.</a:t>
+            </a:r>
+          </a:p>
+          <a:p>
+            <a:pPr lvl="1"/>
+            <a:r>
+              <a:rPr lang="en-US" b="1" i="0" dirty="0">
+                <a:solidFill>
+                  <a:srgbClr val="374151"/>
+                </a:solidFill>
+                <a:effectLst/>
+                <a:latin typeface="Söhne"/>
+              </a:rPr>
+              <a:t>Ecosystem:</a:t>
+            </a:r>
+            <a:r>
+              <a:rPr lang="en-US" b="0" i="0" dirty="0">
+                <a:solidFill>
+                  <a:srgbClr val="374151"/>
+                </a:solidFill>
+                <a:effectLst/>
+                <a:latin typeface="Söhne"/>
+              </a:rPr>
+              <a:t> Rich ecosystem with connectors, stream processing frameworks (e.g., Apache </a:t>
+            </a:r>
+            <a:r>
+              <a:rPr lang="en-US" b="0" i="0" dirty="0" err="1">
+                <a:solidFill>
+                  <a:srgbClr val="374151"/>
+                </a:solidFill>
+                <a:effectLst/>
+                <a:latin typeface="Söhne"/>
+              </a:rPr>
+              <a:t>Flink</a:t>
+            </a:r>
+            <a:r>
+              <a:rPr lang="en-US" b="0" i="0" dirty="0">
+                <a:solidFill>
+                  <a:srgbClr val="374151"/>
+                </a:solidFill>
+                <a:effectLst/>
+                <a:latin typeface="Söhne"/>
+              </a:rPr>
+              <a:t>, Apache Spark), and strong community support.</a:t>
+            </a:r>
+          </a:p>
+          <a:p>
+            <a:pPr lvl="1"/>
+            <a:r>
+              <a:rPr lang="en-US" b="1" i="0" dirty="0">
+                <a:solidFill>
+                  <a:srgbClr val="374151"/>
+                </a:solidFill>
+                <a:effectLst/>
+                <a:latin typeface="Söhne"/>
+              </a:rPr>
+              <a:t>Community Support:</a:t>
+            </a:r>
+            <a:r>
+              <a:rPr lang="en-US" b="0" i="0" dirty="0">
+                <a:solidFill>
+                  <a:srgbClr val="374151"/>
+                </a:solidFill>
+                <a:effectLst/>
+                <a:latin typeface="Söhne"/>
+              </a:rPr>
+              <a:t> As an Apache project, Kafka boasts a large and active community, resulting in extensive documentation and continuous improvement.</a:t>
+            </a:r>
+          </a:p>
+        </p:txBody>
+      </p:sp>
+    </p:spTree>
+    <p:extLst>
+      <p:ext uri="{BB962C8B-B14F-4D97-AF65-F5344CB8AC3E}">
+        <p14:creationId xmlns:p14="http://schemas.microsoft.com/office/powerpoint/2010/main" val="3543077819"/>
+      </p:ext>
+    </p:extLst>
+  </p:cSld>
+  <p:clrMapOvr>
+    <a:masterClrMapping/>
+  </p:clrMapOvr>
+</p:sld>
+</file>
+
+<file path=ppt/slides/slide25.xml><?xml version="1.0" encoding="utf-8"?>
+<p:sld xmlns:a="http://schemas.openxmlformats.org/drawingml/2006/main" xmlns:r="http://schemas.openxmlformats.org/officeDocument/2006/relationships" xmlns:p="http://schemas.openxmlformats.org/presentationml/2006/main">
+  <p:cSld>
+    <p:spTree>
+      <p:nvGrpSpPr>
+        <p:cNvPr id="1" name=""/>
+        <p:cNvGrpSpPr/>
+        <p:nvPr/>
+      </p:nvGrpSpPr>
+      <p:grpSpPr>
+        <a:xfrm>
+          <a:off x="0" y="0"/>
+          <a:ext cx="0" cy="0"/>
+          <a:chOff x="0" y="0"/>
+          <a:chExt cx="0" cy="0"/>
+        </a:xfrm>
+      </p:grpSpPr>
+      <p:sp>
+        <p:nvSpPr>
+          <p:cNvPr id="2" name="Title 1">
+            <a:extLst>
+              <a:ext uri="{FF2B5EF4-FFF2-40B4-BE49-F238E27FC236}">
+                <a16:creationId xmlns:a16="http://schemas.microsoft.com/office/drawing/2014/main" id="{E32F2DEE-0727-ABED-3A1E-CC3FC7DECDBE}"/>
+              </a:ext>
+            </a:extLst>
+          </p:cNvPr>
+          <p:cNvSpPr>
+            <a:spLocks noGrp="1"/>
+          </p:cNvSpPr>
+          <p:nvPr>
+            <p:ph type="title"/>
+          </p:nvPr>
+        </p:nvSpPr>
+        <p:spPr/>
+        <p:txBody>
+          <a:bodyPr/>
+          <a:lstStyle/>
+          <a:p>
+            <a:pPr algn="ctr"/>
+            <a:r>
+              <a:rPr lang="en-US" b="1" i="0" dirty="0">
+                <a:effectLst/>
+                <a:latin typeface="Söhne"/>
+              </a:rPr>
+              <a:t>Choosing the Best from</a:t>
+            </a:r>
+            <a:br>
+              <a:rPr lang="en-US" b="1" i="0" dirty="0">
+                <a:effectLst/>
+                <a:latin typeface="Söhne"/>
+              </a:rPr>
+            </a:br>
+            <a:r>
+              <a:rPr lang="en-US" b="1" i="0" dirty="0">
+                <a:effectLst/>
+                <a:latin typeface="Söhne"/>
+              </a:rPr>
+              <a:t>Messaging Queuing Services</a:t>
+            </a:r>
+            <a:endParaRPr lang="en-US" dirty="0"/>
+          </a:p>
+        </p:txBody>
+      </p:sp>
+      <p:sp>
+        <p:nvSpPr>
+          <p:cNvPr id="3" name="Content Placeholder 2">
+            <a:extLst>
+              <a:ext uri="{FF2B5EF4-FFF2-40B4-BE49-F238E27FC236}">
+                <a16:creationId xmlns:a16="http://schemas.microsoft.com/office/drawing/2014/main" id="{E7590583-FA22-71B8-BC83-709C8B99C332}"/>
+              </a:ext>
+            </a:extLst>
+          </p:cNvPr>
+          <p:cNvSpPr>
+            <a:spLocks noGrp="1"/>
+          </p:cNvSpPr>
+          <p:nvPr>
+            <p:ph idx="1"/>
+          </p:nvPr>
+        </p:nvSpPr>
+        <p:spPr/>
+        <p:txBody>
+          <a:bodyPr>
+            <a:normAutofit lnSpcReduction="10000"/>
+          </a:bodyPr>
+          <a:lstStyle/>
+          <a:p>
+            <a:pPr algn="l">
+              <a:buFont typeface="Wingdings" panose="05000000000000000000" pitchFamily="2" charset="2"/>
+              <a:buChar char="q"/>
+            </a:pPr>
+            <a:r>
+              <a:rPr lang="en-US" b="1" i="0" dirty="0">
+                <a:effectLst/>
+                <a:latin typeface="Söhne"/>
+              </a:rPr>
+              <a:t>Paid Service Recommendation: Amazon Simple Queue Service (SQS)</a:t>
+            </a:r>
+          </a:p>
+          <a:p>
+            <a:pPr marL="0" indent="0" algn="l">
+              <a:buNone/>
+            </a:pPr>
+            <a:r>
+              <a:rPr lang="en-US" sz="2400" b="1" i="0" u="sng" dirty="0">
+                <a:effectLst/>
+                <a:latin typeface="Söhne"/>
+              </a:rPr>
+              <a:t>Reasons for Choosing Amazon SQS:</a:t>
+            </a:r>
+          </a:p>
+          <a:p>
+            <a:pPr lvl="1"/>
+            <a:r>
+              <a:rPr lang="en-US" sz="2000" b="1" i="0" dirty="0">
+                <a:solidFill>
+                  <a:srgbClr val="374151"/>
+                </a:solidFill>
+                <a:effectLst/>
+                <a:latin typeface="Söhne"/>
+              </a:rPr>
+              <a:t>Managed Service:</a:t>
+            </a:r>
+            <a:r>
+              <a:rPr lang="en-US" sz="2000" b="0" i="0" dirty="0">
+                <a:solidFill>
+                  <a:srgbClr val="374151"/>
+                </a:solidFill>
+                <a:effectLst/>
+                <a:latin typeface="Söhne"/>
+              </a:rPr>
+              <a:t> Fully managed by AWS, reducing operational overhead and ensuring high availability and reliability.</a:t>
+            </a:r>
+          </a:p>
+          <a:p>
+            <a:pPr lvl="1"/>
+            <a:r>
+              <a:rPr lang="en-US" sz="2000" b="1" i="0" dirty="0">
+                <a:solidFill>
+                  <a:srgbClr val="374151"/>
+                </a:solidFill>
+                <a:effectLst/>
+                <a:latin typeface="Söhne"/>
+              </a:rPr>
+              <a:t>Integration:</a:t>
+            </a:r>
+            <a:r>
+              <a:rPr lang="en-US" sz="2000" b="0" i="0" dirty="0">
+                <a:solidFill>
+                  <a:srgbClr val="374151"/>
+                </a:solidFill>
+                <a:effectLst/>
+                <a:latin typeface="Söhne"/>
+              </a:rPr>
+              <a:t> Seamlessly integrates with other AWS services, making it suitable for scalable and flexible cloud-based applications.</a:t>
+            </a:r>
+          </a:p>
+          <a:p>
+            <a:pPr lvl="1"/>
+            <a:r>
+              <a:rPr lang="en-US" sz="2000" b="1" i="0" dirty="0">
+                <a:solidFill>
+                  <a:srgbClr val="374151"/>
+                </a:solidFill>
+                <a:effectLst/>
+                <a:latin typeface="Söhne"/>
+              </a:rPr>
+              <a:t>Scalability:</a:t>
+            </a:r>
+            <a:r>
+              <a:rPr lang="en-US" sz="2000" b="0" i="0" dirty="0">
+                <a:solidFill>
+                  <a:srgbClr val="374151"/>
+                </a:solidFill>
+                <a:effectLst/>
+                <a:latin typeface="Söhne"/>
+              </a:rPr>
+              <a:t> Designed to handle high workloads, scales automatically to accommodate varying message volumes.</a:t>
+            </a:r>
+          </a:p>
+          <a:p>
+            <a:pPr lvl="1"/>
+            <a:r>
+              <a:rPr lang="en-US" sz="2000" b="1" i="0" dirty="0">
+                <a:solidFill>
+                  <a:srgbClr val="374151"/>
+                </a:solidFill>
+                <a:effectLst/>
+                <a:latin typeface="Söhne"/>
+              </a:rPr>
+              <a:t>Security:</a:t>
+            </a:r>
+            <a:r>
+              <a:rPr lang="en-US" sz="2000" b="0" i="0" dirty="0">
+                <a:solidFill>
+                  <a:srgbClr val="374151"/>
+                </a:solidFill>
+                <a:effectLst/>
+                <a:latin typeface="Söhne"/>
+              </a:rPr>
+              <a:t> Integrated with AWS Identity and Access Management (IAM), providing robust security features for access control and authentication.</a:t>
+            </a:r>
+          </a:p>
+          <a:p>
+            <a:pPr lvl="1"/>
+            <a:r>
+              <a:rPr lang="en-US" sz="2000" b="1" i="0" dirty="0">
+                <a:solidFill>
+                  <a:srgbClr val="374151"/>
+                </a:solidFill>
+                <a:effectLst/>
+                <a:latin typeface="Söhne"/>
+              </a:rPr>
+              <a:t>Pay-as-You-Go Model:</a:t>
+            </a:r>
+            <a:r>
+              <a:rPr lang="en-US" sz="2000" b="0" i="0" dirty="0">
+                <a:solidFill>
+                  <a:srgbClr val="374151"/>
+                </a:solidFill>
+                <a:effectLst/>
+                <a:latin typeface="Söhne"/>
+              </a:rPr>
+              <a:t> With a pay-as-you-go pricing model, you only pay for what you use, making it cost-effective for varying workloads.</a:t>
+            </a:r>
+          </a:p>
+        </p:txBody>
+      </p:sp>
+    </p:spTree>
+    <p:extLst>
+      <p:ext uri="{BB962C8B-B14F-4D97-AF65-F5344CB8AC3E}">
+        <p14:creationId xmlns:p14="http://schemas.microsoft.com/office/powerpoint/2010/main" val="615862058"/>
+      </p:ext>
+    </p:extLst>
+  </p:cSld>
+  <p:clrMapOvr>
+    <a:masterClrMapping/>
+  </p:clrMapOvr>
+</p:sld>
+</file>
+
+<file path=ppt/slides/slide26.xml><?xml version="1.0" encoding="utf-8"?>
+<p:sld xmlns:a="http://schemas.openxmlformats.org/drawingml/2006/main" xmlns:r="http://schemas.openxmlformats.org/officeDocument/2006/relationships" xmlns:p="http://schemas.openxmlformats.org/presentationml/2006/main">
+  <p:cSld>
+    <p:spTree>
+      <p:nvGrpSpPr>
+        <p:cNvPr id="1" name=""/>
+        <p:cNvGrpSpPr/>
+        <p:nvPr/>
+      </p:nvGrpSpPr>
+      <p:grpSpPr>
+        <a:xfrm>
+          <a:off x="0" y="0"/>
+          <a:ext cx="0" cy="0"/>
+          <a:chOff x="0" y="0"/>
+          <a:chExt cx="0" cy="0"/>
+        </a:xfrm>
+      </p:grpSpPr>
+      <p:sp>
+        <p:nvSpPr>
+          <p:cNvPr id="2" name="Title 1">
+            <a:extLst>
+              <a:ext uri="{FF2B5EF4-FFF2-40B4-BE49-F238E27FC236}">
+                <a16:creationId xmlns:a16="http://schemas.microsoft.com/office/drawing/2014/main" id="{E32F2DEE-0727-ABED-3A1E-CC3FC7DECDBE}"/>
+              </a:ext>
+            </a:extLst>
+          </p:cNvPr>
+          <p:cNvSpPr>
+            <a:spLocks noGrp="1"/>
+          </p:cNvSpPr>
+          <p:nvPr>
+            <p:ph type="title"/>
+          </p:nvPr>
+        </p:nvSpPr>
+        <p:spPr/>
+        <p:txBody>
+          <a:bodyPr/>
+          <a:lstStyle/>
+          <a:p>
+            <a:pPr algn="ctr"/>
+            <a:r>
+              <a:rPr lang="en-US" b="1" i="0" dirty="0">
+                <a:effectLst/>
+                <a:latin typeface="Söhne"/>
+              </a:rPr>
+              <a:t>Choosing the Best from</a:t>
+            </a:r>
+            <a:br>
+              <a:rPr lang="en-US" b="1" i="0" dirty="0">
+                <a:effectLst/>
+                <a:latin typeface="Söhne"/>
+              </a:rPr>
+            </a:br>
+            <a:r>
+              <a:rPr lang="en-US" b="1" i="0" dirty="0">
+                <a:effectLst/>
+                <a:latin typeface="Söhne"/>
+              </a:rPr>
+              <a:t>Messaging Queuing Services</a:t>
+            </a:r>
+            <a:endParaRPr lang="en-US" dirty="0"/>
+          </a:p>
+        </p:txBody>
+      </p:sp>
+      <p:sp>
+        <p:nvSpPr>
+          <p:cNvPr id="3" name="Content Placeholder 2">
+            <a:extLst>
+              <a:ext uri="{FF2B5EF4-FFF2-40B4-BE49-F238E27FC236}">
+                <a16:creationId xmlns:a16="http://schemas.microsoft.com/office/drawing/2014/main" id="{E7590583-FA22-71B8-BC83-709C8B99C332}"/>
+              </a:ext>
+            </a:extLst>
+          </p:cNvPr>
+          <p:cNvSpPr>
+            <a:spLocks noGrp="1"/>
+          </p:cNvSpPr>
+          <p:nvPr>
+            <p:ph idx="1"/>
+          </p:nvPr>
+        </p:nvSpPr>
+        <p:spPr/>
+        <p:txBody>
+          <a:bodyPr>
+            <a:normAutofit/>
+          </a:bodyPr>
+          <a:lstStyle/>
+          <a:p>
+            <a:pPr algn="l">
+              <a:buFont typeface="Wingdings" panose="05000000000000000000" pitchFamily="2" charset="2"/>
+              <a:buChar char="q"/>
+            </a:pPr>
+            <a:r>
+              <a:rPr lang="en-US" b="1" i="0" dirty="0">
+                <a:solidFill>
+                  <a:srgbClr val="374151"/>
+                </a:solidFill>
+                <a:effectLst/>
+                <a:latin typeface="Söhne"/>
+              </a:rPr>
+              <a:t>Considerations:</a:t>
+            </a:r>
+          </a:p>
+          <a:p>
+            <a:pPr algn="l">
+              <a:buFont typeface="Wingdings" panose="05000000000000000000" pitchFamily="2" charset="2"/>
+              <a:buChar char="§"/>
+            </a:pPr>
+            <a:r>
+              <a:rPr lang="en-US" sz="2000" b="0" i="0" dirty="0">
+                <a:solidFill>
+                  <a:srgbClr val="374151"/>
+                </a:solidFill>
+                <a:effectLst/>
+                <a:latin typeface="Söhne"/>
+              </a:rPr>
+              <a:t>If the project is already within the AWS ecosystem and a managed service is needed with seamless integration, Amazon SQS is a strong choice.</a:t>
+            </a:r>
+          </a:p>
+          <a:p>
+            <a:pPr algn="l">
+              <a:buFont typeface="Wingdings" panose="05000000000000000000" pitchFamily="2" charset="2"/>
+              <a:buChar char="§"/>
+            </a:pPr>
+            <a:r>
+              <a:rPr lang="en-US" sz="2000" b="0" i="0" dirty="0">
+                <a:solidFill>
+                  <a:srgbClr val="374151"/>
+                </a:solidFill>
+                <a:effectLst/>
+                <a:latin typeface="Söhne"/>
+              </a:rPr>
+              <a:t>If scalability, durability, and real-time processing is the priority, and one is willing to manage the infrastructure, Apache Kafka may be the better fit.</a:t>
+            </a:r>
+          </a:p>
+          <a:p>
+            <a:pPr marL="0" indent="0" algn="l">
+              <a:buNone/>
+            </a:pPr>
+            <a:endParaRPr lang="en-US" sz="2000" b="0" i="0" dirty="0">
+              <a:solidFill>
+                <a:srgbClr val="374151"/>
+              </a:solidFill>
+              <a:effectLst/>
+              <a:latin typeface="Söhne"/>
+            </a:endParaRPr>
+          </a:p>
+          <a:p>
+            <a:pPr marL="0" indent="0" algn="l">
+              <a:buNone/>
+            </a:pPr>
+            <a:r>
+              <a:rPr lang="en-US" sz="2000" b="0" i="0" dirty="0">
+                <a:solidFill>
+                  <a:srgbClr val="374151"/>
+                </a:solidFill>
+                <a:effectLst/>
+                <a:latin typeface="Söhne"/>
+              </a:rPr>
+              <a:t>Ultimately, the choice depends on the specific project requirements, existing infrastructure, and preferences regarding managed services vs. self-hosted solutions.</a:t>
+            </a:r>
+          </a:p>
+        </p:txBody>
+      </p:sp>
+    </p:spTree>
+    <p:extLst>
+      <p:ext uri="{BB962C8B-B14F-4D97-AF65-F5344CB8AC3E}">
+        <p14:creationId xmlns:p14="http://schemas.microsoft.com/office/powerpoint/2010/main" val="1417739027"/>
       </p:ext>
     </p:extLst>
   </p:cSld>
@@ -3776,51 +8394,330 @@
         </p:nvSpPr>
         <p:spPr/>
         <p:txBody>
-          <a:bodyPr/>
+          <a:bodyPr>
+            <a:normAutofit fontScale="62500" lnSpcReduction="20000"/>
+          </a:bodyPr>
           <a:lstStyle/>
           <a:p>
-            <a:r>
-              <a:rPr lang="en-US" dirty="0"/>
-              <a:t>Designed as a distributed system that can scale horizontally across multiple servers</a:t>
-            </a:r>
-          </a:p>
-          <a:p>
-            <a:r>
-              <a:rPr lang="en-US" dirty="0"/>
-              <a:t>Multiple produces and consumers</a:t>
-            </a:r>
-          </a:p>
-          <a:p>
-            <a:r>
-              <a:rPr lang="en-US" dirty="0"/>
-              <a:t>Follows pub-sub messaging model</a:t>
-            </a:r>
-          </a:p>
-          <a:p>
-            <a:r>
-              <a:rPr lang="en-US" dirty="0"/>
-              <a:t>High throughput and low latency (suitable for large volumes data)</a:t>
-            </a:r>
-          </a:p>
-          <a:p>
-            <a:r>
-              <a:rPr lang="en-US" dirty="0"/>
-              <a:t>Topics are divided into partitions  </a:t>
-            </a:r>
-          </a:p>
-          <a:p>
-            <a:r>
-              <a:rPr lang="en-US" dirty="0"/>
-              <a:t>Messages are persisted on disk, thus provide durability</a:t>
-            </a:r>
-          </a:p>
-          <a:p>
-            <a:r>
-              <a:rPr lang="en-US" dirty="0"/>
-              <a:t>Supports data replication across multiple broker nodes</a:t>
-            </a:r>
-          </a:p>
-          <a:p>
+            <a:pPr marL="0" indent="0" algn="l">
+              <a:buNone/>
+            </a:pPr>
+            <a:r>
+              <a:rPr lang="en-US" sz="3200" b="1" u="sng" dirty="0">
+                <a:solidFill>
+                  <a:srgbClr val="374151"/>
+                </a:solidFill>
+                <a:latin typeface="Söhne"/>
+              </a:rPr>
+              <a:t>Features:</a:t>
+            </a:r>
+            <a:endParaRPr lang="en-US" sz="3200" b="1" i="0" u="sng" dirty="0">
+              <a:solidFill>
+                <a:srgbClr val="374151"/>
+              </a:solidFill>
+              <a:effectLst/>
+              <a:latin typeface="Söhne"/>
+            </a:endParaRPr>
+          </a:p>
+          <a:p>
+            <a:pPr algn="l">
+              <a:buFont typeface="Arial" panose="020B0604020202020204" pitchFamily="34" charset="0"/>
+              <a:buChar char="•"/>
+            </a:pPr>
+            <a:r>
+              <a:rPr lang="en-US" b="1" i="0" dirty="0">
+                <a:solidFill>
+                  <a:srgbClr val="374151"/>
+                </a:solidFill>
+                <a:effectLst/>
+                <a:latin typeface="Söhne"/>
+              </a:rPr>
+              <a:t>Scalability:</a:t>
+            </a:r>
+            <a:endParaRPr lang="en-US" b="0" i="0" dirty="0">
+              <a:solidFill>
+                <a:srgbClr val="374151"/>
+              </a:solidFill>
+              <a:effectLst/>
+              <a:latin typeface="Söhne"/>
+            </a:endParaRPr>
+          </a:p>
+          <a:p>
+            <a:pPr marL="742950" lvl="1" indent="-285750" algn="l">
+              <a:buFont typeface="Arial" panose="020B0604020202020204" pitchFamily="34" charset="0"/>
+              <a:buChar char="•"/>
+            </a:pPr>
+            <a:r>
+              <a:rPr lang="en-US" b="0" i="0" dirty="0">
+                <a:solidFill>
+                  <a:srgbClr val="374151"/>
+                </a:solidFill>
+                <a:effectLst/>
+                <a:latin typeface="Söhne"/>
+              </a:rPr>
+              <a:t>Horizontally scalable, well-suited for large-scale data streams.</a:t>
+            </a:r>
+          </a:p>
+          <a:p>
+            <a:pPr marL="742950" lvl="1" indent="-285750" algn="l">
+              <a:buFont typeface="Arial" panose="020B0604020202020204" pitchFamily="34" charset="0"/>
+              <a:buChar char="•"/>
+            </a:pPr>
+            <a:r>
+              <a:rPr lang="en-US" b="0" i="0" dirty="0">
+                <a:solidFill>
+                  <a:srgbClr val="374151"/>
+                </a:solidFill>
+                <a:effectLst/>
+                <a:latin typeface="Söhne"/>
+              </a:rPr>
+              <a:t>Utilizes a distributed architecture for load balancing and fault tolerance.</a:t>
+            </a:r>
+          </a:p>
+          <a:p>
+            <a:pPr algn="l">
+              <a:buFont typeface="Arial" panose="020B0604020202020204" pitchFamily="34" charset="0"/>
+              <a:buChar char="•"/>
+            </a:pPr>
+            <a:r>
+              <a:rPr lang="en-US" b="1" i="0" dirty="0">
+                <a:solidFill>
+                  <a:srgbClr val="374151"/>
+                </a:solidFill>
+                <a:effectLst/>
+                <a:latin typeface="Söhne"/>
+              </a:rPr>
+              <a:t>Durability:</a:t>
+            </a:r>
+            <a:endParaRPr lang="en-US" b="0" i="0" dirty="0">
+              <a:solidFill>
+                <a:srgbClr val="374151"/>
+              </a:solidFill>
+              <a:effectLst/>
+              <a:latin typeface="Söhne"/>
+            </a:endParaRPr>
+          </a:p>
+          <a:p>
+            <a:pPr marL="742950" lvl="1" indent="-285750" algn="l">
+              <a:buFont typeface="Arial" panose="020B0604020202020204" pitchFamily="34" charset="0"/>
+              <a:buChar char="•"/>
+            </a:pPr>
+            <a:r>
+              <a:rPr lang="en-US" b="0" i="0" dirty="0">
+                <a:solidFill>
+                  <a:srgbClr val="374151"/>
+                </a:solidFill>
+                <a:effectLst/>
+                <a:latin typeface="Söhne"/>
+              </a:rPr>
+              <a:t>Provides persistent storage of messages.</a:t>
+            </a:r>
+          </a:p>
+          <a:p>
+            <a:pPr marL="742950" lvl="1" indent="-285750" algn="l">
+              <a:buFont typeface="Arial" panose="020B0604020202020204" pitchFamily="34" charset="0"/>
+              <a:buChar char="•"/>
+            </a:pPr>
+            <a:r>
+              <a:rPr lang="en-US" b="0" i="0" dirty="0">
+                <a:solidFill>
+                  <a:srgbClr val="374151"/>
+                </a:solidFill>
+                <a:effectLst/>
+                <a:latin typeface="Söhne"/>
+              </a:rPr>
+              <a:t>Ensures fault tolerance through data replication across multiple nodes.</a:t>
+            </a:r>
+          </a:p>
+          <a:p>
+            <a:pPr algn="l">
+              <a:buFont typeface="Arial" panose="020B0604020202020204" pitchFamily="34" charset="0"/>
+              <a:buChar char="•"/>
+            </a:pPr>
+            <a:r>
+              <a:rPr lang="en-US" b="1" i="0" dirty="0">
+                <a:solidFill>
+                  <a:srgbClr val="374151"/>
+                </a:solidFill>
+                <a:effectLst/>
+                <a:latin typeface="Söhne"/>
+              </a:rPr>
+              <a:t>Real-time Processing:</a:t>
+            </a:r>
+            <a:endParaRPr lang="en-US" b="0" i="0" dirty="0">
+              <a:solidFill>
+                <a:srgbClr val="374151"/>
+              </a:solidFill>
+              <a:effectLst/>
+              <a:latin typeface="Söhne"/>
+            </a:endParaRPr>
+          </a:p>
+          <a:p>
+            <a:pPr marL="742950" lvl="1" indent="-285750" algn="l">
+              <a:buFont typeface="Arial" panose="020B0604020202020204" pitchFamily="34" charset="0"/>
+              <a:buChar char="•"/>
+            </a:pPr>
+            <a:r>
+              <a:rPr lang="en-US" b="0" i="0" dirty="0">
+                <a:solidFill>
+                  <a:srgbClr val="374151"/>
+                </a:solidFill>
+                <a:effectLst/>
+                <a:latin typeface="Söhne"/>
+              </a:rPr>
+              <a:t>Supports real-time data streaming and processing.</a:t>
+            </a:r>
+          </a:p>
+          <a:p>
+            <a:pPr marL="742950" lvl="1" indent="-285750" algn="l">
+              <a:buFont typeface="Arial" panose="020B0604020202020204" pitchFamily="34" charset="0"/>
+              <a:buChar char="•"/>
+            </a:pPr>
+            <a:r>
+              <a:rPr lang="en-US" b="0" i="0" dirty="0">
+                <a:solidFill>
+                  <a:srgbClr val="374151"/>
+                </a:solidFill>
+                <a:effectLst/>
+                <a:latin typeface="Söhne"/>
+              </a:rPr>
+              <a:t>Ideal for low-latency, high-performance applications.</a:t>
+            </a:r>
+          </a:p>
+          <a:p>
+            <a:pPr algn="l">
+              <a:buFont typeface="Arial" panose="020B0604020202020204" pitchFamily="34" charset="0"/>
+              <a:buChar char="•"/>
+            </a:pPr>
+            <a:r>
+              <a:rPr lang="en-US" b="1" i="0" dirty="0">
+                <a:solidFill>
+                  <a:srgbClr val="374151"/>
+                </a:solidFill>
+                <a:effectLst/>
+                <a:latin typeface="Söhne"/>
+              </a:rPr>
+              <a:t>Ecosystem:</a:t>
+            </a:r>
+            <a:endParaRPr lang="en-US" b="0" i="0" dirty="0">
+              <a:solidFill>
+                <a:srgbClr val="374151"/>
+              </a:solidFill>
+              <a:effectLst/>
+              <a:latin typeface="Söhne"/>
+            </a:endParaRPr>
+          </a:p>
+          <a:p>
+            <a:pPr marL="742950" lvl="1" indent="-285750" algn="l">
+              <a:buFont typeface="Arial" panose="020B0604020202020204" pitchFamily="34" charset="0"/>
+              <a:buChar char="•"/>
+            </a:pPr>
+            <a:r>
+              <a:rPr lang="en-US" b="0" i="0" dirty="0">
+                <a:solidFill>
+                  <a:srgbClr val="374151"/>
+                </a:solidFill>
+                <a:effectLst/>
+                <a:latin typeface="Söhne"/>
+              </a:rPr>
+              <a:t>Rich ecosystem with connectors for integrating with various systems.</a:t>
+            </a:r>
+          </a:p>
+          <a:p>
+            <a:pPr marL="742950" lvl="1" indent="-285750" algn="l">
+              <a:buFont typeface="Arial" panose="020B0604020202020204" pitchFamily="34" charset="0"/>
+              <a:buChar char="•"/>
+            </a:pPr>
+            <a:r>
+              <a:rPr lang="en-US" b="0" i="0" dirty="0">
+                <a:solidFill>
+                  <a:srgbClr val="374151"/>
+                </a:solidFill>
+                <a:effectLst/>
+                <a:latin typeface="Söhne"/>
+              </a:rPr>
+              <a:t>Compatible with stream processing frameworks such as Apache </a:t>
+            </a:r>
+            <a:r>
+              <a:rPr lang="en-US" b="0" i="0" dirty="0" err="1">
+                <a:solidFill>
+                  <a:srgbClr val="374151"/>
+                </a:solidFill>
+                <a:effectLst/>
+                <a:latin typeface="Söhne"/>
+              </a:rPr>
+              <a:t>Flink</a:t>
+            </a:r>
+            <a:r>
+              <a:rPr lang="en-US" b="0" i="0" dirty="0">
+                <a:solidFill>
+                  <a:srgbClr val="374151"/>
+                </a:solidFill>
+                <a:effectLst/>
+                <a:latin typeface="Söhne"/>
+              </a:rPr>
+              <a:t> and Apache Spark.</a:t>
+            </a:r>
+          </a:p>
+          <a:p>
+            <a:pPr algn="l">
+              <a:buFont typeface="Arial" panose="020B0604020202020204" pitchFamily="34" charset="0"/>
+              <a:buChar char="•"/>
+            </a:pPr>
+            <a:r>
+              <a:rPr lang="en-US" b="1" i="0" dirty="0">
+                <a:solidFill>
+                  <a:srgbClr val="374151"/>
+                </a:solidFill>
+                <a:effectLst/>
+                <a:latin typeface="Söhne"/>
+              </a:rPr>
+              <a:t>Community Support:</a:t>
+            </a:r>
+            <a:endParaRPr lang="en-US" b="0" i="0" dirty="0">
+              <a:solidFill>
+                <a:srgbClr val="374151"/>
+              </a:solidFill>
+              <a:effectLst/>
+              <a:latin typeface="Söhne"/>
+            </a:endParaRPr>
+          </a:p>
+          <a:p>
+            <a:pPr marL="742950" lvl="1" indent="-285750" algn="l">
+              <a:buFont typeface="Arial" panose="020B0604020202020204" pitchFamily="34" charset="0"/>
+              <a:buChar char="•"/>
+            </a:pPr>
+            <a:r>
+              <a:rPr lang="en-US" b="0" i="0" dirty="0">
+                <a:solidFill>
+                  <a:srgbClr val="374151"/>
+                </a:solidFill>
+                <a:effectLst/>
+                <a:latin typeface="Söhne"/>
+              </a:rPr>
+              <a:t>Large and active Apache community.</a:t>
+            </a:r>
+          </a:p>
+          <a:p>
+            <a:pPr marL="742950" lvl="1" indent="-285750" algn="l">
+              <a:buFont typeface="Arial" panose="020B0604020202020204" pitchFamily="34" charset="0"/>
+              <a:buChar char="•"/>
+            </a:pPr>
+            <a:r>
+              <a:rPr lang="en-US" b="0" i="0" dirty="0">
+                <a:solidFill>
+                  <a:srgbClr val="374151"/>
+                </a:solidFill>
+                <a:effectLst/>
+                <a:latin typeface="Söhne"/>
+              </a:rPr>
+              <a:t>Extensive documentation and continuous improvement.</a:t>
+            </a:r>
+          </a:p>
+          <a:p>
+            <a:pPr marL="0" indent="0">
+              <a:buNone/>
+            </a:pPr>
             <a:endParaRPr lang="en-US" dirty="0"/>
           </a:p>
         </p:txBody>
@@ -3871,106 +8768,188 @@
             <p:ph type="title"/>
           </p:nvPr>
         </p:nvSpPr>
-        <p:spPr>
-          <a:xfrm>
-            <a:off x="838200" y="365125"/>
-            <a:ext cx="10515600" cy="896747"/>
-          </a:xfrm>
-        </p:spPr>
+        <p:spPr/>
+        <p:txBody>
+          <a:bodyPr/>
+          <a:lstStyle/>
+          <a:p>
+            <a:pPr algn="ctr"/>
+            <a:r>
+              <a:rPr lang="en-US" b="1" i="0" dirty="0">
+                <a:effectLst/>
+                <a:latin typeface="-apple-system"/>
+              </a:rPr>
+              <a:t>Apache Kafka</a:t>
+            </a:r>
+            <a:br>
+              <a:rPr lang="en-US" b="1" i="0" dirty="0">
+                <a:effectLst/>
+                <a:latin typeface="-apple-system"/>
+              </a:rPr>
+            </a:br>
+            <a:endParaRPr lang="en-US" dirty="0"/>
+          </a:p>
+        </p:txBody>
+      </p:sp>
+      <p:sp>
+        <p:nvSpPr>
+          <p:cNvPr id="3" name="Content Placeholder 2">
+            <a:extLst>
+              <a:ext uri="{FF2B5EF4-FFF2-40B4-BE49-F238E27FC236}">
+                <a16:creationId xmlns:a16="http://schemas.microsoft.com/office/drawing/2014/main" id="{1F0FE871-49C9-98C4-B312-44FDA8548534}"/>
+              </a:ext>
+            </a:extLst>
+          </p:cNvPr>
+          <p:cNvSpPr>
+            <a:spLocks noGrp="1"/>
+          </p:cNvSpPr>
+          <p:nvPr>
+            <p:ph idx="1"/>
+          </p:nvPr>
+        </p:nvSpPr>
+        <p:spPr/>
         <p:txBody>
           <a:bodyPr>
-            <a:normAutofit fontScale="90000"/>
+            <a:normAutofit/>
           </a:bodyPr>
           <a:lstStyle/>
           <a:p>
-            <a:pPr algn="ctr"/>
-            <a:r>
-              <a:rPr lang="en-US" b="1" i="0" dirty="0">
-                <a:effectLst/>
-                <a:latin typeface="-apple-system"/>
-              </a:rPr>
-              <a:t>RabbitMQ</a:t>
-            </a:r>
-            <a:br>
-              <a:rPr lang="en-US" b="1" i="0" dirty="0">
-                <a:effectLst/>
-                <a:latin typeface="-apple-system"/>
-              </a:rPr>
-            </a:br>
-            <a:endParaRPr lang="en-US" dirty="0"/>
-          </a:p>
-        </p:txBody>
-      </p:sp>
-      <p:sp>
-        <p:nvSpPr>
-          <p:cNvPr id="3" name="Content Placeholder 2">
-            <a:extLst>
-              <a:ext uri="{FF2B5EF4-FFF2-40B4-BE49-F238E27FC236}">
-                <a16:creationId xmlns:a16="http://schemas.microsoft.com/office/drawing/2014/main" id="{1F0FE871-49C9-98C4-B312-44FDA8548534}"/>
-              </a:ext>
-            </a:extLst>
-          </p:cNvPr>
-          <p:cNvSpPr>
-            <a:spLocks noGrp="1"/>
-          </p:cNvSpPr>
-          <p:nvPr>
-            <p:ph idx="1"/>
-          </p:nvPr>
-        </p:nvSpPr>
-        <p:spPr>
-          <a:xfrm>
-            <a:off x="838200" y="1261872"/>
-            <a:ext cx="10515600" cy="4915091"/>
-          </a:xfrm>
-        </p:spPr>
-        <p:txBody>
-          <a:bodyPr/>
-          <a:lstStyle/>
-          <a:p>
-            <a:r>
-              <a:rPr lang="en-US" dirty="0"/>
-              <a:t>Supports multiple messaging protocols (AMQP, MQTT, STOMP)</a:t>
-            </a:r>
-          </a:p>
-          <a:p>
-            <a:r>
-              <a:rPr lang="en-US" dirty="0"/>
-              <a:t>Messages are sent to and consumed from queues.</a:t>
-            </a:r>
-          </a:p>
-          <a:p>
-            <a:r>
-              <a:rPr lang="en-US" dirty="0"/>
-              <a:t>Use exchanges to receive messages from producers and route them to queues based on routing rules</a:t>
-            </a:r>
-          </a:p>
-          <a:p>
-            <a:r>
-              <a:rPr lang="en-US" dirty="0"/>
-              <a:t>Supports publish – subscribe messaging pattern, multiple consumers can receive messages from single producer.</a:t>
-            </a:r>
-          </a:p>
-          <a:p>
-            <a:r>
-              <a:rPr lang="en-US" dirty="0"/>
-              <a:t>Message durability options can be set for both queues and exchanges</a:t>
-            </a:r>
-          </a:p>
-          <a:p>
-            <a:r>
-              <a:rPr lang="en-US" dirty="0"/>
-              <a:t>Supports manual acknowledgement of messages </a:t>
-            </a:r>
-            <a:r>
-              <a:rPr lang="en-US"/>
-              <a:t>by consumers</a:t>
-            </a:r>
-            <a:endParaRPr lang="en-US" dirty="0"/>
-          </a:p>
-          <a:p>
-            <a:endParaRPr lang="en-US" dirty="0"/>
-          </a:p>
-          <a:p>
+            <a:pPr marL="0" indent="0" algn="l">
+              <a:buNone/>
+            </a:pPr>
+            <a:r>
+              <a:rPr lang="en-US" sz="3200" b="1" u="sng" dirty="0">
+                <a:solidFill>
+                  <a:srgbClr val="374151"/>
+                </a:solidFill>
+                <a:latin typeface="Söhne"/>
+              </a:rPr>
+              <a:t>Reasons To Choose:</a:t>
+            </a:r>
+            <a:endParaRPr lang="en-US" sz="3200" b="1" i="0" u="sng" dirty="0">
+              <a:solidFill>
+                <a:srgbClr val="374151"/>
+              </a:solidFill>
+              <a:effectLst/>
+              <a:latin typeface="Söhne"/>
+            </a:endParaRPr>
+          </a:p>
+          <a:p>
+            <a:pPr lvl="1"/>
+            <a:r>
+              <a:rPr lang="en-US" b="0" i="0" dirty="0">
+                <a:solidFill>
+                  <a:srgbClr val="374151"/>
+                </a:solidFill>
+                <a:effectLst/>
+                <a:latin typeface="Söhne"/>
+              </a:rPr>
+              <a:t>Ideal for large-scale, real-time data streaming.</a:t>
+            </a:r>
+          </a:p>
+          <a:p>
+            <a:pPr lvl="1"/>
+            <a:r>
+              <a:rPr lang="en-US" b="0" i="0" dirty="0">
+                <a:solidFill>
+                  <a:srgbClr val="374151"/>
+                </a:solidFill>
+                <a:effectLst/>
+                <a:latin typeface="Söhne"/>
+              </a:rPr>
+              <a:t>Excellent durability and fault tolerance.</a:t>
+            </a:r>
+          </a:p>
+          <a:p>
+            <a:pPr lvl="1"/>
+            <a:r>
+              <a:rPr lang="en-US" b="0" i="0" dirty="0">
+                <a:solidFill>
+                  <a:srgbClr val="374151"/>
+                </a:solidFill>
+                <a:effectLst/>
+                <a:latin typeface="Söhne"/>
+              </a:rPr>
+              <a:t>Horizontal scalability for handling high loads.</a:t>
+            </a:r>
+          </a:p>
+          <a:p>
+            <a:pPr lvl="1"/>
+            <a:r>
+              <a:rPr lang="en-US" b="0" i="0" dirty="0">
+                <a:solidFill>
+                  <a:srgbClr val="374151"/>
+                </a:solidFill>
+                <a:effectLst/>
+                <a:latin typeface="Söhne"/>
+              </a:rPr>
+              <a:t>Wide industry adoption and community support.</a:t>
+            </a:r>
+          </a:p>
+          <a:p>
+            <a:pPr lvl="1"/>
+            <a:r>
+              <a:rPr lang="en-US" b="0" i="0" dirty="0">
+                <a:solidFill>
+                  <a:srgbClr val="374151"/>
+                </a:solidFill>
+                <a:effectLst/>
+                <a:latin typeface="Söhne"/>
+              </a:rPr>
+              <a:t>Integration with various data processing frameworks.</a:t>
+            </a:r>
+          </a:p>
+          <a:p>
+            <a:pPr marL="0" indent="0">
+              <a:buNone/>
+            </a:pPr>
+            <a:r>
+              <a:rPr lang="en-US" sz="2800" b="1" u="sng" dirty="0">
+                <a:solidFill>
+                  <a:srgbClr val="374151"/>
+                </a:solidFill>
+                <a:latin typeface="Söhne"/>
+              </a:rPr>
+              <a:t>Reasons Not To Choose:</a:t>
+            </a:r>
+            <a:endParaRPr lang="en-US" sz="2800" b="1" i="0" u="sng" dirty="0">
+              <a:solidFill>
+                <a:srgbClr val="374151"/>
+              </a:solidFill>
+              <a:effectLst/>
+              <a:latin typeface="Söhne"/>
+            </a:endParaRPr>
+          </a:p>
+          <a:p>
+            <a:pPr lvl="1"/>
+            <a:r>
+              <a:rPr lang="en-US" b="0" i="0" dirty="0">
+                <a:solidFill>
+                  <a:srgbClr val="374151"/>
+                </a:solidFill>
+                <a:effectLst/>
+                <a:latin typeface="Söhne"/>
+              </a:rPr>
+              <a:t>Complexity may be overwhelming for simple use cases.</a:t>
+            </a:r>
+          </a:p>
+          <a:p>
+            <a:pPr lvl="1"/>
+            <a:r>
+              <a:rPr lang="en-US" b="0" i="0" dirty="0">
+                <a:solidFill>
+                  <a:srgbClr val="374151"/>
+                </a:solidFill>
+                <a:effectLst/>
+                <a:latin typeface="Söhne"/>
+              </a:rPr>
+              <a:t>Resource-intensive compared to lightweight alternatives.</a:t>
+            </a:r>
+          </a:p>
+          <a:p>
+            <a:pPr marL="0" indent="0">
+              <a:buNone/>
+            </a:pPr>
             <a:endParaRPr lang="en-US" dirty="0"/>
           </a:p>
         </p:txBody>
@@ -3978,7 +8957,7 @@
     </p:spTree>
     <p:extLst>
       <p:ext uri="{BB962C8B-B14F-4D97-AF65-F5344CB8AC3E}">
-        <p14:creationId xmlns:p14="http://schemas.microsoft.com/office/powerpoint/2010/main" val="2997298265"/>
+        <p14:creationId xmlns:p14="http://schemas.microsoft.com/office/powerpoint/2010/main" val="181296046"/>
       </p:ext>
     </p:extLst>
   </p:cSld>
@@ -4021,17 +9000,25 @@
             <p:ph type="title"/>
           </p:nvPr>
         </p:nvSpPr>
-        <p:spPr/>
-        <p:txBody>
-          <a:bodyPr/>
+        <p:spPr>
+          <a:xfrm>
+            <a:off x="838200" y="365125"/>
+            <a:ext cx="10515600" cy="896747"/>
+          </a:xfrm>
+        </p:spPr>
+        <p:txBody>
+          <a:bodyPr>
+            <a:normAutofit fontScale="90000"/>
+          </a:bodyPr>
           <a:lstStyle/>
           <a:p>
-            <a:r>
-              <a:rPr lang="en-US" b="1" i="0">
+            <a:pPr algn="ctr"/>
+            <a:r>
+              <a:rPr lang="en-US" b="1" i="0" dirty="0">
                 <a:effectLst/>
                 <a:latin typeface="-apple-system"/>
               </a:rPr>
-              <a:t>Amazon SQS  (Paid)</a:t>
+              <a:t>RabbitMQ</a:t>
             </a:r>
             <a:br>
               <a:rPr lang="en-US" b="1" i="0" dirty="0">
@@ -4059,19 +9046,319 @@
             <p:ph idx="1"/>
           </p:nvPr>
         </p:nvSpPr>
-        <p:spPr/>
-        <p:txBody>
-          <a:bodyPr/>
+        <p:spPr>
+          <a:xfrm>
+            <a:off x="838200" y="1261872"/>
+            <a:ext cx="10515600" cy="4915091"/>
+          </a:xfrm>
+        </p:spPr>
+        <p:txBody>
+          <a:bodyPr>
+            <a:normAutofit fontScale="77500" lnSpcReduction="20000"/>
+          </a:bodyPr>
           <a:lstStyle/>
           <a:p>
-            <a:endParaRPr lang="en-US"/>
+            <a:pPr marL="0" indent="0" algn="l">
+              <a:buNone/>
+            </a:pPr>
+            <a:r>
+              <a:rPr lang="en-US" sz="3200" b="1" i="0" u="sng" dirty="0">
+                <a:solidFill>
+                  <a:srgbClr val="374151"/>
+                </a:solidFill>
+                <a:effectLst/>
+                <a:latin typeface="Söhne"/>
+              </a:rPr>
+              <a:t>Features:</a:t>
+            </a:r>
+          </a:p>
+          <a:p>
+            <a:pPr algn="l">
+              <a:buFont typeface="Arial" panose="020B0604020202020204" pitchFamily="34" charset="0"/>
+              <a:buChar char="•"/>
+            </a:pPr>
+            <a:r>
+              <a:rPr lang="en-US" b="1" i="0" dirty="0">
+                <a:solidFill>
+                  <a:srgbClr val="374151"/>
+                </a:solidFill>
+                <a:effectLst/>
+                <a:latin typeface="Söhne"/>
+              </a:rPr>
+              <a:t>Scalability:</a:t>
+            </a:r>
+            <a:endParaRPr lang="en-US" b="0" i="0" dirty="0">
+              <a:solidFill>
+                <a:srgbClr val="374151"/>
+              </a:solidFill>
+              <a:effectLst/>
+              <a:latin typeface="Söhne"/>
+            </a:endParaRPr>
+          </a:p>
+          <a:p>
+            <a:pPr marL="742950" lvl="1" indent="-285750" algn="l">
+              <a:buFont typeface="Arial" panose="020B0604020202020204" pitchFamily="34" charset="0"/>
+              <a:buChar char="•"/>
+            </a:pPr>
+            <a:r>
+              <a:rPr lang="en-US" b="0" i="0" dirty="0">
+                <a:solidFill>
+                  <a:srgbClr val="374151"/>
+                </a:solidFill>
+                <a:effectLst/>
+                <a:latin typeface="Söhne"/>
+              </a:rPr>
+              <a:t>Supports both horizontal and vertical scaling.</a:t>
+            </a:r>
+          </a:p>
+          <a:p>
+            <a:pPr marL="742950" lvl="1" indent="-285750" algn="l">
+              <a:buFont typeface="Arial" panose="020B0604020202020204" pitchFamily="34" charset="0"/>
+              <a:buChar char="•"/>
+            </a:pPr>
+            <a:r>
+              <a:rPr lang="en-US" b="0" i="0" dirty="0">
+                <a:solidFill>
+                  <a:srgbClr val="374151"/>
+                </a:solidFill>
+                <a:effectLst/>
+                <a:latin typeface="Söhne"/>
+              </a:rPr>
+              <a:t>Clustering for load balancing and fault tolerance.</a:t>
+            </a:r>
+          </a:p>
+          <a:p>
+            <a:pPr algn="l">
+              <a:buFont typeface="Arial" panose="020B0604020202020204" pitchFamily="34" charset="0"/>
+              <a:buChar char="•"/>
+            </a:pPr>
+            <a:r>
+              <a:rPr lang="en-US" b="1" i="0" dirty="0">
+                <a:solidFill>
+                  <a:srgbClr val="374151"/>
+                </a:solidFill>
+                <a:effectLst/>
+                <a:latin typeface="Söhne"/>
+              </a:rPr>
+              <a:t>Durability:</a:t>
+            </a:r>
+            <a:endParaRPr lang="en-US" b="0" i="0" dirty="0">
+              <a:solidFill>
+                <a:srgbClr val="374151"/>
+              </a:solidFill>
+              <a:effectLst/>
+              <a:latin typeface="Söhne"/>
+            </a:endParaRPr>
+          </a:p>
+          <a:p>
+            <a:pPr marL="742950" lvl="1" indent="-285750" algn="l">
+              <a:buFont typeface="Arial" panose="020B0604020202020204" pitchFamily="34" charset="0"/>
+              <a:buChar char="•"/>
+            </a:pPr>
+            <a:r>
+              <a:rPr lang="en-US" b="0" i="0" dirty="0">
+                <a:solidFill>
+                  <a:srgbClr val="374151"/>
+                </a:solidFill>
+                <a:effectLst/>
+                <a:latin typeface="Söhne"/>
+              </a:rPr>
+              <a:t>Provides message durability through persistent storage options.</a:t>
+            </a:r>
+          </a:p>
+          <a:p>
+            <a:pPr marL="742950" lvl="1" indent="-285750" algn="l">
+              <a:buFont typeface="Arial" panose="020B0604020202020204" pitchFamily="34" charset="0"/>
+              <a:buChar char="•"/>
+            </a:pPr>
+            <a:r>
+              <a:rPr lang="en-US" b="0" i="0" dirty="0">
+                <a:solidFill>
+                  <a:srgbClr val="374151"/>
+                </a:solidFill>
+                <a:effectLst/>
+                <a:latin typeface="Söhne"/>
+              </a:rPr>
+              <a:t>Configurable persistence levels for messages.</a:t>
+            </a:r>
+          </a:p>
+          <a:p>
+            <a:pPr algn="l">
+              <a:buFont typeface="Arial" panose="020B0604020202020204" pitchFamily="34" charset="0"/>
+              <a:buChar char="•"/>
+            </a:pPr>
+            <a:r>
+              <a:rPr lang="en-US" b="1" i="0" dirty="0">
+                <a:solidFill>
+                  <a:srgbClr val="374151"/>
+                </a:solidFill>
+                <a:effectLst/>
+                <a:latin typeface="Söhne"/>
+              </a:rPr>
+              <a:t>Real-time Processing:</a:t>
+            </a:r>
+            <a:endParaRPr lang="en-US" b="0" i="0" dirty="0">
+              <a:solidFill>
+                <a:srgbClr val="374151"/>
+              </a:solidFill>
+              <a:effectLst/>
+              <a:latin typeface="Söhne"/>
+            </a:endParaRPr>
+          </a:p>
+          <a:p>
+            <a:pPr marL="742950" lvl="1" indent="-285750" algn="l">
+              <a:buFont typeface="Arial" panose="020B0604020202020204" pitchFamily="34" charset="0"/>
+              <a:buChar char="•"/>
+            </a:pPr>
+            <a:r>
+              <a:rPr lang="en-US" b="0" i="0" dirty="0">
+                <a:solidFill>
+                  <a:srgbClr val="374151"/>
+                </a:solidFill>
+                <a:effectLst/>
+                <a:latin typeface="Söhne"/>
+              </a:rPr>
+              <a:t>Suitable for real-time message processing.</a:t>
+            </a:r>
+          </a:p>
+          <a:p>
+            <a:pPr marL="742950" lvl="1" indent="-285750" algn="l">
+              <a:buFont typeface="Arial" panose="020B0604020202020204" pitchFamily="34" charset="0"/>
+              <a:buChar char="•"/>
+            </a:pPr>
+            <a:r>
+              <a:rPr lang="en-US" b="0" i="0" dirty="0">
+                <a:solidFill>
+                  <a:srgbClr val="374151"/>
+                </a:solidFill>
+                <a:effectLst/>
+                <a:latin typeface="Söhne"/>
+              </a:rPr>
+              <a:t>Supports various messaging patterns, including publish/subscribe and request/reply.</a:t>
+            </a:r>
+          </a:p>
+          <a:p>
+            <a:pPr algn="l">
+              <a:buFont typeface="Arial" panose="020B0604020202020204" pitchFamily="34" charset="0"/>
+              <a:buChar char="•"/>
+            </a:pPr>
+            <a:r>
+              <a:rPr lang="en-US" b="1" i="0" dirty="0">
+                <a:solidFill>
+                  <a:srgbClr val="374151"/>
+                </a:solidFill>
+                <a:effectLst/>
+                <a:latin typeface="Söhne"/>
+              </a:rPr>
+              <a:t>Ecosystem:</a:t>
+            </a:r>
+            <a:endParaRPr lang="en-US" b="0" i="0" dirty="0">
+              <a:solidFill>
+                <a:srgbClr val="374151"/>
+              </a:solidFill>
+              <a:effectLst/>
+              <a:latin typeface="Söhne"/>
+            </a:endParaRPr>
+          </a:p>
+          <a:p>
+            <a:pPr marL="742950" lvl="1" indent="-285750" algn="l">
+              <a:buFont typeface="Arial" panose="020B0604020202020204" pitchFamily="34" charset="0"/>
+              <a:buChar char="•"/>
+            </a:pPr>
+            <a:r>
+              <a:rPr lang="en-US" b="0" i="0" dirty="0">
+                <a:solidFill>
+                  <a:srgbClr val="374151"/>
+                </a:solidFill>
+                <a:effectLst/>
+                <a:latin typeface="Söhne"/>
+              </a:rPr>
+              <a:t>Extensible through plugins and supports multiple protocols.</a:t>
+            </a:r>
+          </a:p>
+          <a:p>
+            <a:pPr marL="742950" lvl="1" indent="-285750" algn="l">
+              <a:buFont typeface="Arial" panose="020B0604020202020204" pitchFamily="34" charset="0"/>
+              <a:buChar char="•"/>
+            </a:pPr>
+            <a:r>
+              <a:rPr lang="en-US" b="0" i="0" dirty="0">
+                <a:solidFill>
+                  <a:srgbClr val="374151"/>
+                </a:solidFill>
+                <a:effectLst/>
+                <a:latin typeface="Söhne"/>
+              </a:rPr>
+              <a:t>Well-developed client libraries for different programming languages.</a:t>
+            </a:r>
+          </a:p>
+          <a:p>
+            <a:pPr algn="l">
+              <a:buFont typeface="Arial" panose="020B0604020202020204" pitchFamily="34" charset="0"/>
+              <a:buChar char="•"/>
+            </a:pPr>
+            <a:r>
+              <a:rPr lang="en-US" b="1" i="0" dirty="0">
+                <a:solidFill>
+                  <a:srgbClr val="374151"/>
+                </a:solidFill>
+                <a:effectLst/>
+                <a:latin typeface="Söhne"/>
+              </a:rPr>
+              <a:t>Community Support:</a:t>
+            </a:r>
+            <a:endParaRPr lang="en-US" b="0" i="0" dirty="0">
+              <a:solidFill>
+                <a:srgbClr val="374151"/>
+              </a:solidFill>
+              <a:effectLst/>
+              <a:latin typeface="Söhne"/>
+            </a:endParaRPr>
+          </a:p>
+          <a:p>
+            <a:pPr marL="742950" lvl="1" indent="-285750" algn="l">
+              <a:buFont typeface="Arial" panose="020B0604020202020204" pitchFamily="34" charset="0"/>
+              <a:buChar char="•"/>
+            </a:pPr>
+            <a:r>
+              <a:rPr lang="en-US" b="0" i="0" dirty="0">
+                <a:solidFill>
+                  <a:srgbClr val="374151"/>
+                </a:solidFill>
+                <a:effectLst/>
+                <a:latin typeface="Söhne"/>
+              </a:rPr>
+              <a:t>Active community contributing to the project.</a:t>
+            </a:r>
+          </a:p>
+          <a:p>
+            <a:pPr marL="742950" lvl="1" indent="-285750" algn="l">
+              <a:buFont typeface="Arial" panose="020B0604020202020204" pitchFamily="34" charset="0"/>
+              <a:buChar char="•"/>
+            </a:pPr>
+            <a:r>
+              <a:rPr lang="en-US" b="0" i="0" dirty="0">
+                <a:solidFill>
+                  <a:srgbClr val="374151"/>
+                </a:solidFill>
+                <a:effectLst/>
+                <a:latin typeface="Söhne"/>
+              </a:rPr>
+              <a:t>Regular updates and bug fixes.</a:t>
+            </a:r>
+          </a:p>
+          <a:p>
+            <a:endParaRPr lang="en-US" dirty="0"/>
+          </a:p>
+          <a:p>
+            <a:endParaRPr lang="en-US" dirty="0"/>
           </a:p>
         </p:txBody>
       </p:sp>
     </p:spTree>
     <p:extLst>
       <p:ext uri="{BB962C8B-B14F-4D97-AF65-F5344CB8AC3E}">
-        <p14:creationId xmlns:p14="http://schemas.microsoft.com/office/powerpoint/2010/main" val="2595002285"/>
+        <p14:creationId xmlns:p14="http://schemas.microsoft.com/office/powerpoint/2010/main" val="2997298265"/>
       </p:ext>
     </p:extLst>
   </p:cSld>
@@ -4103,7 +9390,7 @@
           <p:cNvPr id="2" name="Title 1">
             <a:extLst>
               <a:ext uri="{FF2B5EF4-FFF2-40B4-BE49-F238E27FC236}">
-                <a16:creationId xmlns:a16="http://schemas.microsoft.com/office/drawing/2014/main" id="{E32F2DEE-0727-ABED-3A1E-CC3FC7DECDBE}"/>
+                <a16:creationId xmlns:a16="http://schemas.microsoft.com/office/drawing/2014/main" id="{F00CA20F-A43B-1C0D-95C5-DD0432B778E2}"/>
               </a:ext>
             </a:extLst>
           </p:cNvPr>
@@ -4114,49 +9401,221 @@
             <p:ph type="title"/>
           </p:nvPr>
         </p:nvSpPr>
-        <p:spPr/>
+        <p:spPr>
+          <a:xfrm>
+            <a:off x="838200" y="365125"/>
+            <a:ext cx="10515600" cy="896747"/>
+          </a:xfrm>
+        </p:spPr>
+        <p:txBody>
+          <a:bodyPr>
+            <a:normAutofit fontScale="90000"/>
+          </a:bodyPr>
+          <a:lstStyle/>
+          <a:p>
+            <a:pPr algn="ctr"/>
+            <a:r>
+              <a:rPr lang="en-US" b="1" i="0" dirty="0">
+                <a:effectLst/>
+                <a:latin typeface="-apple-system"/>
+              </a:rPr>
+              <a:t>RabbitMQ</a:t>
+            </a:r>
+            <a:br>
+              <a:rPr lang="en-US" b="1" i="0" dirty="0">
+                <a:effectLst/>
+                <a:latin typeface="-apple-system"/>
+              </a:rPr>
+            </a:br>
+            <a:endParaRPr lang="en-US" dirty="0"/>
+          </a:p>
+        </p:txBody>
+      </p:sp>
+      <p:sp>
+        <p:nvSpPr>
+          <p:cNvPr id="3" name="Content Placeholder 2">
+            <a:extLst>
+              <a:ext uri="{FF2B5EF4-FFF2-40B4-BE49-F238E27FC236}">
+                <a16:creationId xmlns:a16="http://schemas.microsoft.com/office/drawing/2014/main" id="{1F0FE871-49C9-98C4-B312-44FDA8548534}"/>
+              </a:ext>
+            </a:extLst>
+          </p:cNvPr>
+          <p:cNvSpPr>
+            <a:spLocks noGrp="1"/>
+          </p:cNvSpPr>
+          <p:nvPr>
+            <p:ph idx="1"/>
+          </p:nvPr>
+        </p:nvSpPr>
+        <p:spPr>
+          <a:xfrm>
+            <a:off x="838200" y="1261872"/>
+            <a:ext cx="10515600" cy="4915091"/>
+          </a:xfrm>
+        </p:spPr>
         <p:txBody>
           <a:bodyPr/>
           <a:lstStyle/>
           <a:p>
-            <a:r>
-              <a:rPr lang="en-US" dirty="0"/>
-              <a:t>Choosing the Best</a:t>
-            </a:r>
-          </a:p>
-        </p:txBody>
-      </p:sp>
-      <p:sp>
-        <p:nvSpPr>
-          <p:cNvPr id="3" name="Content Placeholder 2">
-            <a:extLst>
-              <a:ext uri="{FF2B5EF4-FFF2-40B4-BE49-F238E27FC236}">
-                <a16:creationId xmlns:a16="http://schemas.microsoft.com/office/drawing/2014/main" id="{E7590583-FA22-71B8-BC83-709C8B99C332}"/>
-              </a:ext>
-            </a:extLst>
-          </p:cNvPr>
-          <p:cNvSpPr>
-            <a:spLocks noGrp="1"/>
-          </p:cNvSpPr>
-          <p:nvPr>
-            <p:ph idx="1"/>
-          </p:nvPr>
-        </p:nvSpPr>
-        <p:spPr/>
-        <p:txBody>
-          <a:bodyPr/>
-          <a:lstStyle/>
-          <a:p>
-            <a:r>
-              <a:rPr lang="en-US" dirty="0"/>
-              <a:t>Kafka</a:t>
-            </a:r>
-          </a:p>
-          <a:p>
-            <a:r>
-              <a:rPr lang="en-US" dirty="0" err="1"/>
-              <a:t>RabbitMq</a:t>
-            </a:r>
+            <a:pPr marL="0" indent="0" algn="l">
+              <a:buNone/>
+            </a:pPr>
+            <a:r>
+              <a:rPr lang="en-US" b="1" i="0" u="sng" dirty="0">
+                <a:solidFill>
+                  <a:srgbClr val="374151"/>
+                </a:solidFill>
+                <a:effectLst/>
+                <a:latin typeface="Söhne"/>
+              </a:rPr>
+              <a:t>Reasons to Choose:</a:t>
+            </a:r>
+            <a:endParaRPr lang="en-US" b="0" i="0" u="sng" dirty="0">
+              <a:solidFill>
+                <a:srgbClr val="374151"/>
+              </a:solidFill>
+              <a:effectLst/>
+              <a:latin typeface="Söhne"/>
+            </a:endParaRPr>
+          </a:p>
+          <a:p>
+            <a:pPr marL="742950" lvl="1" indent="-285750" algn="l">
+              <a:buFont typeface="Arial" panose="020B0604020202020204" pitchFamily="34" charset="0"/>
+              <a:buChar char="•"/>
+            </a:pPr>
+            <a:r>
+              <a:rPr lang="en-US" b="0" i="0" dirty="0">
+                <a:solidFill>
+                  <a:srgbClr val="374151"/>
+                </a:solidFill>
+                <a:effectLst/>
+                <a:latin typeface="Söhne"/>
+              </a:rPr>
+              <a:t>Versatile and easy-to-use for a variety of messaging scenarios.</a:t>
+            </a:r>
+          </a:p>
+          <a:p>
+            <a:pPr marL="742950" lvl="1" indent="-285750" algn="l">
+              <a:buFont typeface="Arial" panose="020B0604020202020204" pitchFamily="34" charset="0"/>
+              <a:buChar char="•"/>
+            </a:pPr>
+            <a:r>
+              <a:rPr lang="en-US" b="0" i="0" dirty="0">
+                <a:solidFill>
+                  <a:srgbClr val="374151"/>
+                </a:solidFill>
+                <a:effectLst/>
+                <a:latin typeface="Söhne"/>
+              </a:rPr>
+              <a:t>Good support for different protocols (AMQP, MQTT).</a:t>
+            </a:r>
+          </a:p>
+          <a:p>
+            <a:pPr marL="742950" lvl="1" indent="-285750" algn="l">
+              <a:buFont typeface="Arial" panose="020B0604020202020204" pitchFamily="34" charset="0"/>
+              <a:buChar char="•"/>
+            </a:pPr>
+            <a:r>
+              <a:rPr lang="en-US" b="0" i="0" dirty="0">
+                <a:solidFill>
+                  <a:srgbClr val="374151"/>
+                </a:solidFill>
+                <a:effectLst/>
+                <a:latin typeface="Söhne"/>
+              </a:rPr>
+              <a:t>Well-documented and actively maintained.</a:t>
+            </a:r>
+          </a:p>
+          <a:p>
+            <a:pPr marL="742950" lvl="1" indent="-285750" algn="l">
+              <a:buFont typeface="Arial" panose="020B0604020202020204" pitchFamily="34" charset="0"/>
+              <a:buChar char="•"/>
+            </a:pPr>
+            <a:r>
+              <a:rPr lang="en-US" b="0" i="0" dirty="0">
+                <a:solidFill>
+                  <a:srgbClr val="374151"/>
+                </a:solidFill>
+                <a:effectLst/>
+                <a:latin typeface="Söhne"/>
+              </a:rPr>
+              <a:t>Suitable for both small-scale and large-scale deployments.</a:t>
+            </a:r>
+          </a:p>
+          <a:p>
+            <a:pPr marL="742950" lvl="1" indent="-285750" algn="l">
+              <a:buFont typeface="Arial" panose="020B0604020202020204" pitchFamily="34" charset="0"/>
+              <a:buChar char="•"/>
+            </a:pPr>
+            <a:r>
+              <a:rPr lang="en-US" b="0" i="0" dirty="0">
+                <a:solidFill>
+                  <a:srgbClr val="374151"/>
+                </a:solidFill>
+                <a:effectLst/>
+                <a:latin typeface="Söhne"/>
+              </a:rPr>
+              <a:t>Strong community and commercial backing.</a:t>
+            </a:r>
+          </a:p>
+          <a:p>
+            <a:pPr marL="0" indent="0" algn="l">
+              <a:buNone/>
+            </a:pPr>
+            <a:r>
+              <a:rPr lang="en-US" b="1" i="0" u="sng" dirty="0">
+                <a:solidFill>
+                  <a:srgbClr val="374151"/>
+                </a:solidFill>
+                <a:effectLst/>
+                <a:latin typeface="Söhne"/>
+              </a:rPr>
+              <a:t>Reasons Not to Choose:</a:t>
+            </a:r>
+            <a:endParaRPr lang="en-US" b="0" i="0" u="sng" dirty="0">
+              <a:solidFill>
+                <a:srgbClr val="374151"/>
+              </a:solidFill>
+              <a:effectLst/>
+              <a:latin typeface="Söhne"/>
+            </a:endParaRPr>
+          </a:p>
+          <a:p>
+            <a:pPr marL="742950" lvl="1" indent="-285750" algn="l">
+              <a:buFont typeface="Arial" panose="020B0604020202020204" pitchFamily="34" charset="0"/>
+              <a:buChar char="•"/>
+            </a:pPr>
+            <a:r>
+              <a:rPr lang="en-US" b="0" i="0" dirty="0">
+                <a:solidFill>
+                  <a:srgbClr val="374151"/>
+                </a:solidFill>
+                <a:effectLst/>
+                <a:latin typeface="Söhne"/>
+              </a:rPr>
+              <a:t>May have lower throughput compared to specialized solutions.</a:t>
+            </a:r>
+          </a:p>
+          <a:p>
+            <a:pPr marL="742950" lvl="1" indent="-285750" algn="l">
+              <a:buFont typeface="Arial" panose="020B0604020202020204" pitchFamily="34" charset="0"/>
+              <a:buChar char="•"/>
+            </a:pPr>
+            <a:r>
+              <a:rPr lang="en-US" b="0" i="0" dirty="0">
+                <a:solidFill>
+                  <a:srgbClr val="374151"/>
+                </a:solidFill>
+                <a:effectLst/>
+                <a:latin typeface="Söhne"/>
+              </a:rPr>
+              <a:t>Scaling horizontally can be challenging.</a:t>
+            </a:r>
+          </a:p>
+          <a:p>
+            <a:endParaRPr lang="en-US" dirty="0"/>
+          </a:p>
+          <a:p>
             <a:endParaRPr lang="en-US" dirty="0"/>
           </a:p>
         </p:txBody>
@@ -4164,7 +9623,972 @@
     </p:spTree>
     <p:extLst>
       <p:ext uri="{BB962C8B-B14F-4D97-AF65-F5344CB8AC3E}">
-        <p14:creationId xmlns:p14="http://schemas.microsoft.com/office/powerpoint/2010/main" val="3543077819"/>
+        <p14:creationId xmlns:p14="http://schemas.microsoft.com/office/powerpoint/2010/main" val="2584739377"/>
+      </p:ext>
+    </p:extLst>
+  </p:cSld>
+  <p:clrMapOvr>
+    <a:masterClrMapping/>
+  </p:clrMapOvr>
+</p:sld>
+</file>
+
+<file path=ppt/slides/slide7.xml><?xml version="1.0" encoding="utf-8"?>
+<p:sld xmlns:a="http://schemas.openxmlformats.org/drawingml/2006/main" xmlns:r="http://schemas.openxmlformats.org/officeDocument/2006/relationships" xmlns:p="http://schemas.openxmlformats.org/presentationml/2006/main">
+  <p:cSld>
+    <p:spTree>
+      <p:nvGrpSpPr>
+        <p:cNvPr id="1" name=""/>
+        <p:cNvGrpSpPr/>
+        <p:nvPr/>
+      </p:nvGrpSpPr>
+      <p:grpSpPr>
+        <a:xfrm>
+          <a:off x="0" y="0"/>
+          <a:ext cx="0" cy="0"/>
+          <a:chOff x="0" y="0"/>
+          <a:chExt cx="0" cy="0"/>
+        </a:xfrm>
+      </p:grpSpPr>
+      <p:sp>
+        <p:nvSpPr>
+          <p:cNvPr id="2" name="Title 1">
+            <a:extLst>
+              <a:ext uri="{FF2B5EF4-FFF2-40B4-BE49-F238E27FC236}">
+                <a16:creationId xmlns:a16="http://schemas.microsoft.com/office/drawing/2014/main" id="{F00CA20F-A43B-1C0D-95C5-DD0432B778E2}"/>
+              </a:ext>
+            </a:extLst>
+          </p:cNvPr>
+          <p:cNvSpPr>
+            <a:spLocks noGrp="1"/>
+          </p:cNvSpPr>
+          <p:nvPr>
+            <p:ph type="title"/>
+          </p:nvPr>
+        </p:nvSpPr>
+        <p:spPr>
+          <a:xfrm>
+            <a:off x="838200" y="365125"/>
+            <a:ext cx="10515600" cy="896747"/>
+          </a:xfrm>
+        </p:spPr>
+        <p:txBody>
+          <a:bodyPr>
+            <a:normAutofit fontScale="90000"/>
+          </a:bodyPr>
+          <a:lstStyle/>
+          <a:p>
+            <a:pPr algn="ctr"/>
+            <a:r>
+              <a:rPr lang="en-US" b="1" i="0" dirty="0">
+                <a:effectLst/>
+                <a:latin typeface="-apple-system"/>
+              </a:rPr>
+              <a:t>Redis</a:t>
+            </a:r>
+            <a:br>
+              <a:rPr lang="en-US" b="1" i="0" dirty="0">
+                <a:effectLst/>
+                <a:latin typeface="-apple-system"/>
+              </a:rPr>
+            </a:br>
+            <a:endParaRPr lang="en-US" dirty="0"/>
+          </a:p>
+        </p:txBody>
+      </p:sp>
+      <p:sp>
+        <p:nvSpPr>
+          <p:cNvPr id="3" name="Content Placeholder 2">
+            <a:extLst>
+              <a:ext uri="{FF2B5EF4-FFF2-40B4-BE49-F238E27FC236}">
+                <a16:creationId xmlns:a16="http://schemas.microsoft.com/office/drawing/2014/main" id="{1F0FE871-49C9-98C4-B312-44FDA8548534}"/>
+              </a:ext>
+            </a:extLst>
+          </p:cNvPr>
+          <p:cNvSpPr>
+            <a:spLocks noGrp="1"/>
+          </p:cNvSpPr>
+          <p:nvPr>
+            <p:ph idx="1"/>
+          </p:nvPr>
+        </p:nvSpPr>
+        <p:spPr>
+          <a:xfrm>
+            <a:off x="838200" y="1261872"/>
+            <a:ext cx="10515600" cy="4915091"/>
+          </a:xfrm>
+        </p:spPr>
+        <p:txBody>
+          <a:bodyPr>
+            <a:normAutofit fontScale="92500" lnSpcReduction="10000"/>
+          </a:bodyPr>
+          <a:lstStyle/>
+          <a:p>
+            <a:pPr marL="0" indent="0" algn="l">
+              <a:buNone/>
+            </a:pPr>
+            <a:r>
+              <a:rPr lang="en-US" sz="3200" b="1" i="0" u="sng" dirty="0">
+                <a:solidFill>
+                  <a:srgbClr val="374151"/>
+                </a:solidFill>
+                <a:effectLst/>
+                <a:latin typeface="Söhne"/>
+              </a:rPr>
+              <a:t>Features:</a:t>
+            </a:r>
+            <a:endParaRPr lang="en-US" sz="3200" b="0" i="0" u="sng" dirty="0">
+              <a:solidFill>
+                <a:srgbClr val="374151"/>
+              </a:solidFill>
+              <a:effectLst/>
+              <a:latin typeface="Söhne"/>
+            </a:endParaRPr>
+          </a:p>
+          <a:p>
+            <a:pPr lvl="1"/>
+            <a:r>
+              <a:rPr lang="en-US" b="1" i="0" dirty="0">
+                <a:solidFill>
+                  <a:srgbClr val="374151"/>
+                </a:solidFill>
+                <a:effectLst/>
+                <a:latin typeface="Söhne"/>
+              </a:rPr>
+              <a:t>Scalability:</a:t>
+            </a:r>
+            <a:endParaRPr lang="en-US" b="0" i="0" dirty="0">
+              <a:solidFill>
+                <a:srgbClr val="374151"/>
+              </a:solidFill>
+              <a:effectLst/>
+              <a:latin typeface="Söhne"/>
+            </a:endParaRPr>
+          </a:p>
+          <a:p>
+            <a:pPr marL="1200150" lvl="2" indent="-285750"/>
+            <a:r>
+              <a:rPr lang="en-US" b="0" i="0" dirty="0">
+                <a:solidFill>
+                  <a:srgbClr val="374151"/>
+                </a:solidFill>
+                <a:effectLst/>
+                <a:latin typeface="Söhne"/>
+              </a:rPr>
+              <a:t>In-memory data store with support for horizontal scaling.</a:t>
+            </a:r>
+          </a:p>
+          <a:p>
+            <a:pPr marL="1200150" lvl="2" indent="-285750"/>
+            <a:r>
+              <a:rPr lang="en-US" b="0" i="0" dirty="0">
+                <a:solidFill>
+                  <a:srgbClr val="374151"/>
+                </a:solidFill>
+                <a:effectLst/>
+                <a:latin typeface="Söhne"/>
+              </a:rPr>
+              <a:t>Suitable for distributed and high-performance use cases.</a:t>
+            </a:r>
+          </a:p>
+          <a:p>
+            <a:pPr lvl="1"/>
+            <a:r>
+              <a:rPr lang="en-US" b="1" i="0" dirty="0">
+                <a:solidFill>
+                  <a:srgbClr val="374151"/>
+                </a:solidFill>
+                <a:effectLst/>
+                <a:latin typeface="Söhne"/>
+              </a:rPr>
+              <a:t>Durability:</a:t>
+            </a:r>
+            <a:endParaRPr lang="en-US" b="0" i="0" dirty="0">
+              <a:solidFill>
+                <a:srgbClr val="374151"/>
+              </a:solidFill>
+              <a:effectLst/>
+              <a:latin typeface="Söhne"/>
+            </a:endParaRPr>
+          </a:p>
+          <a:p>
+            <a:pPr marL="1200150" lvl="2" indent="-285750"/>
+            <a:r>
+              <a:rPr lang="en-US" b="0" i="0" dirty="0">
+                <a:solidFill>
+                  <a:srgbClr val="374151"/>
+                </a:solidFill>
+                <a:effectLst/>
+                <a:latin typeface="Söhne"/>
+              </a:rPr>
+              <a:t>Provides persistence options, including snapshotting and append-only files.</a:t>
+            </a:r>
+          </a:p>
+          <a:p>
+            <a:pPr marL="1200150" lvl="2" indent="-285750"/>
+            <a:r>
+              <a:rPr lang="en-US" b="0" i="0" dirty="0">
+                <a:solidFill>
+                  <a:srgbClr val="374151"/>
+                </a:solidFill>
+                <a:effectLst/>
+                <a:latin typeface="Söhne"/>
+              </a:rPr>
+              <a:t>Configurable persistence levels based on requirements.</a:t>
+            </a:r>
+          </a:p>
+          <a:p>
+            <a:pPr lvl="1"/>
+            <a:r>
+              <a:rPr lang="en-US" b="1" i="0" dirty="0">
+                <a:solidFill>
+                  <a:srgbClr val="374151"/>
+                </a:solidFill>
+                <a:effectLst/>
+                <a:latin typeface="Söhne"/>
+              </a:rPr>
+              <a:t>Real-time Messaging:</a:t>
+            </a:r>
+            <a:endParaRPr lang="en-US" b="0" i="0" dirty="0">
+              <a:solidFill>
+                <a:srgbClr val="374151"/>
+              </a:solidFill>
+              <a:effectLst/>
+              <a:latin typeface="Söhne"/>
+            </a:endParaRPr>
+          </a:p>
+          <a:p>
+            <a:pPr marL="1200150" lvl="2" indent="-285750"/>
+            <a:r>
+              <a:rPr lang="en-US" b="0" i="0" dirty="0">
+                <a:solidFill>
+                  <a:srgbClr val="374151"/>
+                </a:solidFill>
+                <a:effectLst/>
+                <a:latin typeface="Söhne"/>
+              </a:rPr>
+              <a:t>Supports publish/subscribe patterns for real-time communication.</a:t>
+            </a:r>
+          </a:p>
+          <a:p>
+            <a:pPr marL="1200150" lvl="2" indent="-285750"/>
+            <a:r>
+              <a:rPr lang="en-US" b="0" i="0" dirty="0">
+                <a:solidFill>
+                  <a:srgbClr val="374151"/>
+                </a:solidFill>
+                <a:effectLst/>
+                <a:latin typeface="Söhne"/>
+              </a:rPr>
+              <a:t>Efficient for scenarios requiring low-latency data transfer.</a:t>
+            </a:r>
+          </a:p>
+          <a:p>
+            <a:pPr lvl="1"/>
+            <a:r>
+              <a:rPr lang="en-US" b="1" i="0" dirty="0">
+                <a:solidFill>
+                  <a:srgbClr val="374151"/>
+                </a:solidFill>
+                <a:effectLst/>
+                <a:latin typeface="Söhne"/>
+              </a:rPr>
+              <a:t>Ecosystem Beyond Messaging:</a:t>
+            </a:r>
+            <a:endParaRPr lang="en-US" b="0" i="0" dirty="0">
+              <a:solidFill>
+                <a:srgbClr val="374151"/>
+              </a:solidFill>
+              <a:effectLst/>
+              <a:latin typeface="Söhne"/>
+            </a:endParaRPr>
+          </a:p>
+          <a:p>
+            <a:pPr marL="1200150" lvl="2" indent="-285750"/>
+            <a:r>
+              <a:rPr lang="en-US" b="0" i="0" dirty="0">
+                <a:solidFill>
+                  <a:srgbClr val="374151"/>
+                </a:solidFill>
+                <a:effectLst/>
+                <a:latin typeface="Söhne"/>
+              </a:rPr>
+              <a:t>Extensive ecosystem serving as a cache, database, and message broker.</a:t>
+            </a:r>
+          </a:p>
+          <a:p>
+            <a:pPr marL="1200150" lvl="2" indent="-285750"/>
+            <a:r>
+              <a:rPr lang="en-US" b="0" i="0" dirty="0">
+                <a:solidFill>
+                  <a:srgbClr val="374151"/>
+                </a:solidFill>
+                <a:effectLst/>
+                <a:latin typeface="Söhne"/>
+              </a:rPr>
+              <a:t>Offers various data structures for different use cases.</a:t>
+            </a:r>
+          </a:p>
+          <a:p>
+            <a:pPr lvl="1"/>
+            <a:r>
+              <a:rPr lang="en-US" b="1" i="0" dirty="0">
+                <a:solidFill>
+                  <a:srgbClr val="374151"/>
+                </a:solidFill>
+                <a:effectLst/>
+                <a:latin typeface="Söhne"/>
+              </a:rPr>
+              <a:t>Flexibility:</a:t>
+            </a:r>
+            <a:endParaRPr lang="en-US" b="0" i="0" dirty="0">
+              <a:solidFill>
+                <a:srgbClr val="374151"/>
+              </a:solidFill>
+              <a:effectLst/>
+              <a:latin typeface="Söhne"/>
+            </a:endParaRPr>
+          </a:p>
+          <a:p>
+            <a:pPr marL="1200150" lvl="2" indent="-285750"/>
+            <a:r>
+              <a:rPr lang="en-US" b="0" i="0" dirty="0">
+                <a:solidFill>
+                  <a:srgbClr val="374151"/>
+                </a:solidFill>
+                <a:effectLst/>
+                <a:latin typeface="Söhne"/>
+              </a:rPr>
+              <a:t>Versatile usage, allowing it to function as a cache, database, and message broker.</a:t>
+            </a:r>
+          </a:p>
+          <a:p>
+            <a:endParaRPr lang="en-US" dirty="0"/>
+          </a:p>
+          <a:p>
+            <a:endParaRPr lang="en-US" dirty="0"/>
+          </a:p>
+        </p:txBody>
+      </p:sp>
+    </p:spTree>
+    <p:extLst>
+      <p:ext uri="{BB962C8B-B14F-4D97-AF65-F5344CB8AC3E}">
+        <p14:creationId xmlns:p14="http://schemas.microsoft.com/office/powerpoint/2010/main" val="3613280782"/>
+      </p:ext>
+    </p:extLst>
+  </p:cSld>
+  <p:clrMapOvr>
+    <a:masterClrMapping/>
+  </p:clrMapOvr>
+</p:sld>
+</file>
+
+<file path=ppt/slides/slide8.xml><?xml version="1.0" encoding="utf-8"?>
+<p:sld xmlns:a="http://schemas.openxmlformats.org/drawingml/2006/main" xmlns:r="http://schemas.openxmlformats.org/officeDocument/2006/relationships" xmlns:p="http://schemas.openxmlformats.org/presentationml/2006/main">
+  <p:cSld>
+    <p:spTree>
+      <p:nvGrpSpPr>
+        <p:cNvPr id="1" name=""/>
+        <p:cNvGrpSpPr/>
+        <p:nvPr/>
+      </p:nvGrpSpPr>
+      <p:grpSpPr>
+        <a:xfrm>
+          <a:off x="0" y="0"/>
+          <a:ext cx="0" cy="0"/>
+          <a:chOff x="0" y="0"/>
+          <a:chExt cx="0" cy="0"/>
+        </a:xfrm>
+      </p:grpSpPr>
+      <p:sp>
+        <p:nvSpPr>
+          <p:cNvPr id="2" name="Title 1">
+            <a:extLst>
+              <a:ext uri="{FF2B5EF4-FFF2-40B4-BE49-F238E27FC236}">
+                <a16:creationId xmlns:a16="http://schemas.microsoft.com/office/drawing/2014/main" id="{F00CA20F-A43B-1C0D-95C5-DD0432B778E2}"/>
+              </a:ext>
+            </a:extLst>
+          </p:cNvPr>
+          <p:cNvSpPr>
+            <a:spLocks noGrp="1"/>
+          </p:cNvSpPr>
+          <p:nvPr>
+            <p:ph type="title"/>
+          </p:nvPr>
+        </p:nvSpPr>
+        <p:spPr>
+          <a:xfrm>
+            <a:off x="838200" y="365125"/>
+            <a:ext cx="10515600" cy="896747"/>
+          </a:xfrm>
+        </p:spPr>
+        <p:txBody>
+          <a:bodyPr>
+            <a:normAutofit fontScale="90000"/>
+          </a:bodyPr>
+          <a:lstStyle/>
+          <a:p>
+            <a:pPr algn="ctr"/>
+            <a:r>
+              <a:rPr lang="en-US" b="1" i="0" dirty="0">
+                <a:effectLst/>
+                <a:latin typeface="-apple-system"/>
+              </a:rPr>
+              <a:t>Redis</a:t>
+            </a:r>
+            <a:br>
+              <a:rPr lang="en-US" b="1" i="0" dirty="0">
+                <a:effectLst/>
+                <a:latin typeface="-apple-system"/>
+              </a:rPr>
+            </a:br>
+            <a:endParaRPr lang="en-US" dirty="0"/>
+          </a:p>
+        </p:txBody>
+      </p:sp>
+      <p:sp>
+        <p:nvSpPr>
+          <p:cNvPr id="3" name="Content Placeholder 2">
+            <a:extLst>
+              <a:ext uri="{FF2B5EF4-FFF2-40B4-BE49-F238E27FC236}">
+                <a16:creationId xmlns:a16="http://schemas.microsoft.com/office/drawing/2014/main" id="{1F0FE871-49C9-98C4-B312-44FDA8548534}"/>
+              </a:ext>
+            </a:extLst>
+          </p:cNvPr>
+          <p:cNvSpPr>
+            <a:spLocks noGrp="1"/>
+          </p:cNvSpPr>
+          <p:nvPr>
+            <p:ph idx="1"/>
+          </p:nvPr>
+        </p:nvSpPr>
+        <p:spPr>
+          <a:xfrm>
+            <a:off x="838200" y="1261872"/>
+            <a:ext cx="10515600" cy="4915091"/>
+          </a:xfrm>
+        </p:spPr>
+        <p:txBody>
+          <a:bodyPr/>
+          <a:lstStyle/>
+          <a:p>
+            <a:pPr marL="0" indent="0" algn="l">
+              <a:buNone/>
+            </a:pPr>
+            <a:r>
+              <a:rPr lang="en-US" b="1" i="0" u="sng" dirty="0">
+                <a:solidFill>
+                  <a:srgbClr val="374151"/>
+                </a:solidFill>
+                <a:effectLst/>
+                <a:latin typeface="Söhne"/>
+              </a:rPr>
+              <a:t>Reasons to Choose:</a:t>
+            </a:r>
+            <a:endParaRPr lang="en-US" b="0" i="0" u="sng" dirty="0">
+              <a:solidFill>
+                <a:srgbClr val="374151"/>
+              </a:solidFill>
+              <a:effectLst/>
+              <a:latin typeface="Söhne"/>
+            </a:endParaRPr>
+          </a:p>
+          <a:p>
+            <a:pPr marL="742950" lvl="1" indent="-285750" algn="l">
+              <a:buFont typeface="Arial" panose="020B0604020202020204" pitchFamily="34" charset="0"/>
+              <a:buChar char="•"/>
+            </a:pPr>
+            <a:r>
+              <a:rPr lang="en-US" b="0" i="0" dirty="0">
+                <a:solidFill>
+                  <a:srgbClr val="374151"/>
+                </a:solidFill>
+                <a:effectLst/>
+                <a:latin typeface="Söhne"/>
+              </a:rPr>
+              <a:t>Extremely fast and efficient for small to medium workloads.</a:t>
+            </a:r>
+          </a:p>
+          <a:p>
+            <a:pPr marL="742950" lvl="1" indent="-285750" algn="l">
+              <a:buFont typeface="Arial" panose="020B0604020202020204" pitchFamily="34" charset="0"/>
+              <a:buChar char="•"/>
+            </a:pPr>
+            <a:r>
+              <a:rPr lang="en-US" b="0" i="0" dirty="0">
+                <a:solidFill>
+                  <a:srgbClr val="374151"/>
+                </a:solidFill>
+                <a:effectLst/>
+                <a:latin typeface="Söhne"/>
+              </a:rPr>
+              <a:t>Versatile use as a cache, database, and message broker.</a:t>
+            </a:r>
+          </a:p>
+          <a:p>
+            <a:pPr marL="742950" lvl="1" indent="-285750" algn="l">
+              <a:buFont typeface="Arial" panose="020B0604020202020204" pitchFamily="34" charset="0"/>
+              <a:buChar char="•"/>
+            </a:pPr>
+            <a:r>
+              <a:rPr lang="en-US" b="0" i="0" dirty="0">
+                <a:solidFill>
+                  <a:srgbClr val="374151"/>
+                </a:solidFill>
+                <a:effectLst/>
+                <a:latin typeface="Söhne"/>
+              </a:rPr>
+              <a:t>Simplicity and ease of use.</a:t>
+            </a:r>
+          </a:p>
+          <a:p>
+            <a:pPr marL="742950" lvl="1" indent="-285750" algn="l">
+              <a:buFont typeface="Arial" panose="020B0604020202020204" pitchFamily="34" charset="0"/>
+              <a:buChar char="•"/>
+            </a:pPr>
+            <a:r>
+              <a:rPr lang="en-US" b="0" i="0" dirty="0">
+                <a:solidFill>
+                  <a:srgbClr val="374151"/>
+                </a:solidFill>
+                <a:effectLst/>
+                <a:latin typeface="Söhne"/>
+              </a:rPr>
+              <a:t>Excellent for scenarios requiring low-latency.</a:t>
+            </a:r>
+          </a:p>
+          <a:p>
+            <a:pPr marL="742950" lvl="1" indent="-285750" algn="l">
+              <a:buFont typeface="Arial" panose="020B0604020202020204" pitchFamily="34" charset="0"/>
+              <a:buChar char="•"/>
+            </a:pPr>
+            <a:r>
+              <a:rPr lang="en-US" b="0" i="0" dirty="0">
+                <a:solidFill>
+                  <a:srgbClr val="374151"/>
+                </a:solidFill>
+                <a:effectLst/>
+                <a:latin typeface="Söhne"/>
+              </a:rPr>
+              <a:t>Active community and widespread adoption.</a:t>
+            </a:r>
+          </a:p>
+          <a:p>
+            <a:pPr marL="0" indent="0" algn="l">
+              <a:buNone/>
+            </a:pPr>
+            <a:r>
+              <a:rPr lang="en-US" b="1" i="0" u="sng" dirty="0">
+                <a:solidFill>
+                  <a:srgbClr val="374151"/>
+                </a:solidFill>
+                <a:effectLst/>
+                <a:latin typeface="Söhne"/>
+              </a:rPr>
+              <a:t>Reasons Not to Choose:</a:t>
+            </a:r>
+            <a:endParaRPr lang="en-US" b="0" i="0" u="sng" dirty="0">
+              <a:solidFill>
+                <a:srgbClr val="374151"/>
+              </a:solidFill>
+              <a:effectLst/>
+              <a:latin typeface="Söhne"/>
+            </a:endParaRPr>
+          </a:p>
+          <a:p>
+            <a:pPr marL="742950" lvl="1" indent="-285750" algn="l">
+              <a:buFont typeface="Arial" panose="020B0604020202020204" pitchFamily="34" charset="0"/>
+              <a:buChar char="•"/>
+            </a:pPr>
+            <a:r>
+              <a:rPr lang="en-US" b="0" i="0" dirty="0">
+                <a:solidFill>
+                  <a:srgbClr val="374151"/>
+                </a:solidFill>
+                <a:effectLst/>
+                <a:latin typeface="Söhne"/>
+              </a:rPr>
+              <a:t>Limited durability as messages are stored in memory.</a:t>
+            </a:r>
+          </a:p>
+          <a:p>
+            <a:pPr marL="742950" lvl="1" indent="-285750" algn="l">
+              <a:buFont typeface="Arial" panose="020B0604020202020204" pitchFamily="34" charset="0"/>
+              <a:buChar char="•"/>
+            </a:pPr>
+            <a:r>
+              <a:rPr lang="en-US" b="0" i="0" dirty="0">
+                <a:solidFill>
+                  <a:srgbClr val="374151"/>
+                </a:solidFill>
+                <a:effectLst/>
+                <a:latin typeface="Söhne"/>
+              </a:rPr>
+              <a:t>May not be suitable for scenarios with large message queues.</a:t>
+            </a:r>
+          </a:p>
+          <a:p>
+            <a:endParaRPr lang="en-US" dirty="0"/>
+          </a:p>
+          <a:p>
+            <a:endParaRPr lang="en-US" dirty="0"/>
+          </a:p>
+        </p:txBody>
+      </p:sp>
+    </p:spTree>
+    <p:extLst>
+      <p:ext uri="{BB962C8B-B14F-4D97-AF65-F5344CB8AC3E}">
+        <p14:creationId xmlns:p14="http://schemas.microsoft.com/office/powerpoint/2010/main" val="2867532001"/>
+      </p:ext>
+    </p:extLst>
+  </p:cSld>
+  <p:clrMapOvr>
+    <a:masterClrMapping/>
+  </p:clrMapOvr>
+</p:sld>
+</file>
+
+<file path=ppt/slides/slide9.xml><?xml version="1.0" encoding="utf-8"?>
+<p:sld xmlns:a="http://schemas.openxmlformats.org/drawingml/2006/main" xmlns:r="http://schemas.openxmlformats.org/officeDocument/2006/relationships" xmlns:p="http://schemas.openxmlformats.org/presentationml/2006/main">
+  <p:cSld>
+    <p:spTree>
+      <p:nvGrpSpPr>
+        <p:cNvPr id="1" name=""/>
+        <p:cNvGrpSpPr/>
+        <p:nvPr/>
+      </p:nvGrpSpPr>
+      <p:grpSpPr>
+        <a:xfrm>
+          <a:off x="0" y="0"/>
+          <a:ext cx="0" cy="0"/>
+          <a:chOff x="0" y="0"/>
+          <a:chExt cx="0" cy="0"/>
+        </a:xfrm>
+      </p:grpSpPr>
+      <p:sp>
+        <p:nvSpPr>
+          <p:cNvPr id="2" name="Title 1">
+            <a:extLst>
+              <a:ext uri="{FF2B5EF4-FFF2-40B4-BE49-F238E27FC236}">
+                <a16:creationId xmlns:a16="http://schemas.microsoft.com/office/drawing/2014/main" id="{F00CA20F-A43B-1C0D-95C5-DD0432B778E2}"/>
+              </a:ext>
+            </a:extLst>
+          </p:cNvPr>
+          <p:cNvSpPr>
+            <a:spLocks noGrp="1"/>
+          </p:cNvSpPr>
+          <p:nvPr>
+            <p:ph type="title"/>
+          </p:nvPr>
+        </p:nvSpPr>
+        <p:spPr>
+          <a:xfrm>
+            <a:off x="838200" y="365125"/>
+            <a:ext cx="10515600" cy="896747"/>
+          </a:xfrm>
+        </p:spPr>
+        <p:txBody>
+          <a:bodyPr>
+            <a:normAutofit fontScale="90000"/>
+          </a:bodyPr>
+          <a:lstStyle/>
+          <a:p>
+            <a:pPr algn="ctr"/>
+            <a:r>
+              <a:rPr lang="en-US" b="1" i="0" dirty="0" err="1">
+                <a:effectLst/>
+                <a:latin typeface="-apple-system"/>
+              </a:rPr>
+              <a:t>ZeroMQ</a:t>
+            </a:r>
+            <a:br>
+              <a:rPr lang="en-US" b="1" i="0" dirty="0">
+                <a:effectLst/>
+                <a:latin typeface="-apple-system"/>
+              </a:rPr>
+            </a:br>
+            <a:endParaRPr lang="en-US" dirty="0"/>
+          </a:p>
+        </p:txBody>
+      </p:sp>
+      <p:sp>
+        <p:nvSpPr>
+          <p:cNvPr id="3" name="Content Placeholder 2">
+            <a:extLst>
+              <a:ext uri="{FF2B5EF4-FFF2-40B4-BE49-F238E27FC236}">
+                <a16:creationId xmlns:a16="http://schemas.microsoft.com/office/drawing/2014/main" id="{1F0FE871-49C9-98C4-B312-44FDA8548534}"/>
+              </a:ext>
+            </a:extLst>
+          </p:cNvPr>
+          <p:cNvSpPr>
+            <a:spLocks noGrp="1"/>
+          </p:cNvSpPr>
+          <p:nvPr>
+            <p:ph idx="1"/>
+          </p:nvPr>
+        </p:nvSpPr>
+        <p:spPr>
+          <a:xfrm>
+            <a:off x="838200" y="1261872"/>
+            <a:ext cx="10515600" cy="4915091"/>
+          </a:xfrm>
+        </p:spPr>
+        <p:txBody>
+          <a:bodyPr>
+            <a:normAutofit fontScale="92500" lnSpcReduction="10000"/>
+          </a:bodyPr>
+          <a:lstStyle/>
+          <a:p>
+            <a:pPr marL="0" indent="0" algn="l">
+              <a:buNone/>
+            </a:pPr>
+            <a:r>
+              <a:rPr lang="en-US" b="1" i="0" u="sng" dirty="0">
+                <a:solidFill>
+                  <a:srgbClr val="374151"/>
+                </a:solidFill>
+                <a:effectLst/>
+                <a:latin typeface="Söhne"/>
+              </a:rPr>
+              <a:t>Features:</a:t>
+            </a:r>
+            <a:endParaRPr lang="en-US" b="0" i="0" u="sng" dirty="0">
+              <a:solidFill>
+                <a:srgbClr val="374151"/>
+              </a:solidFill>
+              <a:effectLst/>
+              <a:latin typeface="Söhne"/>
+            </a:endParaRPr>
+          </a:p>
+          <a:p>
+            <a:pPr lvl="1"/>
+            <a:r>
+              <a:rPr lang="en-US" b="1" i="0" dirty="0">
+                <a:solidFill>
+                  <a:srgbClr val="374151"/>
+                </a:solidFill>
+                <a:effectLst/>
+                <a:latin typeface="Söhne"/>
+              </a:rPr>
+              <a:t>Lightweight:</a:t>
+            </a:r>
+            <a:endParaRPr lang="en-US" b="0" i="0" dirty="0">
+              <a:solidFill>
+                <a:srgbClr val="374151"/>
+              </a:solidFill>
+              <a:effectLst/>
+              <a:latin typeface="Söhne"/>
+            </a:endParaRPr>
+          </a:p>
+          <a:p>
+            <a:pPr marL="1200150" lvl="2" indent="-285750"/>
+            <a:r>
+              <a:rPr lang="en-US" b="0" i="0" dirty="0">
+                <a:solidFill>
+                  <a:srgbClr val="374151"/>
+                </a:solidFill>
+                <a:effectLst/>
+                <a:latin typeface="Söhne"/>
+              </a:rPr>
+              <a:t>A lightweight messaging library with a minimalistic design.</a:t>
+            </a:r>
+          </a:p>
+          <a:p>
+            <a:pPr marL="1200150" lvl="2" indent="-285750"/>
+            <a:r>
+              <a:rPr lang="en-US" b="0" i="0" dirty="0">
+                <a:solidFill>
+                  <a:srgbClr val="374151"/>
+                </a:solidFill>
+                <a:effectLst/>
+                <a:latin typeface="Söhne"/>
+              </a:rPr>
+              <a:t>Designed for efficiency and simplicity.</a:t>
+            </a:r>
+          </a:p>
+          <a:p>
+            <a:pPr lvl="1"/>
+            <a:r>
+              <a:rPr lang="en-US" b="1" i="0" dirty="0">
+                <a:solidFill>
+                  <a:srgbClr val="374151"/>
+                </a:solidFill>
+                <a:effectLst/>
+                <a:latin typeface="Söhne"/>
+              </a:rPr>
+              <a:t>Messaging Patterns:</a:t>
+            </a:r>
+            <a:endParaRPr lang="en-US" b="0" i="0" dirty="0">
+              <a:solidFill>
+                <a:srgbClr val="374151"/>
+              </a:solidFill>
+              <a:effectLst/>
+              <a:latin typeface="Söhne"/>
+            </a:endParaRPr>
+          </a:p>
+          <a:p>
+            <a:pPr marL="1200150" lvl="2" indent="-285750"/>
+            <a:r>
+              <a:rPr lang="en-US" b="0" i="0" dirty="0">
+                <a:solidFill>
+                  <a:srgbClr val="374151"/>
+                </a:solidFill>
+                <a:effectLst/>
+                <a:latin typeface="Söhne"/>
+              </a:rPr>
+              <a:t>Supports various messaging patterns, including publish/subscribe and request/reply.</a:t>
+            </a:r>
+          </a:p>
+          <a:p>
+            <a:pPr marL="1200150" lvl="2" indent="-285750"/>
+            <a:r>
+              <a:rPr lang="en-US" b="0" i="0" dirty="0">
+                <a:solidFill>
+                  <a:srgbClr val="374151"/>
+                </a:solidFill>
+                <a:effectLst/>
+                <a:latin typeface="Söhne"/>
+              </a:rPr>
+              <a:t>Provides flexibility for different communication needs.</a:t>
+            </a:r>
+          </a:p>
+          <a:p>
+            <a:pPr lvl="1"/>
+            <a:r>
+              <a:rPr lang="en-US" b="1" i="0" dirty="0">
+                <a:solidFill>
+                  <a:srgbClr val="374151"/>
+                </a:solidFill>
+                <a:effectLst/>
+                <a:latin typeface="Söhne"/>
+              </a:rPr>
+              <a:t>Performance:</a:t>
+            </a:r>
+            <a:endParaRPr lang="en-US" b="0" i="0" dirty="0">
+              <a:solidFill>
+                <a:srgbClr val="374151"/>
+              </a:solidFill>
+              <a:effectLst/>
+              <a:latin typeface="Söhne"/>
+            </a:endParaRPr>
+          </a:p>
+          <a:p>
+            <a:pPr marL="1200150" lvl="2" indent="-285750"/>
+            <a:r>
+              <a:rPr lang="en-US" b="0" i="0" dirty="0">
+                <a:solidFill>
+                  <a:srgbClr val="374151"/>
+                </a:solidFill>
+                <a:effectLst/>
+                <a:latin typeface="Söhne"/>
+              </a:rPr>
+              <a:t>High-performance with low-latency communication.</a:t>
+            </a:r>
+          </a:p>
+          <a:p>
+            <a:pPr marL="1200150" lvl="2" indent="-285750"/>
+            <a:r>
+              <a:rPr lang="en-US" b="0" i="0" dirty="0">
+                <a:solidFill>
+                  <a:srgbClr val="374151"/>
+                </a:solidFill>
+                <a:effectLst/>
+                <a:latin typeface="Söhne"/>
+              </a:rPr>
+              <a:t>Efficient message transfer without the overhead of a central message broker.</a:t>
+            </a:r>
+          </a:p>
+          <a:p>
+            <a:pPr lvl="1"/>
+            <a:r>
+              <a:rPr lang="en-US" b="1" i="0" dirty="0">
+                <a:solidFill>
+                  <a:srgbClr val="374151"/>
+                </a:solidFill>
+                <a:effectLst/>
+                <a:latin typeface="Söhne"/>
+              </a:rPr>
+              <a:t>Simplicity:</a:t>
+            </a:r>
+            <a:endParaRPr lang="en-US" b="0" i="0" dirty="0">
+              <a:solidFill>
+                <a:srgbClr val="374151"/>
+              </a:solidFill>
+              <a:effectLst/>
+              <a:latin typeface="Söhne"/>
+            </a:endParaRPr>
+          </a:p>
+          <a:p>
+            <a:pPr marL="1200150" lvl="2" indent="-285750"/>
+            <a:r>
+              <a:rPr lang="en-US" b="0" i="0" dirty="0">
+                <a:solidFill>
+                  <a:srgbClr val="374151"/>
+                </a:solidFill>
+                <a:effectLst/>
+                <a:latin typeface="Söhne"/>
+              </a:rPr>
+              <a:t>Simple API for ease of use and quick integration.</a:t>
+            </a:r>
+          </a:p>
+          <a:p>
+            <a:pPr marL="1200150" lvl="2" indent="-285750"/>
+            <a:r>
+              <a:rPr lang="en-US" b="0" i="0" dirty="0">
+                <a:solidFill>
+                  <a:srgbClr val="374151"/>
+                </a:solidFill>
+                <a:effectLst/>
+                <a:latin typeface="Söhne"/>
+              </a:rPr>
+              <a:t>Focuses on providing building blocks for custom messaging solutions.</a:t>
+            </a:r>
+          </a:p>
+          <a:p>
+            <a:pPr lvl="1"/>
+            <a:r>
+              <a:rPr lang="en-US" b="1" i="0" dirty="0">
+                <a:solidFill>
+                  <a:srgbClr val="374151"/>
+                </a:solidFill>
+                <a:effectLst/>
+                <a:latin typeface="Söhne"/>
+              </a:rPr>
+              <a:t>Flexibility:</a:t>
+            </a:r>
+            <a:endParaRPr lang="en-US" b="0" i="0" dirty="0">
+              <a:solidFill>
+                <a:srgbClr val="374151"/>
+              </a:solidFill>
+              <a:effectLst/>
+              <a:latin typeface="Söhne"/>
+            </a:endParaRPr>
+          </a:p>
+          <a:p>
+            <a:pPr marL="1200150" lvl="2" indent="-285750"/>
+            <a:r>
+              <a:rPr lang="en-US" b="0" i="0" dirty="0">
+                <a:solidFill>
+                  <a:srgbClr val="374151"/>
+                </a:solidFill>
+                <a:effectLst/>
+                <a:latin typeface="Söhne"/>
+              </a:rPr>
+              <a:t>Allows building custom messaging solutions tailored to specific requirements.</a:t>
+            </a:r>
+          </a:p>
+          <a:p>
+            <a:endParaRPr lang="en-US" dirty="0"/>
+          </a:p>
+          <a:p>
+            <a:endParaRPr lang="en-US" dirty="0"/>
+          </a:p>
+        </p:txBody>
+      </p:sp>
+    </p:spTree>
+    <p:extLst>
+      <p:ext uri="{BB962C8B-B14F-4D97-AF65-F5344CB8AC3E}">
+        <p14:creationId xmlns:p14="http://schemas.microsoft.com/office/powerpoint/2010/main" val="1200103158"/>
       </p:ext>
     </p:extLst>
   </p:cSld>
